--- a/project03 화면설계서/0228 발표용 project03 - 화면 설계서 - 형준.pptx
+++ b/project03 화면설계서/0228 발표용 project03 - 화면 설계서 - 형준.pptx
@@ -5,28 +5,33 @@
     <p:sldMasterId id="2147483648" r:id="rId1"/>
   </p:sldMasterIdLst>
   <p:notesMasterIdLst>
-    <p:notesMasterId r:id="rId21"/>
+    <p:notesMasterId r:id="rId26"/>
   </p:notesMasterIdLst>
   <p:sldIdLst>
     <p:sldId id="256" r:id="rId2"/>
-    <p:sldId id="257" r:id="rId3"/>
-    <p:sldId id="258" r:id="rId4"/>
-    <p:sldId id="259" r:id="rId5"/>
-    <p:sldId id="260" r:id="rId6"/>
-    <p:sldId id="261" r:id="rId7"/>
-    <p:sldId id="263" r:id="rId8"/>
-    <p:sldId id="262" r:id="rId9"/>
-    <p:sldId id="264" r:id="rId10"/>
-    <p:sldId id="265" r:id="rId11"/>
-    <p:sldId id="266" r:id="rId12"/>
-    <p:sldId id="267" r:id="rId13"/>
-    <p:sldId id="268" r:id="rId14"/>
-    <p:sldId id="269" r:id="rId15"/>
-    <p:sldId id="270" r:id="rId16"/>
-    <p:sldId id="271" r:id="rId17"/>
-    <p:sldId id="272" r:id="rId18"/>
-    <p:sldId id="273" r:id="rId19"/>
-    <p:sldId id="274" r:id="rId20"/>
+    <p:sldId id="275" r:id="rId3"/>
+    <p:sldId id="276" r:id="rId4"/>
+    <p:sldId id="257" r:id="rId5"/>
+    <p:sldId id="258" r:id="rId6"/>
+    <p:sldId id="277" r:id="rId7"/>
+    <p:sldId id="259" r:id="rId8"/>
+    <p:sldId id="260" r:id="rId9"/>
+    <p:sldId id="261" r:id="rId10"/>
+    <p:sldId id="263" r:id="rId11"/>
+    <p:sldId id="262" r:id="rId12"/>
+    <p:sldId id="264" r:id="rId13"/>
+    <p:sldId id="265" r:id="rId14"/>
+    <p:sldId id="266" r:id="rId15"/>
+    <p:sldId id="278" r:id="rId16"/>
+    <p:sldId id="267" r:id="rId17"/>
+    <p:sldId id="268" r:id="rId18"/>
+    <p:sldId id="269" r:id="rId19"/>
+    <p:sldId id="270" r:id="rId20"/>
+    <p:sldId id="271" r:id="rId21"/>
+    <p:sldId id="272" r:id="rId22"/>
+    <p:sldId id="273" r:id="rId23"/>
+    <p:sldId id="274" r:id="rId24"/>
+    <p:sldId id="279" r:id="rId25"/>
   </p:sldIdLst>
   <p:sldSz cx="12192000" cy="6858000"/>
   <p:notesSz cx="6858000" cy="9144000"/>
@@ -680,8 +685,8 @@
         </p:nvSpPr>
         <p:spPr>
           <a:xfrm>
-            <a:off x="954088" y="685800"/>
-            <a:ext cx="4951412" cy="3429000"/>
+            <a:off x="382588" y="685800"/>
+            <a:ext cx="6094412" cy="3429000"/>
           </a:xfrm>
           <a:custGeom>
             <a:avLst/>
@@ -1061,6 +1066,133 @@
         </p:nvSpPr>
         <p:spPr>
           <a:xfrm>
+            <a:off x="954088" y="685800"/>
+            <a:ext cx="4951412" cy="3429000"/>
+          </a:xfrm>
+          <a:custGeom>
+            <a:avLst/>
+            <a:gdLst/>
+            <a:ahLst/>
+            <a:cxnLst/>
+            <a:rect l="l" t="t" r="r" b="b"/>
+            <a:pathLst>
+              <a:path w="120000" h="120000" extrusionOk="0">
+                <a:moveTo>
+                  <a:pt x="0" y="0"/>
+                </a:moveTo>
+                <a:lnTo>
+                  <a:pt x="120000" y="0"/>
+                </a:lnTo>
+                <a:lnTo>
+                  <a:pt x="120000" y="120000"/>
+                </a:lnTo>
+                <a:lnTo>
+                  <a:pt x="0" y="120000"/>
+                </a:lnTo>
+                <a:close/>
+              </a:path>
+            </a:pathLst>
+          </a:custGeom>
+          <a:noFill/>
+          <a:ln w="9525" cap="flat" cmpd="sng">
+            <a:solidFill>
+              <a:srgbClr val="000000"/>
+            </a:solidFill>
+            <a:prstDash val="solid"/>
+            <a:round/>
+            <a:headEnd type="none" w="sm" len="sm"/>
+            <a:tailEnd type="none" w="sm" len="sm"/>
+          </a:ln>
+        </p:spPr>
+      </p:sp>
+    </p:spTree>
+    <p:extLst>
+      <p:ext uri="{BB962C8B-B14F-4D97-AF65-F5344CB8AC3E}">
+        <p14:creationId xmlns:p14="http://schemas.microsoft.com/office/powerpoint/2010/main" val="904104145"/>
+      </p:ext>
+    </p:extLst>
+  </p:cSld>
+  <p:clrMapOvr>
+    <a:masterClrMapping/>
+  </p:clrMapOvr>
+</p:notes>
+</file>
+
+<file path=ppt/notesSlides/notesSlide6.xml><?xml version="1.0" encoding="utf-8"?>
+<p:notes xmlns:a="http://schemas.openxmlformats.org/drawingml/2006/main" xmlns:r="http://schemas.openxmlformats.org/officeDocument/2006/relationships" xmlns:p="http://schemas.openxmlformats.org/presentationml/2006/main" showMasterSp="0" showMasterPhAnim="0">
+  <p:cSld>
+    <p:spTree>
+      <p:nvGrpSpPr>
+        <p:cNvPr id="1" name="Shape 87"/>
+        <p:cNvGrpSpPr/>
+        <p:nvPr/>
+      </p:nvGrpSpPr>
+      <p:grpSpPr>
+        <a:xfrm>
+          <a:off x="0" y="0"/>
+          <a:ext cx="0" cy="0"/>
+          <a:chOff x="0" y="0"/>
+          <a:chExt cx="0" cy="0"/>
+        </a:xfrm>
+      </p:grpSpPr>
+      <p:sp>
+        <p:nvSpPr>
+          <p:cNvPr id="88" name="Google Shape;88;g7c553259d1_0_3:notes"/>
+          <p:cNvSpPr txBox="1">
+            <a:spLocks noGrp="1"/>
+          </p:cNvSpPr>
+          <p:nvPr>
+            <p:ph type="body" idx="1"/>
+          </p:nvPr>
+        </p:nvSpPr>
+        <p:spPr>
+          <a:xfrm>
+            <a:off x="685800" y="4343400"/>
+            <a:ext cx="5486400" cy="4114800"/>
+          </a:xfrm>
+          <a:prstGeom prst="rect">
+            <a:avLst/>
+          </a:prstGeom>
+          <a:noFill/>
+          <a:ln>
+            <a:noFill/>
+          </a:ln>
+        </p:spPr>
+        <p:txBody>
+          <a:bodyPr spcFirstLastPara="1" wrap="square" lIns="91425" tIns="91425" rIns="91425" bIns="91425" anchor="t" anchorCtr="0">
+            <a:noAutofit/>
+          </a:bodyPr>
+          <a:lstStyle/>
+          <a:p>
+            <a:pPr marL="0" lvl="0" indent="0" algn="l" rtl="0">
+              <a:lnSpc>
+                <a:spcPct val="100000"/>
+              </a:lnSpc>
+              <a:spcBef>
+                <a:spcPts val="0"/>
+              </a:spcBef>
+              <a:spcAft>
+                <a:spcPts val="0"/>
+              </a:spcAft>
+              <a:buSzPts val="1100"/>
+              <a:buNone/>
+            </a:pPr>
+            <a:endParaRPr/>
+          </a:p>
+        </p:txBody>
+      </p:sp>
+      <p:sp>
+        <p:nvSpPr>
+          <p:cNvPr id="89" name="Google Shape;89;g7c553259d1_0_3:notes"/>
+          <p:cNvSpPr>
+            <a:spLocks noGrp="1" noRot="1" noChangeAspect="1"/>
+          </p:cNvSpPr>
+          <p:nvPr>
+            <p:ph type="sldImg" idx="2"/>
+          </p:nvPr>
+        </p:nvSpPr>
+        <p:spPr>
+          <a:xfrm>
             <a:off x="382588" y="685800"/>
             <a:ext cx="6094412" cy="3429000"/>
           </a:xfrm>
@@ -1113,7 +1245,7 @@
 </p:notes>
 </file>
 
-<file path=ppt/notesSlides/notesSlide6.xml><?xml version="1.0" encoding="utf-8"?>
+<file path=ppt/notesSlides/notesSlide7.xml><?xml version="1.0" encoding="utf-8"?>
 <p:notes xmlns:a="http://schemas.openxmlformats.org/drawingml/2006/main" xmlns:r="http://schemas.openxmlformats.org/officeDocument/2006/relationships" xmlns:p="http://schemas.openxmlformats.org/presentationml/2006/main" showMasterSp="0" showMasterPhAnim="0">
   <p:cSld>
     <p:spTree>
@@ -4218,6 +4350,2221 @@
           <p:nvPr>
             <p:extLst>
               <p:ext uri="{D42A27DB-BD31-4B8C-83A1-F6EECF244321}">
+                <p14:modId xmlns:p14="http://schemas.microsoft.com/office/powerpoint/2010/main" val="2038382606"/>
+              </p:ext>
+            </p:extLst>
+          </p:nvPr>
+        </p:nvGraphicFramePr>
+        <p:xfrm>
+          <a:off x="9309046" y="197403"/>
+          <a:ext cx="2815500" cy="320050"/>
+        </p:xfrm>
+        <a:graphic>
+          <a:graphicData uri="http://schemas.openxmlformats.org/drawingml/2006/table">
+            <a:tbl>
+              <a:tblPr firstRow="1" bandRow="1">
+                <a:noFill/>
+              </a:tblPr>
+              <a:tblGrid>
+                <a:gridCol w="1407750"/>
+                <a:gridCol w="1407750"/>
+              </a:tblGrid>
+              <a:tr h="265075">
+                <a:tc>
+                  <a:txBody>
+                    <a:bodyPr/>
+                    <a:lstStyle/>
+                    <a:p>
+                      <a:pPr marL="0" marR="0" lvl="0" indent="0" algn="ctr" rtl="0">
+                        <a:lnSpc>
+                          <a:spcPct val="100000"/>
+                        </a:lnSpc>
+                        <a:spcBef>
+                          <a:spcPts val="0"/>
+                        </a:spcBef>
+                        <a:spcAft>
+                          <a:spcPts val="0"/>
+                        </a:spcAft>
+                        <a:buClr>
+                          <a:srgbClr val="000000"/>
+                        </a:buClr>
+                        <a:buSzPts val="1500"/>
+                        <a:buFont typeface="Arial"/>
+                        <a:buNone/>
+                      </a:pPr>
+                      <a:r>
+                        <a:rPr lang="ko-KR" sz="1500" b="0" u="none" strike="noStrike" cap="none" dirty="0">
+                          <a:solidFill>
+                            <a:schemeClr val="dk1"/>
+                          </a:solidFill>
+                        </a:rPr>
+                        <a:t>화면 번호</a:t>
+                      </a:r>
+                      <a:endParaRPr sz="1500" b="0" u="none" strike="noStrike" cap="none" dirty="0">
+                        <a:solidFill>
+                          <a:schemeClr val="dk1"/>
+                        </a:solidFill>
+                      </a:endParaRPr>
+                    </a:p>
+                  </a:txBody>
+                  <a:tcPr marL="91451" marR="91451" marT="45725" marB="45725" anchor="ctr">
+                    <a:lnL w="12700" cap="flat" cmpd="sng">
+                      <a:solidFill>
+                        <a:schemeClr val="dk1"/>
+                      </a:solidFill>
+                      <a:prstDash val="solid"/>
+                      <a:round/>
+                      <a:headEnd type="none" w="sm" len="sm"/>
+                      <a:tailEnd type="none" w="sm" len="sm"/>
+                    </a:lnL>
+                    <a:lnR w="12700" cap="flat" cmpd="sng">
+                      <a:solidFill>
+                        <a:schemeClr val="dk1"/>
+                      </a:solidFill>
+                      <a:prstDash val="solid"/>
+                      <a:round/>
+                      <a:headEnd type="none" w="sm" len="sm"/>
+                      <a:tailEnd type="none" w="sm" len="sm"/>
+                    </a:lnR>
+                    <a:lnT w="12700" cap="flat" cmpd="sng">
+                      <a:solidFill>
+                        <a:schemeClr val="dk1"/>
+                      </a:solidFill>
+                      <a:prstDash val="solid"/>
+                      <a:round/>
+                      <a:headEnd type="none" w="sm" len="sm"/>
+                      <a:tailEnd type="none" w="sm" len="sm"/>
+                    </a:lnT>
+                    <a:lnB w="12700" cap="flat" cmpd="sng">
+                      <a:solidFill>
+                        <a:schemeClr val="dk1"/>
+                      </a:solidFill>
+                      <a:prstDash val="solid"/>
+                      <a:round/>
+                      <a:headEnd type="none" w="sm" len="sm"/>
+                      <a:tailEnd type="none" w="sm" len="sm"/>
+                    </a:lnB>
+                    <a:solidFill>
+                      <a:srgbClr val="D8D8D8"/>
+                    </a:solidFill>
+                  </a:tcPr>
+                </a:tc>
+                <a:tc>
+                  <a:txBody>
+                    <a:bodyPr/>
+                    <a:lstStyle/>
+                    <a:p>
+                      <a:pPr marL="0" marR="0" lvl="0" indent="0" algn="ctr" rtl="0">
+                        <a:lnSpc>
+                          <a:spcPct val="100000"/>
+                        </a:lnSpc>
+                        <a:spcBef>
+                          <a:spcPts val="0"/>
+                        </a:spcBef>
+                        <a:spcAft>
+                          <a:spcPts val="0"/>
+                        </a:spcAft>
+                        <a:buClr>
+                          <a:srgbClr val="000000"/>
+                        </a:buClr>
+                        <a:buSzPts val="1500"/>
+                        <a:buFont typeface="Arial"/>
+                        <a:buNone/>
+                      </a:pPr>
+                      <a:r>
+                        <a:rPr lang="en-US" sz="1500" b="0" u="none" strike="noStrike" cap="none" dirty="0" smtClean="0">
+                          <a:solidFill>
+                            <a:schemeClr val="dk1"/>
+                          </a:solidFill>
+                        </a:rPr>
+                        <a:t>5</a:t>
+                      </a:r>
+                      <a:endParaRPr sz="1500" b="0" u="none" strike="noStrike" cap="none" dirty="0">
+                        <a:solidFill>
+                          <a:schemeClr val="dk1"/>
+                        </a:solidFill>
+                      </a:endParaRPr>
+                    </a:p>
+                  </a:txBody>
+                  <a:tcPr marL="91451" marR="91451" marT="45725" marB="45725" anchor="ctr">
+                    <a:lnL w="12700" cap="flat" cmpd="sng">
+                      <a:solidFill>
+                        <a:schemeClr val="dk1"/>
+                      </a:solidFill>
+                      <a:prstDash val="solid"/>
+                      <a:round/>
+                      <a:headEnd type="none" w="sm" len="sm"/>
+                      <a:tailEnd type="none" w="sm" len="sm"/>
+                    </a:lnL>
+                    <a:lnR w="12700" cap="flat" cmpd="sng">
+                      <a:solidFill>
+                        <a:schemeClr val="dk1"/>
+                      </a:solidFill>
+                      <a:prstDash val="solid"/>
+                      <a:round/>
+                      <a:headEnd type="none" w="sm" len="sm"/>
+                      <a:tailEnd type="none" w="sm" len="sm"/>
+                    </a:lnR>
+                    <a:lnT w="12700" cap="flat" cmpd="sng">
+                      <a:solidFill>
+                        <a:schemeClr val="dk1"/>
+                      </a:solidFill>
+                      <a:prstDash val="solid"/>
+                      <a:round/>
+                      <a:headEnd type="none" w="sm" len="sm"/>
+                      <a:tailEnd type="none" w="sm" len="sm"/>
+                    </a:lnT>
+                    <a:lnB w="12700" cap="flat" cmpd="sng">
+                      <a:solidFill>
+                        <a:schemeClr val="dk1"/>
+                      </a:solidFill>
+                      <a:prstDash val="solid"/>
+                      <a:round/>
+                      <a:headEnd type="none" w="sm" len="sm"/>
+                      <a:tailEnd type="none" w="sm" len="sm"/>
+                    </a:lnB>
+                    <a:solidFill>
+                      <a:schemeClr val="lt1"/>
+                    </a:solidFill>
+                  </a:tcPr>
+                </a:tc>
+              </a:tr>
+            </a:tbl>
+          </a:graphicData>
+        </a:graphic>
+      </p:graphicFrame>
+      <p:graphicFrame>
+        <p:nvGraphicFramePr>
+          <p:cNvPr id="94" name="Google Shape;94;g7c553259d1_0_3"/>
+          <p:cNvGraphicFramePr/>
+          <p:nvPr/>
+        </p:nvGraphicFramePr>
+        <p:xfrm>
+          <a:off x="6200086" y="197403"/>
+          <a:ext cx="2815500" cy="320050"/>
+        </p:xfrm>
+        <a:graphic>
+          <a:graphicData uri="http://schemas.openxmlformats.org/drawingml/2006/table">
+            <a:tbl>
+              <a:tblPr firstRow="1" bandRow="1">
+                <a:noFill/>
+              </a:tblPr>
+              <a:tblGrid>
+                <a:gridCol w="1407750"/>
+                <a:gridCol w="1407750"/>
+              </a:tblGrid>
+              <a:tr h="265075">
+                <a:tc>
+                  <a:txBody>
+                    <a:bodyPr/>
+                    <a:lstStyle/>
+                    <a:p>
+                      <a:pPr marL="0" marR="0" lvl="0" indent="0" algn="ctr" rtl="0">
+                        <a:lnSpc>
+                          <a:spcPct val="100000"/>
+                        </a:lnSpc>
+                        <a:spcBef>
+                          <a:spcPts val="0"/>
+                        </a:spcBef>
+                        <a:spcAft>
+                          <a:spcPts val="0"/>
+                        </a:spcAft>
+                        <a:buClr>
+                          <a:srgbClr val="000000"/>
+                        </a:buClr>
+                        <a:buSzPts val="1500"/>
+                        <a:buFont typeface="Arial"/>
+                        <a:buNone/>
+                      </a:pPr>
+                      <a:r>
+                        <a:rPr lang="ko-KR" sz="1500" b="0" u="none" strike="noStrike" cap="none">
+                          <a:solidFill>
+                            <a:schemeClr val="dk1"/>
+                          </a:solidFill>
+                        </a:rPr>
+                        <a:t>프로젝트</a:t>
+                      </a:r>
+                      <a:endParaRPr sz="1500" b="0" u="none" strike="noStrike" cap="none">
+                        <a:solidFill>
+                          <a:schemeClr val="dk1"/>
+                        </a:solidFill>
+                      </a:endParaRPr>
+                    </a:p>
+                  </a:txBody>
+                  <a:tcPr marL="91451" marR="91451" marT="45725" marB="45725" anchor="ctr">
+                    <a:lnL w="12700" cap="flat" cmpd="sng">
+                      <a:solidFill>
+                        <a:schemeClr val="dk1"/>
+                      </a:solidFill>
+                      <a:prstDash val="solid"/>
+                      <a:round/>
+                      <a:headEnd type="none" w="sm" len="sm"/>
+                      <a:tailEnd type="none" w="sm" len="sm"/>
+                    </a:lnL>
+                    <a:lnR w="12700" cap="flat" cmpd="sng">
+                      <a:solidFill>
+                        <a:schemeClr val="dk1"/>
+                      </a:solidFill>
+                      <a:prstDash val="solid"/>
+                      <a:round/>
+                      <a:headEnd type="none" w="sm" len="sm"/>
+                      <a:tailEnd type="none" w="sm" len="sm"/>
+                    </a:lnR>
+                    <a:lnT w="12700" cap="flat" cmpd="sng">
+                      <a:solidFill>
+                        <a:schemeClr val="dk1"/>
+                      </a:solidFill>
+                      <a:prstDash val="solid"/>
+                      <a:round/>
+                      <a:headEnd type="none" w="sm" len="sm"/>
+                      <a:tailEnd type="none" w="sm" len="sm"/>
+                    </a:lnT>
+                    <a:lnB w="12700" cap="flat" cmpd="sng">
+                      <a:solidFill>
+                        <a:schemeClr val="dk1"/>
+                      </a:solidFill>
+                      <a:prstDash val="solid"/>
+                      <a:round/>
+                      <a:headEnd type="none" w="sm" len="sm"/>
+                      <a:tailEnd type="none" w="sm" len="sm"/>
+                    </a:lnB>
+                    <a:solidFill>
+                      <a:srgbClr val="D8D8D8"/>
+                    </a:solidFill>
+                  </a:tcPr>
+                </a:tc>
+                <a:tc>
+                  <a:txBody>
+                    <a:bodyPr/>
+                    <a:lstStyle/>
+                    <a:p>
+                      <a:pPr marL="0" marR="0" lvl="0" indent="0" algn="ctr" rtl="0">
+                        <a:lnSpc>
+                          <a:spcPct val="100000"/>
+                        </a:lnSpc>
+                        <a:spcBef>
+                          <a:spcPts val="0"/>
+                        </a:spcBef>
+                        <a:spcAft>
+                          <a:spcPts val="0"/>
+                        </a:spcAft>
+                        <a:buClr>
+                          <a:srgbClr val="000000"/>
+                        </a:buClr>
+                        <a:buSzPts val="1500"/>
+                        <a:buFont typeface="Arial"/>
+                        <a:buNone/>
+                      </a:pPr>
+                      <a:endParaRPr sz="1500" b="0" u="none" strike="noStrike" cap="none">
+                        <a:solidFill>
+                          <a:schemeClr val="dk1"/>
+                        </a:solidFill>
+                      </a:endParaRPr>
+                    </a:p>
+                  </a:txBody>
+                  <a:tcPr marL="91451" marR="91451" marT="45725" marB="45725" anchor="ctr">
+                    <a:lnL w="12700" cap="flat" cmpd="sng">
+                      <a:solidFill>
+                        <a:schemeClr val="dk1"/>
+                      </a:solidFill>
+                      <a:prstDash val="solid"/>
+                      <a:round/>
+                      <a:headEnd type="none" w="sm" len="sm"/>
+                      <a:tailEnd type="none" w="sm" len="sm"/>
+                    </a:lnL>
+                    <a:lnR w="12700" cap="flat" cmpd="sng">
+                      <a:solidFill>
+                        <a:schemeClr val="dk1"/>
+                      </a:solidFill>
+                      <a:prstDash val="solid"/>
+                      <a:round/>
+                      <a:headEnd type="none" w="sm" len="sm"/>
+                      <a:tailEnd type="none" w="sm" len="sm"/>
+                    </a:lnR>
+                    <a:lnT w="12700" cap="flat" cmpd="sng">
+                      <a:solidFill>
+                        <a:schemeClr val="dk1"/>
+                      </a:solidFill>
+                      <a:prstDash val="solid"/>
+                      <a:round/>
+                      <a:headEnd type="none" w="sm" len="sm"/>
+                      <a:tailEnd type="none" w="sm" len="sm"/>
+                    </a:lnT>
+                    <a:lnB w="12700" cap="flat" cmpd="sng">
+                      <a:solidFill>
+                        <a:schemeClr val="dk1"/>
+                      </a:solidFill>
+                      <a:prstDash val="solid"/>
+                      <a:round/>
+                      <a:headEnd type="none" w="sm" len="sm"/>
+                      <a:tailEnd type="none" w="sm" len="sm"/>
+                    </a:lnB>
+                    <a:solidFill>
+                      <a:schemeClr val="lt1"/>
+                    </a:solidFill>
+                  </a:tcPr>
+                </a:tc>
+              </a:tr>
+            </a:tbl>
+          </a:graphicData>
+        </a:graphic>
+      </p:graphicFrame>
+      <p:graphicFrame>
+        <p:nvGraphicFramePr>
+          <p:cNvPr id="96" name="Google Shape;96;g7c553259d1_0_3"/>
+          <p:cNvGraphicFramePr/>
+          <p:nvPr>
+            <p:extLst>
+              <p:ext uri="{D42A27DB-BD31-4B8C-83A1-F6EECF244321}">
+                <p14:modId xmlns:p14="http://schemas.microsoft.com/office/powerpoint/2010/main" val="2429282291"/>
+              </p:ext>
+            </p:extLst>
+          </p:nvPr>
+        </p:nvGraphicFramePr>
+        <p:xfrm>
+          <a:off x="8843382" y="836712"/>
+          <a:ext cx="2952330" cy="1467120"/>
+        </p:xfrm>
+        <a:graphic>
+          <a:graphicData uri="http://schemas.openxmlformats.org/drawingml/2006/table">
+            <a:tbl>
+              <a:tblPr firstRow="1" bandRow="1">
+                <a:noFill/>
+              </a:tblPr>
+              <a:tblGrid>
+                <a:gridCol w="289755"/>
+                <a:gridCol w="2662575"/>
+              </a:tblGrid>
+              <a:tr h="286673">
+                <a:tc>
+                  <a:txBody>
+                    <a:bodyPr/>
+                    <a:lstStyle/>
+                    <a:p>
+                      <a:pPr marL="0" marR="0" lvl="0" indent="0" algn="ctr" rtl="0">
+                        <a:lnSpc>
+                          <a:spcPct val="100000"/>
+                        </a:lnSpc>
+                        <a:spcBef>
+                          <a:spcPts val="0"/>
+                        </a:spcBef>
+                        <a:spcAft>
+                          <a:spcPts val="0"/>
+                        </a:spcAft>
+                        <a:buClr>
+                          <a:srgbClr val="000000"/>
+                        </a:buClr>
+                        <a:buSzPts val="1500"/>
+                        <a:buFont typeface="Arial"/>
+                        <a:buNone/>
+                      </a:pPr>
+                      <a:r>
+                        <a:rPr lang="ko-KR" sz="1500" u="none" strike="noStrike" cap="none" dirty="0">
+                          <a:solidFill>
+                            <a:schemeClr val="dk1"/>
+                          </a:solidFill>
+                        </a:rPr>
+                        <a:t>#</a:t>
+                      </a:r>
+                      <a:endParaRPr sz="1500" u="none" strike="noStrike" cap="none" dirty="0">
+                        <a:solidFill>
+                          <a:schemeClr val="dk1"/>
+                        </a:solidFill>
+                      </a:endParaRPr>
+                    </a:p>
+                  </a:txBody>
+                  <a:tcPr marL="91451" marR="91451" marT="45725" marB="45725" anchor="ctr">
+                    <a:lnL w="12700" cap="flat" cmpd="sng">
+                      <a:solidFill>
+                        <a:schemeClr val="dk1"/>
+                      </a:solidFill>
+                      <a:prstDash val="solid"/>
+                      <a:round/>
+                      <a:headEnd type="none" w="sm" len="sm"/>
+                      <a:tailEnd type="none" w="sm" len="sm"/>
+                    </a:lnL>
+                    <a:lnR w="12700" cap="flat" cmpd="sng">
+                      <a:solidFill>
+                        <a:schemeClr val="dk1"/>
+                      </a:solidFill>
+                      <a:prstDash val="solid"/>
+                      <a:round/>
+                      <a:headEnd type="none" w="sm" len="sm"/>
+                      <a:tailEnd type="none" w="sm" len="sm"/>
+                    </a:lnR>
+                    <a:lnT w="12700" cap="flat" cmpd="sng">
+                      <a:solidFill>
+                        <a:schemeClr val="dk1"/>
+                      </a:solidFill>
+                      <a:prstDash val="solid"/>
+                      <a:round/>
+                      <a:headEnd type="none" w="sm" len="sm"/>
+                      <a:tailEnd type="none" w="sm" len="sm"/>
+                    </a:lnT>
+                    <a:lnB w="12700" cap="flat" cmpd="sng">
+                      <a:solidFill>
+                        <a:schemeClr val="dk1"/>
+                      </a:solidFill>
+                      <a:prstDash val="solid"/>
+                      <a:round/>
+                      <a:headEnd type="none" w="sm" len="sm"/>
+                      <a:tailEnd type="none" w="sm" len="sm"/>
+                    </a:lnB>
+                    <a:solidFill>
+                      <a:srgbClr val="D8D8D8"/>
+                    </a:solidFill>
+                  </a:tcPr>
+                </a:tc>
+                <a:tc>
+                  <a:txBody>
+                    <a:bodyPr/>
+                    <a:lstStyle/>
+                    <a:p>
+                      <a:pPr marL="0" marR="0" lvl="0" indent="0" algn="ctr" rtl="0">
+                        <a:lnSpc>
+                          <a:spcPct val="100000"/>
+                        </a:lnSpc>
+                        <a:spcBef>
+                          <a:spcPts val="0"/>
+                        </a:spcBef>
+                        <a:spcAft>
+                          <a:spcPts val="0"/>
+                        </a:spcAft>
+                        <a:buClr>
+                          <a:srgbClr val="000000"/>
+                        </a:buClr>
+                        <a:buSzPts val="1500"/>
+                        <a:buFont typeface="Arial"/>
+                        <a:buNone/>
+                      </a:pPr>
+                      <a:r>
+                        <a:rPr lang="ko-KR" sz="1500" u="none" strike="noStrike" cap="none" dirty="0" err="1">
+                          <a:solidFill>
+                            <a:schemeClr val="dk1"/>
+                          </a:solidFill>
+                        </a:rPr>
+                        <a:t>기능명</a:t>
+                      </a:r>
+                      <a:endParaRPr sz="1500" u="none" strike="noStrike" cap="none" dirty="0">
+                        <a:solidFill>
+                          <a:schemeClr val="dk1"/>
+                        </a:solidFill>
+                      </a:endParaRPr>
+                    </a:p>
+                  </a:txBody>
+                  <a:tcPr marL="91451" marR="91451" marT="45725" marB="45725" anchor="ctr">
+                    <a:lnL w="12700" cap="flat" cmpd="sng">
+                      <a:solidFill>
+                        <a:schemeClr val="dk1"/>
+                      </a:solidFill>
+                      <a:prstDash val="solid"/>
+                      <a:round/>
+                      <a:headEnd type="none" w="sm" len="sm"/>
+                      <a:tailEnd type="none" w="sm" len="sm"/>
+                    </a:lnL>
+                    <a:lnR w="12700" cap="flat" cmpd="sng">
+                      <a:solidFill>
+                        <a:schemeClr val="dk1"/>
+                      </a:solidFill>
+                      <a:prstDash val="solid"/>
+                      <a:round/>
+                      <a:headEnd type="none" w="sm" len="sm"/>
+                      <a:tailEnd type="none" w="sm" len="sm"/>
+                    </a:lnR>
+                    <a:lnT w="12700" cap="flat" cmpd="sng">
+                      <a:solidFill>
+                        <a:schemeClr val="dk1"/>
+                      </a:solidFill>
+                      <a:prstDash val="solid"/>
+                      <a:round/>
+                      <a:headEnd type="none" w="sm" len="sm"/>
+                      <a:tailEnd type="none" w="sm" len="sm"/>
+                    </a:lnT>
+                    <a:lnB w="12700" cap="flat" cmpd="sng">
+                      <a:solidFill>
+                        <a:schemeClr val="dk1"/>
+                      </a:solidFill>
+                      <a:prstDash val="solid"/>
+                      <a:round/>
+                      <a:headEnd type="none" w="sm" len="sm"/>
+                      <a:tailEnd type="none" w="sm" len="sm"/>
+                    </a:lnB>
+                    <a:solidFill>
+                      <a:srgbClr val="D8D8D8"/>
+                    </a:solidFill>
+                  </a:tcPr>
+                </a:tc>
+              </a:tr>
+              <a:tr h="328022">
+                <a:tc>
+                  <a:txBody>
+                    <a:bodyPr/>
+                    <a:lstStyle/>
+                    <a:p>
+                      <a:pPr marL="0" marR="0" lvl="0" indent="0" algn="ctr" rtl="0">
+                        <a:lnSpc>
+                          <a:spcPct val="100000"/>
+                        </a:lnSpc>
+                        <a:spcBef>
+                          <a:spcPts val="0"/>
+                        </a:spcBef>
+                        <a:spcAft>
+                          <a:spcPts val="0"/>
+                        </a:spcAft>
+                        <a:buClr>
+                          <a:srgbClr val="000000"/>
+                        </a:buClr>
+                        <a:buSzPts val="1500"/>
+                        <a:buFont typeface="Arial"/>
+                        <a:buNone/>
+                      </a:pPr>
+                      <a:r>
+                        <a:rPr lang="ko-KR" sz="1500" u="none" strike="noStrike" cap="none">
+                          <a:solidFill>
+                            <a:schemeClr val="dk1"/>
+                          </a:solidFill>
+                        </a:rPr>
+                        <a:t>1</a:t>
+                      </a:r>
+                      <a:endParaRPr sz="1500" u="none" strike="noStrike" cap="none">
+                        <a:solidFill>
+                          <a:schemeClr val="dk1"/>
+                        </a:solidFill>
+                      </a:endParaRPr>
+                    </a:p>
+                  </a:txBody>
+                  <a:tcPr marL="91451" marR="91451" marT="45725" marB="45725" anchor="ctr">
+                    <a:lnL w="12700" cap="flat" cmpd="sng">
+                      <a:solidFill>
+                        <a:schemeClr val="dk1"/>
+                      </a:solidFill>
+                      <a:prstDash val="solid"/>
+                      <a:round/>
+                      <a:headEnd type="none" w="sm" len="sm"/>
+                      <a:tailEnd type="none" w="sm" len="sm"/>
+                    </a:lnL>
+                    <a:lnR w="12700" cap="flat" cmpd="sng">
+                      <a:solidFill>
+                        <a:schemeClr val="dk1"/>
+                      </a:solidFill>
+                      <a:prstDash val="solid"/>
+                      <a:round/>
+                      <a:headEnd type="none" w="sm" len="sm"/>
+                      <a:tailEnd type="none" w="sm" len="sm"/>
+                    </a:lnR>
+                    <a:lnT w="12700" cap="flat" cmpd="sng">
+                      <a:solidFill>
+                        <a:schemeClr val="dk1"/>
+                      </a:solidFill>
+                      <a:prstDash val="solid"/>
+                      <a:round/>
+                      <a:headEnd type="none" w="sm" len="sm"/>
+                      <a:tailEnd type="none" w="sm" len="sm"/>
+                    </a:lnT>
+                    <a:lnB w="12700" cap="flat" cmpd="sng">
+                      <a:solidFill>
+                        <a:schemeClr val="dk1"/>
+                      </a:solidFill>
+                      <a:prstDash val="solid"/>
+                      <a:round/>
+                      <a:headEnd type="none" w="sm" len="sm"/>
+                      <a:tailEnd type="none" w="sm" len="sm"/>
+                    </a:lnB>
+                    <a:solidFill>
+                      <a:schemeClr val="lt1"/>
+                    </a:solidFill>
+                  </a:tcPr>
+                </a:tc>
+                <a:tc>
+                  <a:txBody>
+                    <a:bodyPr/>
+                    <a:lstStyle/>
+                    <a:p>
+                      <a:pPr marL="133350" marR="0" lvl="0" indent="0" algn="l" rtl="0">
+                        <a:lnSpc>
+                          <a:spcPct val="100000"/>
+                        </a:lnSpc>
+                        <a:spcBef>
+                          <a:spcPts val="0"/>
+                        </a:spcBef>
+                        <a:spcAft>
+                          <a:spcPts val="0"/>
+                        </a:spcAft>
+                        <a:buClr>
+                          <a:srgbClr val="000000"/>
+                        </a:buClr>
+                        <a:buSzPts val="1500"/>
+                        <a:buFont typeface="Arial"/>
+                        <a:buNone/>
+                        <a:tabLst/>
+                      </a:pPr>
+                      <a:r>
+                        <a:rPr lang="ko-KR" altLang="en-US" sz="1300" b="0" u="none" strike="noStrike" cap="none" dirty="0" smtClean="0"/>
+                        <a:t>현재 진행 상황 나타냄</a:t>
+                      </a:r>
+                      <a:endParaRPr sz="1300" b="0" u="none" strike="noStrike" cap="none" dirty="0"/>
+                    </a:p>
+                  </a:txBody>
+                  <a:tcPr marL="91451" marR="91451" marT="45725" marB="45725">
+                    <a:lnL w="12700" cap="flat" cmpd="sng">
+                      <a:solidFill>
+                        <a:schemeClr val="dk1"/>
+                      </a:solidFill>
+                      <a:prstDash val="solid"/>
+                      <a:round/>
+                      <a:headEnd type="none" w="sm" len="sm"/>
+                      <a:tailEnd type="none" w="sm" len="sm"/>
+                    </a:lnL>
+                    <a:lnR w="12700" cap="flat" cmpd="sng">
+                      <a:solidFill>
+                        <a:schemeClr val="dk1"/>
+                      </a:solidFill>
+                      <a:prstDash val="solid"/>
+                      <a:round/>
+                      <a:headEnd type="none" w="sm" len="sm"/>
+                      <a:tailEnd type="none" w="sm" len="sm"/>
+                    </a:lnR>
+                    <a:lnT w="12700" cap="flat" cmpd="sng">
+                      <a:solidFill>
+                        <a:schemeClr val="dk1"/>
+                      </a:solidFill>
+                      <a:prstDash val="solid"/>
+                      <a:round/>
+                      <a:headEnd type="none" w="sm" len="sm"/>
+                      <a:tailEnd type="none" w="sm" len="sm"/>
+                    </a:lnT>
+                    <a:lnB w="12700" cap="flat" cmpd="sng">
+                      <a:solidFill>
+                        <a:schemeClr val="dk1"/>
+                      </a:solidFill>
+                      <a:prstDash val="solid"/>
+                      <a:round/>
+                      <a:headEnd type="none" w="sm" len="sm"/>
+                      <a:tailEnd type="none" w="sm" len="sm"/>
+                    </a:lnB>
+                    <a:solidFill>
+                      <a:schemeClr val="lt1"/>
+                    </a:solidFill>
+                  </a:tcPr>
+                </a:tc>
+              </a:tr>
+              <a:tr h="819048">
+                <a:tc>
+                  <a:txBody>
+                    <a:bodyPr/>
+                    <a:lstStyle/>
+                    <a:p>
+                      <a:pPr marL="0" marR="0" lvl="0" indent="0" algn="ctr" rtl="0">
+                        <a:lnSpc>
+                          <a:spcPct val="100000"/>
+                        </a:lnSpc>
+                        <a:spcBef>
+                          <a:spcPts val="0"/>
+                        </a:spcBef>
+                        <a:spcAft>
+                          <a:spcPts val="0"/>
+                        </a:spcAft>
+                        <a:buClr>
+                          <a:srgbClr val="000000"/>
+                        </a:buClr>
+                        <a:buSzPts val="1500"/>
+                        <a:buFont typeface="Arial"/>
+                        <a:buNone/>
+                      </a:pPr>
+                      <a:r>
+                        <a:rPr lang="ko-KR" sz="1500" u="none" strike="noStrike" cap="none">
+                          <a:solidFill>
+                            <a:schemeClr val="dk1"/>
+                          </a:solidFill>
+                        </a:rPr>
+                        <a:t>2</a:t>
+                      </a:r>
+                      <a:endParaRPr sz="1500" u="none" strike="noStrike" cap="none">
+                        <a:solidFill>
+                          <a:schemeClr val="dk1"/>
+                        </a:solidFill>
+                      </a:endParaRPr>
+                    </a:p>
+                  </a:txBody>
+                  <a:tcPr marL="91451" marR="91451" marT="45725" marB="45725" anchor="ctr">
+                    <a:lnL w="12700" cap="flat" cmpd="sng">
+                      <a:solidFill>
+                        <a:schemeClr val="dk1"/>
+                      </a:solidFill>
+                      <a:prstDash val="solid"/>
+                      <a:round/>
+                      <a:headEnd type="none" w="sm" len="sm"/>
+                      <a:tailEnd type="none" w="sm" len="sm"/>
+                    </a:lnL>
+                    <a:lnR w="12700" cap="flat" cmpd="sng">
+                      <a:solidFill>
+                        <a:schemeClr val="dk1"/>
+                      </a:solidFill>
+                      <a:prstDash val="solid"/>
+                      <a:round/>
+                      <a:headEnd type="none" w="sm" len="sm"/>
+                      <a:tailEnd type="none" w="sm" len="sm"/>
+                    </a:lnR>
+                    <a:lnT w="12700" cap="flat" cmpd="sng">
+                      <a:solidFill>
+                        <a:schemeClr val="dk1"/>
+                      </a:solidFill>
+                      <a:prstDash val="solid"/>
+                      <a:round/>
+                      <a:headEnd type="none" w="sm" len="sm"/>
+                      <a:tailEnd type="none" w="sm" len="sm"/>
+                    </a:lnT>
+                    <a:lnB w="12700" cap="flat" cmpd="sng">
+                      <a:solidFill>
+                        <a:schemeClr val="dk1"/>
+                      </a:solidFill>
+                      <a:prstDash val="solid"/>
+                      <a:round/>
+                      <a:headEnd type="none" w="sm" len="sm"/>
+                      <a:tailEnd type="none" w="sm" len="sm"/>
+                    </a:lnB>
+                    <a:solidFill>
+                      <a:schemeClr val="lt1"/>
+                    </a:solidFill>
+                  </a:tcPr>
+                </a:tc>
+                <a:tc>
+                  <a:txBody>
+                    <a:bodyPr/>
+                    <a:lstStyle/>
+                    <a:p>
+                      <a:pPr marL="133350" marR="0" lvl="0" indent="0" algn="l" rtl="0">
+                        <a:lnSpc>
+                          <a:spcPct val="100000"/>
+                        </a:lnSpc>
+                        <a:spcBef>
+                          <a:spcPts val="0"/>
+                        </a:spcBef>
+                        <a:spcAft>
+                          <a:spcPts val="0"/>
+                        </a:spcAft>
+                        <a:buClr>
+                          <a:srgbClr val="000000"/>
+                        </a:buClr>
+                        <a:buSzPts val="1500"/>
+                        <a:buFont typeface="Arial"/>
+                        <a:buNone/>
+                      </a:pPr>
+                      <a:r>
+                        <a:rPr lang="ko-KR" altLang="en-US" sz="1300" b="0" u="none" strike="noStrike" cap="none" dirty="0" smtClean="0"/>
+                        <a:t>프로젝트를 만들기 위한 기본 정보를 수집</a:t>
+                      </a:r>
+                      <a:endParaRPr lang="en-US" altLang="ko-KR" sz="1300" b="0" u="none" strike="noStrike" cap="none" dirty="0" smtClean="0"/>
+                    </a:p>
+                    <a:p>
+                      <a:pPr marL="133350" marR="0" lvl="0" indent="0" algn="l" rtl="0">
+                        <a:lnSpc>
+                          <a:spcPct val="100000"/>
+                        </a:lnSpc>
+                        <a:spcBef>
+                          <a:spcPts val="0"/>
+                        </a:spcBef>
+                        <a:spcAft>
+                          <a:spcPts val="0"/>
+                        </a:spcAft>
+                        <a:buClr>
+                          <a:srgbClr val="000000"/>
+                        </a:buClr>
+                        <a:buSzPts val="1500"/>
+                        <a:buFont typeface="Arial"/>
+                        <a:buNone/>
+                      </a:pPr>
+                      <a:r>
+                        <a:rPr lang="en-US" sz="1300" b="0" u="none" strike="noStrike" cap="none" dirty="0" smtClean="0"/>
+                        <a:t>(</a:t>
+                      </a:r>
+                      <a:r>
+                        <a:rPr lang="ko-KR" altLang="en-US" sz="1300" b="0" u="none" strike="noStrike" cap="none" dirty="0" smtClean="0"/>
+                        <a:t>등록된 </a:t>
+                      </a:r>
+                      <a:r>
+                        <a:rPr lang="ko-KR" altLang="en-US" sz="1300" b="0" u="none" strike="noStrike" cap="none" dirty="0" err="1" smtClean="0"/>
+                        <a:t>리워드</a:t>
+                      </a:r>
+                      <a:r>
+                        <a:rPr lang="ko-KR" altLang="en-US" sz="1300" b="0" u="none" strike="noStrike" cap="none" dirty="0" smtClean="0"/>
+                        <a:t> </a:t>
+                      </a:r>
+                      <a:r>
+                        <a:rPr lang="ko-KR" altLang="en-US" sz="1300" b="0" u="none" strike="noStrike" cap="none" dirty="0" err="1" smtClean="0"/>
+                        <a:t>미리보기</a:t>
+                      </a:r>
+                      <a:r>
+                        <a:rPr lang="en-US" altLang="ko-KR" sz="1300" b="0" u="none" strike="noStrike" cap="none" dirty="0" smtClean="0"/>
+                        <a:t>)</a:t>
+                      </a:r>
+                    </a:p>
+                  </a:txBody>
+                  <a:tcPr marL="91451" marR="91451" marT="45725" marB="45725">
+                    <a:lnL w="12700" cap="flat" cmpd="sng">
+                      <a:solidFill>
+                        <a:schemeClr val="dk1"/>
+                      </a:solidFill>
+                      <a:prstDash val="solid"/>
+                      <a:round/>
+                      <a:headEnd type="none" w="sm" len="sm"/>
+                      <a:tailEnd type="none" w="sm" len="sm"/>
+                    </a:lnL>
+                    <a:lnR w="12700" cap="flat" cmpd="sng">
+                      <a:solidFill>
+                        <a:schemeClr val="dk1"/>
+                      </a:solidFill>
+                      <a:prstDash val="solid"/>
+                      <a:round/>
+                      <a:headEnd type="none" w="sm" len="sm"/>
+                      <a:tailEnd type="none" w="sm" len="sm"/>
+                    </a:lnR>
+                    <a:lnT w="12700" cap="flat" cmpd="sng">
+                      <a:solidFill>
+                        <a:schemeClr val="dk1"/>
+                      </a:solidFill>
+                      <a:prstDash val="solid"/>
+                      <a:round/>
+                      <a:headEnd type="none" w="sm" len="sm"/>
+                      <a:tailEnd type="none" w="sm" len="sm"/>
+                    </a:lnT>
+                    <a:lnB w="12700" cap="flat" cmpd="sng">
+                      <a:solidFill>
+                        <a:schemeClr val="dk1"/>
+                      </a:solidFill>
+                      <a:prstDash val="solid"/>
+                      <a:round/>
+                      <a:headEnd type="none" w="sm" len="sm"/>
+                      <a:tailEnd type="none" w="sm" len="sm"/>
+                    </a:lnB>
+                    <a:solidFill>
+                      <a:schemeClr val="lt1"/>
+                    </a:solidFill>
+                  </a:tcPr>
+                </a:tc>
+              </a:tr>
+            </a:tbl>
+          </a:graphicData>
+        </a:graphic>
+      </p:graphicFrame>
+      <p:cxnSp>
+        <p:nvCxnSpPr>
+          <p:cNvPr id="5" name="직선 연결선 4"/>
+          <p:cNvCxnSpPr/>
+          <p:nvPr/>
+        </p:nvCxnSpPr>
+        <p:spPr>
+          <a:xfrm>
+            <a:off x="2994117" y="1628800"/>
+            <a:ext cx="0" cy="4824536"/>
+          </a:xfrm>
+          <a:prstGeom prst="line">
+            <a:avLst/>
+          </a:prstGeom>
+        </p:spPr>
+        <p:style>
+          <a:lnRef idx="1">
+            <a:schemeClr val="accent1"/>
+          </a:lnRef>
+          <a:fillRef idx="0">
+            <a:schemeClr val="accent1"/>
+          </a:fillRef>
+          <a:effectRef idx="0">
+            <a:schemeClr val="accent1"/>
+          </a:effectRef>
+          <a:fontRef idx="minor">
+            <a:schemeClr val="tx1"/>
+          </a:fontRef>
+        </p:style>
+      </p:cxnSp>
+      <p:sp>
+        <p:nvSpPr>
+          <p:cNvPr id="2" name="TextBox 1"/>
+          <p:cNvSpPr txBox="1"/>
+          <p:nvPr/>
+        </p:nvSpPr>
+        <p:spPr>
+          <a:xfrm>
+            <a:off x="1018477" y="1766410"/>
+            <a:ext cx="1329378" cy="246221"/>
+          </a:xfrm>
+          <a:prstGeom prst="rect">
+            <a:avLst/>
+          </a:prstGeom>
+          <a:noFill/>
+        </p:spPr>
+        <p:txBody>
+          <a:bodyPr wrap="square" rtlCol="0">
+            <a:spAutoFit/>
+          </a:bodyPr>
+          <a:lstStyle/>
+          <a:p>
+            <a:r>
+              <a:rPr lang="ko-KR" altLang="en-US" sz="1000" dirty="0" err="1" smtClean="0"/>
+              <a:t>프로젝트만들기</a:t>
+            </a:r>
+            <a:endParaRPr lang="ko-KR" altLang="en-US" sz="1000" dirty="0"/>
+          </a:p>
+        </p:txBody>
+      </p:sp>
+      <p:sp>
+        <p:nvSpPr>
+          <p:cNvPr id="3" name="TextBox 2"/>
+          <p:cNvSpPr txBox="1"/>
+          <p:nvPr/>
+        </p:nvSpPr>
+        <p:spPr>
+          <a:xfrm>
+            <a:off x="1310238" y="2130189"/>
+            <a:ext cx="1152128" cy="261610"/>
+          </a:xfrm>
+          <a:prstGeom prst="rect">
+            <a:avLst/>
+          </a:prstGeom>
+          <a:noFill/>
+        </p:spPr>
+        <p:txBody>
+          <a:bodyPr wrap="square" rtlCol="0">
+            <a:spAutoFit/>
+          </a:bodyPr>
+          <a:lstStyle/>
+          <a:p>
+            <a:r>
+              <a:rPr lang="en-US" altLang="ko-KR" sz="1100" dirty="0" smtClean="0"/>
+              <a:t>1. </a:t>
+            </a:r>
+            <a:r>
+              <a:rPr lang="ko-KR" altLang="en-US" sz="1100" dirty="0" smtClean="0"/>
+              <a:t>기본정보</a:t>
+            </a:r>
+            <a:endParaRPr lang="ko-KR" altLang="en-US" sz="1100" dirty="0"/>
+          </a:p>
+        </p:txBody>
+      </p:sp>
+      <p:sp>
+        <p:nvSpPr>
+          <p:cNvPr id="9" name="TextBox 8"/>
+          <p:cNvSpPr txBox="1"/>
+          <p:nvPr/>
+        </p:nvSpPr>
+        <p:spPr>
+          <a:xfrm>
+            <a:off x="1310238" y="2391799"/>
+            <a:ext cx="1152128" cy="261610"/>
+          </a:xfrm>
+          <a:prstGeom prst="rect">
+            <a:avLst/>
+          </a:prstGeom>
+          <a:noFill/>
+        </p:spPr>
+        <p:txBody>
+          <a:bodyPr wrap="square" rtlCol="0">
+            <a:spAutoFit/>
+          </a:bodyPr>
+          <a:lstStyle/>
+          <a:p>
+            <a:r>
+              <a:rPr lang="en-US" altLang="ko-KR" sz="1100" dirty="0" smtClean="0"/>
+              <a:t>2. </a:t>
+            </a:r>
+            <a:r>
+              <a:rPr lang="ko-KR" altLang="en-US" sz="1100" dirty="0" smtClean="0"/>
+              <a:t>스토리</a:t>
+            </a:r>
+            <a:endParaRPr lang="ko-KR" altLang="en-US" sz="1100" dirty="0"/>
+          </a:p>
+        </p:txBody>
+      </p:sp>
+      <p:sp>
+        <p:nvSpPr>
+          <p:cNvPr id="10" name="TextBox 9"/>
+          <p:cNvSpPr txBox="1"/>
+          <p:nvPr/>
+        </p:nvSpPr>
+        <p:spPr>
+          <a:xfrm>
+            <a:off x="1310238" y="2645242"/>
+            <a:ext cx="1152128" cy="261610"/>
+          </a:xfrm>
+          <a:prstGeom prst="rect">
+            <a:avLst/>
+          </a:prstGeom>
+          <a:noFill/>
+        </p:spPr>
+        <p:txBody>
+          <a:bodyPr wrap="square" rtlCol="0">
+            <a:spAutoFit/>
+          </a:bodyPr>
+          <a:lstStyle/>
+          <a:p>
+            <a:r>
+              <a:rPr lang="en-US" altLang="ko-KR" sz="1100" dirty="0" smtClean="0">
+                <a:solidFill>
+                  <a:srgbClr val="FF0000"/>
+                </a:solidFill>
+              </a:rPr>
+              <a:t>3. </a:t>
+            </a:r>
+            <a:r>
+              <a:rPr lang="ko-KR" altLang="en-US" sz="1100" dirty="0" err="1" smtClean="0">
+                <a:solidFill>
+                  <a:srgbClr val="FF0000"/>
+                </a:solidFill>
+              </a:rPr>
+              <a:t>리워</a:t>
+            </a:r>
+            <a:r>
+              <a:rPr lang="ko-KR" altLang="en-US" sz="1100" dirty="0" err="1">
+                <a:solidFill>
+                  <a:srgbClr val="FF0000"/>
+                </a:solidFill>
+              </a:rPr>
+              <a:t>드</a:t>
+            </a:r>
+            <a:endParaRPr lang="ko-KR" altLang="en-US" sz="1100" dirty="0">
+              <a:solidFill>
+                <a:srgbClr val="FF0000"/>
+              </a:solidFill>
+            </a:endParaRPr>
+          </a:p>
+        </p:txBody>
+      </p:sp>
+      <p:sp>
+        <p:nvSpPr>
+          <p:cNvPr id="11" name="TextBox 10"/>
+          <p:cNvSpPr txBox="1"/>
+          <p:nvPr/>
+        </p:nvSpPr>
+        <p:spPr>
+          <a:xfrm>
+            <a:off x="1307491" y="2924437"/>
+            <a:ext cx="1952502" cy="261610"/>
+          </a:xfrm>
+          <a:prstGeom prst="rect">
+            <a:avLst/>
+          </a:prstGeom>
+          <a:noFill/>
+        </p:spPr>
+        <p:txBody>
+          <a:bodyPr wrap="square" rtlCol="0">
+            <a:spAutoFit/>
+          </a:bodyPr>
+          <a:lstStyle/>
+          <a:p>
+            <a:r>
+              <a:rPr lang="en-US" altLang="ko-KR" sz="1100" dirty="0"/>
+              <a:t>4</a:t>
+            </a:r>
+            <a:r>
+              <a:rPr lang="en-US" altLang="ko-KR" sz="1100" dirty="0" smtClean="0"/>
+              <a:t>. </a:t>
+            </a:r>
+            <a:r>
+              <a:rPr lang="ko-KR" altLang="en-US" sz="1100" dirty="0" smtClean="0"/>
+              <a:t>제작자</a:t>
+            </a:r>
+            <a:r>
+              <a:rPr lang="en-US" altLang="ko-KR" sz="1100" dirty="0" smtClean="0"/>
+              <a:t>/</a:t>
+            </a:r>
+            <a:r>
+              <a:rPr lang="ko-KR" altLang="en-US" sz="1100" dirty="0" smtClean="0"/>
+              <a:t>부가정보</a:t>
+            </a:r>
+            <a:endParaRPr lang="ko-KR" altLang="en-US" sz="1100" dirty="0"/>
+          </a:p>
+        </p:txBody>
+      </p:sp>
+      <p:sp>
+        <p:nvSpPr>
+          <p:cNvPr id="4" name="직사각형 3"/>
+          <p:cNvSpPr/>
+          <p:nvPr/>
+        </p:nvSpPr>
+        <p:spPr>
+          <a:xfrm>
+            <a:off x="1018477" y="1766411"/>
+            <a:ext cx="1887015" cy="1419637"/>
+          </a:xfrm>
+          <a:prstGeom prst="rect">
+            <a:avLst/>
+          </a:prstGeom>
+          <a:noFill/>
+          <a:ln>
+            <a:solidFill>
+              <a:schemeClr val="tx1"/>
+            </a:solidFill>
+          </a:ln>
+        </p:spPr>
+        <p:style>
+          <a:lnRef idx="2">
+            <a:schemeClr val="accent1">
+              <a:shade val="50000"/>
+            </a:schemeClr>
+          </a:lnRef>
+          <a:fillRef idx="1">
+            <a:schemeClr val="accent1"/>
+          </a:fillRef>
+          <a:effectRef idx="0">
+            <a:schemeClr val="accent1"/>
+          </a:effectRef>
+          <a:fontRef idx="minor">
+            <a:schemeClr val="lt1"/>
+          </a:fontRef>
+        </p:style>
+        <p:txBody>
+          <a:bodyPr rtlCol="0" anchor="ctr"/>
+          <a:lstStyle/>
+          <a:p>
+            <a:pPr algn="ctr"/>
+            <a:endParaRPr lang="ko-KR" altLang="en-US"/>
+          </a:p>
+        </p:txBody>
+      </p:sp>
+      <p:sp>
+        <p:nvSpPr>
+          <p:cNvPr id="6" name="직사각형 5"/>
+          <p:cNvSpPr/>
+          <p:nvPr/>
+        </p:nvSpPr>
+        <p:spPr>
+          <a:xfrm>
+            <a:off x="876293" y="1520570"/>
+            <a:ext cx="289014" cy="216024"/>
+          </a:xfrm>
+          <a:prstGeom prst="rect">
+            <a:avLst/>
+          </a:prstGeom>
+          <a:solidFill>
+            <a:srgbClr val="FF0000"/>
+          </a:solidFill>
+          <a:ln>
+            <a:solidFill>
+              <a:schemeClr val="tx1"/>
+            </a:solidFill>
+          </a:ln>
+        </p:spPr>
+        <p:style>
+          <a:lnRef idx="2">
+            <a:schemeClr val="accent1">
+              <a:shade val="50000"/>
+            </a:schemeClr>
+          </a:lnRef>
+          <a:fillRef idx="1">
+            <a:schemeClr val="accent1"/>
+          </a:fillRef>
+          <a:effectRef idx="0">
+            <a:schemeClr val="accent1"/>
+          </a:effectRef>
+          <a:fontRef idx="minor">
+            <a:schemeClr val="lt1"/>
+          </a:fontRef>
+        </p:style>
+        <p:txBody>
+          <a:bodyPr rtlCol="0" anchor="ctr"/>
+          <a:lstStyle/>
+          <a:p>
+            <a:pPr algn="ctr"/>
+            <a:r>
+              <a:rPr lang="en-US" altLang="ko-KR" sz="1200" dirty="0" smtClean="0">
+                <a:solidFill>
+                  <a:schemeClr val="tx1"/>
+                </a:solidFill>
+              </a:rPr>
+              <a:t>1</a:t>
+            </a:r>
+            <a:endParaRPr lang="ko-KR" altLang="en-US" sz="1200" dirty="0">
+              <a:solidFill>
+                <a:schemeClr val="tx1"/>
+              </a:solidFill>
+            </a:endParaRPr>
+          </a:p>
+        </p:txBody>
+      </p:sp>
+      <p:sp>
+        <p:nvSpPr>
+          <p:cNvPr id="12" name="직사각형 11"/>
+          <p:cNvSpPr/>
+          <p:nvPr/>
+        </p:nvSpPr>
+        <p:spPr>
+          <a:xfrm>
+            <a:off x="797627" y="1412776"/>
+            <a:ext cx="7514004" cy="5184576"/>
+          </a:xfrm>
+          <a:prstGeom prst="rect">
+            <a:avLst/>
+          </a:prstGeom>
+          <a:noFill/>
+          <a:ln>
+            <a:solidFill>
+              <a:schemeClr val="tx1"/>
+            </a:solidFill>
+          </a:ln>
+        </p:spPr>
+        <p:style>
+          <a:lnRef idx="2">
+            <a:schemeClr val="accent1">
+              <a:shade val="50000"/>
+            </a:schemeClr>
+          </a:lnRef>
+          <a:fillRef idx="1">
+            <a:schemeClr val="accent1"/>
+          </a:fillRef>
+          <a:effectRef idx="0">
+            <a:schemeClr val="accent1"/>
+          </a:effectRef>
+          <a:fontRef idx="minor">
+            <a:schemeClr val="lt1"/>
+          </a:fontRef>
+        </p:style>
+        <p:txBody>
+          <a:bodyPr rtlCol="0" anchor="ctr"/>
+          <a:lstStyle/>
+          <a:p>
+            <a:pPr algn="ctr"/>
+            <a:endParaRPr lang="ko-KR" altLang="en-US"/>
+          </a:p>
+        </p:txBody>
+      </p:sp>
+      <p:grpSp>
+        <p:nvGrpSpPr>
+          <p:cNvPr id="8" name="그룹 7"/>
+          <p:cNvGrpSpPr/>
+          <p:nvPr/>
+        </p:nvGrpSpPr>
+        <p:grpSpPr>
+          <a:xfrm>
+            <a:off x="3495427" y="1520570"/>
+            <a:ext cx="4373078" cy="4500718"/>
+            <a:chOff x="2840034" y="1520570"/>
+            <a:chExt cx="3553126" cy="4500718"/>
+          </a:xfrm>
+        </p:grpSpPr>
+        <p:sp>
+          <p:nvSpPr>
+            <p:cNvPr id="7" name="TextBox 6"/>
+            <p:cNvSpPr txBox="1"/>
+            <p:nvPr/>
+          </p:nvSpPr>
+          <p:spPr>
+            <a:xfrm>
+              <a:off x="2936776" y="1783849"/>
+              <a:ext cx="2448272" cy="276999"/>
+            </a:xfrm>
+            <a:prstGeom prst="rect">
+              <a:avLst/>
+            </a:prstGeom>
+            <a:noFill/>
+          </p:spPr>
+          <p:txBody>
+            <a:bodyPr wrap="square" rtlCol="0">
+              <a:spAutoFit/>
+            </a:bodyPr>
+            <a:lstStyle/>
+            <a:p>
+              <a:r>
+                <a:rPr lang="ko-KR" altLang="en-US" sz="1200" dirty="0" smtClean="0"/>
+                <a:t>등록된 </a:t>
+              </a:r>
+              <a:r>
+                <a:rPr lang="ko-KR" altLang="en-US" sz="1200" dirty="0" err="1" smtClean="0"/>
+                <a:t>리워드</a:t>
+              </a:r>
+              <a:r>
+                <a:rPr lang="ko-KR" altLang="en-US" sz="1200" dirty="0" smtClean="0"/>
+                <a:t> </a:t>
+              </a:r>
+              <a:r>
+                <a:rPr lang="ko-KR" altLang="en-US" sz="1200" dirty="0" err="1" smtClean="0"/>
+                <a:t>미리보기</a:t>
+              </a:r>
+              <a:endParaRPr lang="ko-KR" altLang="en-US" sz="900" dirty="0"/>
+            </a:p>
+          </p:txBody>
+        </p:sp>
+        <p:sp>
+          <p:nvSpPr>
+            <p:cNvPr id="28" name="직사각형 27"/>
+            <p:cNvSpPr/>
+            <p:nvPr/>
+          </p:nvSpPr>
+          <p:spPr>
+            <a:xfrm>
+              <a:off x="2840034" y="1520570"/>
+              <a:ext cx="234824" cy="216024"/>
+            </a:xfrm>
+            <a:prstGeom prst="rect">
+              <a:avLst/>
+            </a:prstGeom>
+            <a:solidFill>
+              <a:srgbClr val="FF0000"/>
+            </a:solidFill>
+            <a:ln>
+              <a:solidFill>
+                <a:schemeClr val="tx1"/>
+              </a:solidFill>
+            </a:ln>
+          </p:spPr>
+          <p:style>
+            <a:lnRef idx="2">
+              <a:schemeClr val="accent1">
+                <a:shade val="50000"/>
+              </a:schemeClr>
+            </a:lnRef>
+            <a:fillRef idx="1">
+              <a:schemeClr val="accent1"/>
+            </a:fillRef>
+            <a:effectRef idx="0">
+              <a:schemeClr val="accent1"/>
+            </a:effectRef>
+            <a:fontRef idx="minor">
+              <a:schemeClr val="lt1"/>
+            </a:fontRef>
+          </p:style>
+          <p:txBody>
+            <a:bodyPr rtlCol="0" anchor="ctr"/>
+            <a:lstStyle/>
+            <a:p>
+              <a:pPr algn="ctr"/>
+              <a:r>
+                <a:rPr lang="en-US" altLang="ko-KR" sz="1200" dirty="0">
+                  <a:solidFill>
+                    <a:schemeClr val="tx1"/>
+                  </a:solidFill>
+                </a:rPr>
+                <a:t>2</a:t>
+              </a:r>
+              <a:endParaRPr lang="ko-KR" altLang="en-US" sz="1200" dirty="0">
+                <a:solidFill>
+                  <a:schemeClr val="tx1"/>
+                </a:solidFill>
+              </a:endParaRPr>
+            </a:p>
+          </p:txBody>
+        </p:sp>
+        <p:sp>
+          <p:nvSpPr>
+            <p:cNvPr id="32" name="직사각형 31"/>
+            <p:cNvSpPr/>
+            <p:nvPr/>
+          </p:nvSpPr>
+          <p:spPr>
+            <a:xfrm>
+              <a:off x="3800872" y="2130188"/>
+              <a:ext cx="2592288" cy="3243027"/>
+            </a:xfrm>
+            <a:prstGeom prst="rect">
+              <a:avLst/>
+            </a:prstGeom>
+            <a:noFill/>
+            <a:ln>
+              <a:solidFill>
+                <a:schemeClr val="tx1"/>
+              </a:solidFill>
+            </a:ln>
+          </p:spPr>
+          <p:style>
+            <a:lnRef idx="2">
+              <a:schemeClr val="accent1">
+                <a:shade val="50000"/>
+              </a:schemeClr>
+            </a:lnRef>
+            <a:fillRef idx="1">
+              <a:schemeClr val="accent1"/>
+            </a:fillRef>
+            <a:effectRef idx="0">
+              <a:schemeClr val="accent1"/>
+            </a:effectRef>
+            <a:fontRef idx="minor">
+              <a:schemeClr val="lt1"/>
+            </a:fontRef>
+          </p:style>
+          <p:txBody>
+            <a:bodyPr rtlCol="0" anchor="ctr"/>
+            <a:lstStyle/>
+            <a:p>
+              <a:pPr algn="ctr"/>
+              <a:endParaRPr lang="ko-KR" altLang="en-US"/>
+            </a:p>
+          </p:txBody>
+        </p:sp>
+        <p:pic>
+          <p:nvPicPr>
+            <p:cNvPr id="2050" name="Picture 2" descr="C:\Users\ezen-033\Desktop\캡처.PNG"/>
+            <p:cNvPicPr>
+              <a:picLocks noChangeAspect="1" noChangeArrowheads="1"/>
+            </p:cNvPicPr>
+            <p:nvPr/>
+          </p:nvPicPr>
+          <p:blipFill>
+            <a:blip r:embed="rId3">
+              <a:extLst>
+                <a:ext uri="{28A0092B-C50C-407E-A947-70E740481C1C}">
+                  <a14:useLocalDpi xmlns:a14="http://schemas.microsoft.com/office/drawing/2010/main" val="0"/>
+                </a:ext>
+              </a:extLst>
+            </a:blip>
+            <a:srcRect/>
+            <a:stretch>
+              <a:fillRect/>
+            </a:stretch>
+          </p:blipFill>
+          <p:spPr bwMode="auto">
+            <a:xfrm>
+              <a:off x="3944888" y="2260994"/>
+              <a:ext cx="2232248" cy="2929363"/>
+            </a:xfrm>
+            <a:prstGeom prst="rect">
+              <a:avLst/>
+            </a:prstGeom>
+            <a:noFill/>
+            <a:extLst>
+              <a:ext uri="{909E8E84-426E-40DD-AFC4-6F175D3DCCD1}">
+                <a14:hiddenFill xmlns:a14="http://schemas.microsoft.com/office/drawing/2010/main">
+                  <a:solidFill>
+                    <a:srgbClr val="FFFFFF"/>
+                  </a:solidFill>
+                </a14:hiddenFill>
+              </a:ext>
+            </a:extLst>
+          </p:spPr>
+        </p:pic>
+        <p:sp>
+          <p:nvSpPr>
+            <p:cNvPr id="33" name="직사각형 32"/>
+            <p:cNvSpPr/>
+            <p:nvPr/>
+          </p:nvSpPr>
+          <p:spPr>
+            <a:xfrm>
+              <a:off x="3089184" y="5733256"/>
+              <a:ext cx="792088" cy="288032"/>
+            </a:xfrm>
+            <a:prstGeom prst="rect">
+              <a:avLst/>
+            </a:prstGeom>
+            <a:noFill/>
+            <a:ln>
+              <a:solidFill>
+                <a:schemeClr val="tx1"/>
+              </a:solidFill>
+            </a:ln>
+          </p:spPr>
+          <p:style>
+            <a:lnRef idx="2">
+              <a:schemeClr val="accent1">
+                <a:shade val="50000"/>
+              </a:schemeClr>
+            </a:lnRef>
+            <a:fillRef idx="1">
+              <a:schemeClr val="accent1"/>
+            </a:fillRef>
+            <a:effectRef idx="0">
+              <a:schemeClr val="accent1"/>
+            </a:effectRef>
+            <a:fontRef idx="minor">
+              <a:schemeClr val="lt1"/>
+            </a:fontRef>
+          </p:style>
+          <p:txBody>
+            <a:bodyPr rtlCol="0" anchor="ctr"/>
+            <a:lstStyle/>
+            <a:p>
+              <a:pPr algn="ctr"/>
+              <a:r>
+                <a:rPr lang="ko-KR" altLang="en-US" sz="1100" smtClean="0">
+                  <a:solidFill>
+                    <a:schemeClr val="tx1"/>
+                  </a:solidFill>
+                </a:rPr>
+                <a:t>다음단계</a:t>
+              </a:r>
+              <a:endParaRPr lang="ko-KR" altLang="en-US" sz="1100" dirty="0">
+                <a:solidFill>
+                  <a:schemeClr val="tx1"/>
+                </a:solidFill>
+              </a:endParaRPr>
+            </a:p>
+          </p:txBody>
+        </p:sp>
+      </p:grpSp>
+      <p:graphicFrame>
+        <p:nvGraphicFramePr>
+          <p:cNvPr id="36" name="Google Shape;92;g7c553259d1_0_3"/>
+          <p:cNvGraphicFramePr/>
+          <p:nvPr>
+            <p:extLst>
+              <p:ext uri="{D42A27DB-BD31-4B8C-83A1-F6EECF244321}">
+                <p14:modId xmlns:p14="http://schemas.microsoft.com/office/powerpoint/2010/main" val="1639534747"/>
+              </p:ext>
+            </p:extLst>
+          </p:nvPr>
+        </p:nvGraphicFramePr>
+        <p:xfrm>
+          <a:off x="131604" y="115759"/>
+          <a:ext cx="3693699" cy="960150"/>
+        </p:xfrm>
+        <a:graphic>
+          <a:graphicData uri="http://schemas.openxmlformats.org/drawingml/2006/table">
+            <a:tbl>
+              <a:tblPr firstRow="1" bandRow="1">
+                <a:noFill/>
+              </a:tblPr>
+              <a:tblGrid>
+                <a:gridCol w="1549025"/>
+                <a:gridCol w="2144674"/>
+              </a:tblGrid>
+              <a:tr h="271225">
+                <a:tc>
+                  <a:txBody>
+                    <a:bodyPr/>
+                    <a:lstStyle/>
+                    <a:p>
+                      <a:pPr marL="0" marR="0" lvl="0" indent="0" algn="ctr" rtl="0">
+                        <a:lnSpc>
+                          <a:spcPct val="100000"/>
+                        </a:lnSpc>
+                        <a:spcBef>
+                          <a:spcPts val="0"/>
+                        </a:spcBef>
+                        <a:spcAft>
+                          <a:spcPts val="0"/>
+                        </a:spcAft>
+                        <a:buClr>
+                          <a:srgbClr val="000000"/>
+                        </a:buClr>
+                        <a:buSzPts val="1500"/>
+                        <a:buFont typeface="Arial"/>
+                        <a:buNone/>
+                      </a:pPr>
+                      <a:r>
+                        <a:rPr lang="ko-KR" sz="1500" b="0" u="none" strike="noStrike" cap="none" dirty="0">
+                          <a:solidFill>
+                            <a:schemeClr val="dk1"/>
+                          </a:solidFill>
+                        </a:rPr>
+                        <a:t>화면코드</a:t>
+                      </a:r>
+                      <a:endParaRPr sz="1500" b="0" u="none" strike="noStrike" cap="none" dirty="0">
+                        <a:solidFill>
+                          <a:schemeClr val="dk1"/>
+                        </a:solidFill>
+                      </a:endParaRPr>
+                    </a:p>
+                  </a:txBody>
+                  <a:tcPr marL="91451" marR="91451" marT="45725" marB="45725" anchor="ctr">
+                    <a:lnL w="12700" cap="flat" cmpd="sng">
+                      <a:solidFill>
+                        <a:schemeClr val="dk1"/>
+                      </a:solidFill>
+                      <a:prstDash val="solid"/>
+                      <a:round/>
+                      <a:headEnd type="none" w="sm" len="sm"/>
+                      <a:tailEnd type="none" w="sm" len="sm"/>
+                    </a:lnL>
+                    <a:lnR w="12700" cap="flat" cmpd="sng">
+                      <a:solidFill>
+                        <a:schemeClr val="dk1"/>
+                      </a:solidFill>
+                      <a:prstDash val="solid"/>
+                      <a:round/>
+                      <a:headEnd type="none" w="sm" len="sm"/>
+                      <a:tailEnd type="none" w="sm" len="sm"/>
+                    </a:lnR>
+                    <a:lnT w="12700" cap="flat" cmpd="sng">
+                      <a:solidFill>
+                        <a:schemeClr val="dk1"/>
+                      </a:solidFill>
+                      <a:prstDash val="solid"/>
+                      <a:round/>
+                      <a:headEnd type="none" w="sm" len="sm"/>
+                      <a:tailEnd type="none" w="sm" len="sm"/>
+                    </a:lnT>
+                    <a:lnB w="12700" cap="flat" cmpd="sng">
+                      <a:solidFill>
+                        <a:schemeClr val="dk1"/>
+                      </a:solidFill>
+                      <a:prstDash val="solid"/>
+                      <a:round/>
+                      <a:headEnd type="none" w="sm" len="sm"/>
+                      <a:tailEnd type="none" w="sm" len="sm"/>
+                    </a:lnB>
+                    <a:solidFill>
+                      <a:srgbClr val="D8D8D8"/>
+                    </a:solidFill>
+                  </a:tcPr>
+                </a:tc>
+                <a:tc>
+                  <a:txBody>
+                    <a:bodyPr/>
+                    <a:lstStyle/>
+                    <a:p>
+                      <a:pPr marL="0" marR="0" lvl="0" indent="0" algn="ctr" rtl="0">
+                        <a:lnSpc>
+                          <a:spcPct val="100000"/>
+                        </a:lnSpc>
+                        <a:spcBef>
+                          <a:spcPts val="0"/>
+                        </a:spcBef>
+                        <a:spcAft>
+                          <a:spcPts val="0"/>
+                        </a:spcAft>
+                        <a:buClr>
+                          <a:srgbClr val="000000"/>
+                        </a:buClr>
+                        <a:buSzPts val="1500"/>
+                        <a:buFont typeface="Arial"/>
+                        <a:buNone/>
+                      </a:pPr>
+                      <a:r>
+                        <a:rPr lang="en-US" altLang="ko-KR" sz="1500" b="0" u="none" strike="noStrike" cap="none" baseline="0" dirty="0" smtClean="0">
+                          <a:solidFill>
+                            <a:schemeClr val="dk1"/>
+                          </a:solidFill>
+                        </a:rPr>
+                        <a:t> </a:t>
+                      </a:r>
+                      <a:r>
+                        <a:rPr lang="en-US" altLang="ko-KR" sz="1100" b="0" u="none" strike="noStrike" cap="none" baseline="0" dirty="0" err="1" smtClean="0">
+                          <a:solidFill>
+                            <a:schemeClr val="dk1"/>
+                          </a:solidFill>
+                        </a:rPr>
+                        <a:t>user_w_hj_make_reward</a:t>
+                      </a:r>
+                      <a:endParaRPr sz="1100" b="0" u="none" strike="noStrike" cap="none" dirty="0">
+                        <a:solidFill>
+                          <a:schemeClr val="dk1"/>
+                        </a:solidFill>
+                      </a:endParaRPr>
+                    </a:p>
+                  </a:txBody>
+                  <a:tcPr marL="91451" marR="91451" marT="45725" marB="45725" anchor="ctr">
+                    <a:lnL w="12700" cap="flat" cmpd="sng">
+                      <a:solidFill>
+                        <a:schemeClr val="dk1"/>
+                      </a:solidFill>
+                      <a:prstDash val="solid"/>
+                      <a:round/>
+                      <a:headEnd type="none" w="sm" len="sm"/>
+                      <a:tailEnd type="none" w="sm" len="sm"/>
+                    </a:lnL>
+                    <a:lnR w="12700" cap="flat" cmpd="sng">
+                      <a:solidFill>
+                        <a:schemeClr val="dk1"/>
+                      </a:solidFill>
+                      <a:prstDash val="solid"/>
+                      <a:round/>
+                      <a:headEnd type="none" w="sm" len="sm"/>
+                      <a:tailEnd type="none" w="sm" len="sm"/>
+                    </a:lnR>
+                    <a:lnT w="12700" cap="flat" cmpd="sng">
+                      <a:solidFill>
+                        <a:schemeClr val="dk1"/>
+                      </a:solidFill>
+                      <a:prstDash val="solid"/>
+                      <a:round/>
+                      <a:headEnd type="none" w="sm" len="sm"/>
+                      <a:tailEnd type="none" w="sm" len="sm"/>
+                    </a:lnT>
+                    <a:lnB w="12700" cap="flat" cmpd="sng">
+                      <a:solidFill>
+                        <a:schemeClr val="dk1"/>
+                      </a:solidFill>
+                      <a:prstDash val="solid"/>
+                      <a:round/>
+                      <a:headEnd type="none" w="sm" len="sm"/>
+                      <a:tailEnd type="none" w="sm" len="sm"/>
+                    </a:lnB>
+                    <a:solidFill>
+                      <a:schemeClr val="lt1"/>
+                    </a:solidFill>
+                  </a:tcPr>
+                </a:tc>
+              </a:tr>
+              <a:tr h="271225">
+                <a:tc rowSpan="2">
+                  <a:txBody>
+                    <a:bodyPr/>
+                    <a:lstStyle/>
+                    <a:p>
+                      <a:pPr marL="0" marR="0" lvl="0" indent="0" algn="ctr" rtl="0">
+                        <a:lnSpc>
+                          <a:spcPct val="100000"/>
+                        </a:lnSpc>
+                        <a:spcBef>
+                          <a:spcPts val="0"/>
+                        </a:spcBef>
+                        <a:spcAft>
+                          <a:spcPts val="0"/>
+                        </a:spcAft>
+                        <a:buClr>
+                          <a:srgbClr val="000000"/>
+                        </a:buClr>
+                        <a:buSzPts val="1500"/>
+                        <a:buFont typeface="Arial"/>
+                        <a:buNone/>
+                      </a:pPr>
+                      <a:r>
+                        <a:rPr lang="ko-KR" sz="1500" b="0" u="none" strike="noStrike" cap="none">
+                          <a:solidFill>
+                            <a:schemeClr val="dk1"/>
+                          </a:solidFill>
+                        </a:rPr>
+                        <a:t>화면명</a:t>
+                      </a:r>
+                      <a:endParaRPr sz="1500" b="0" u="none" strike="noStrike" cap="none">
+                        <a:solidFill>
+                          <a:schemeClr val="dk1"/>
+                        </a:solidFill>
+                      </a:endParaRPr>
+                    </a:p>
+                  </a:txBody>
+                  <a:tcPr marL="91451" marR="91451" marT="45725" marB="45725" anchor="ctr">
+                    <a:lnL w="12700" cap="flat" cmpd="sng">
+                      <a:solidFill>
+                        <a:schemeClr val="dk1"/>
+                      </a:solidFill>
+                      <a:prstDash val="solid"/>
+                      <a:round/>
+                      <a:headEnd type="none" w="sm" len="sm"/>
+                      <a:tailEnd type="none" w="sm" len="sm"/>
+                    </a:lnL>
+                    <a:lnR w="12700" cap="flat" cmpd="sng">
+                      <a:solidFill>
+                        <a:schemeClr val="dk1"/>
+                      </a:solidFill>
+                      <a:prstDash val="solid"/>
+                      <a:round/>
+                      <a:headEnd type="none" w="sm" len="sm"/>
+                      <a:tailEnd type="none" w="sm" len="sm"/>
+                    </a:lnR>
+                    <a:lnT w="12700" cap="flat" cmpd="sng">
+                      <a:solidFill>
+                        <a:schemeClr val="dk1"/>
+                      </a:solidFill>
+                      <a:prstDash val="solid"/>
+                      <a:round/>
+                      <a:headEnd type="none" w="sm" len="sm"/>
+                      <a:tailEnd type="none" w="sm" len="sm"/>
+                    </a:lnT>
+                    <a:lnB w="12700" cap="flat" cmpd="sng">
+                      <a:solidFill>
+                        <a:schemeClr val="dk1"/>
+                      </a:solidFill>
+                      <a:prstDash val="solid"/>
+                      <a:round/>
+                      <a:headEnd type="none" w="sm" len="sm"/>
+                      <a:tailEnd type="none" w="sm" len="sm"/>
+                    </a:lnB>
+                    <a:solidFill>
+                      <a:srgbClr val="D8D8D8"/>
+                    </a:solidFill>
+                  </a:tcPr>
+                </a:tc>
+                <a:tc>
+                  <a:txBody>
+                    <a:bodyPr/>
+                    <a:lstStyle/>
+                    <a:p>
+                      <a:pPr marL="0" marR="0" lvl="0" indent="0" algn="ctr" rtl="0">
+                        <a:lnSpc>
+                          <a:spcPct val="100000"/>
+                        </a:lnSpc>
+                        <a:spcBef>
+                          <a:spcPts val="0"/>
+                        </a:spcBef>
+                        <a:spcAft>
+                          <a:spcPts val="0"/>
+                        </a:spcAft>
+                        <a:buClr>
+                          <a:srgbClr val="000000"/>
+                        </a:buClr>
+                        <a:buSzPts val="1500"/>
+                        <a:buFont typeface="Arial"/>
+                        <a:buNone/>
+                      </a:pPr>
+                      <a:r>
+                        <a:rPr lang="ko-KR" altLang="en-US" sz="1500" b="0" u="none" strike="noStrike" cap="none" dirty="0" smtClean="0">
+                          <a:solidFill>
+                            <a:schemeClr val="dk1"/>
+                          </a:solidFill>
+                        </a:rPr>
+                        <a:t>프로젝트 등록</a:t>
+                      </a:r>
+                      <a:endParaRPr sz="1500" b="0" u="none" strike="noStrike" cap="none" dirty="0">
+                        <a:solidFill>
+                          <a:schemeClr val="dk1"/>
+                        </a:solidFill>
+                      </a:endParaRPr>
+                    </a:p>
+                  </a:txBody>
+                  <a:tcPr marL="91451" marR="91451" marT="45725" marB="45725" anchor="ctr">
+                    <a:lnL w="12700" cap="flat" cmpd="sng">
+                      <a:solidFill>
+                        <a:schemeClr val="dk1"/>
+                      </a:solidFill>
+                      <a:prstDash val="solid"/>
+                      <a:round/>
+                      <a:headEnd type="none" w="sm" len="sm"/>
+                      <a:tailEnd type="none" w="sm" len="sm"/>
+                    </a:lnL>
+                    <a:lnR w="12700" cap="flat" cmpd="sng">
+                      <a:solidFill>
+                        <a:schemeClr val="dk1"/>
+                      </a:solidFill>
+                      <a:prstDash val="solid"/>
+                      <a:round/>
+                      <a:headEnd type="none" w="sm" len="sm"/>
+                      <a:tailEnd type="none" w="sm" len="sm"/>
+                    </a:lnR>
+                    <a:lnT w="12700" cap="flat" cmpd="sng">
+                      <a:solidFill>
+                        <a:schemeClr val="dk1"/>
+                      </a:solidFill>
+                      <a:prstDash val="solid"/>
+                      <a:round/>
+                      <a:headEnd type="none" w="sm" len="sm"/>
+                      <a:tailEnd type="none" w="sm" len="sm"/>
+                    </a:lnT>
+                    <a:lnB w="12700" cap="flat" cmpd="sng">
+                      <a:solidFill>
+                        <a:schemeClr val="dk1"/>
+                      </a:solidFill>
+                      <a:prstDash val="solid"/>
+                      <a:round/>
+                      <a:headEnd type="none" w="sm" len="sm"/>
+                      <a:tailEnd type="none" w="sm" len="sm"/>
+                    </a:lnB>
+                    <a:solidFill>
+                      <a:schemeClr val="lt1"/>
+                    </a:solidFill>
+                  </a:tcPr>
+                </a:tc>
+              </a:tr>
+              <a:tr h="271225">
+                <a:tc vMerge="1">
+                  <a:txBody>
+                    <a:bodyPr/>
+                    <a:lstStyle/>
+                    <a:p>
+                      <a:endParaRPr lang="ko-KR"/>
+                    </a:p>
+                  </a:txBody>
+                  <a:tcPr/>
+                </a:tc>
+                <a:tc>
+                  <a:txBody>
+                    <a:bodyPr/>
+                    <a:lstStyle/>
+                    <a:p>
+                      <a:pPr marL="0" marR="0" lvl="0" indent="0" algn="ctr" rtl="0">
+                        <a:lnSpc>
+                          <a:spcPct val="100000"/>
+                        </a:lnSpc>
+                        <a:spcBef>
+                          <a:spcPts val="0"/>
+                        </a:spcBef>
+                        <a:spcAft>
+                          <a:spcPts val="0"/>
+                        </a:spcAft>
+                        <a:buClr>
+                          <a:srgbClr val="000000"/>
+                        </a:buClr>
+                        <a:buSzPts val="1500"/>
+                        <a:buFont typeface="Arial"/>
+                        <a:buNone/>
+                      </a:pPr>
+                      <a:r>
+                        <a:rPr lang="ko-KR" altLang="en-US" sz="1500" b="0" u="none" strike="noStrike" cap="none" dirty="0" smtClean="0">
+                          <a:solidFill>
+                            <a:schemeClr val="dk1"/>
+                          </a:solidFill>
+                        </a:rPr>
+                        <a:t>데스크톱</a:t>
+                      </a:r>
+                      <a:endParaRPr sz="1500" b="0" u="none" strike="noStrike" cap="none" dirty="0">
+                        <a:solidFill>
+                          <a:schemeClr val="dk1"/>
+                        </a:solidFill>
+                      </a:endParaRPr>
+                    </a:p>
+                  </a:txBody>
+                  <a:tcPr marL="91451" marR="91451" marT="45725" marB="45725" anchor="ctr">
+                    <a:lnL w="12700" cap="flat" cmpd="sng">
+                      <a:solidFill>
+                        <a:schemeClr val="dk1"/>
+                      </a:solidFill>
+                      <a:prstDash val="solid"/>
+                      <a:round/>
+                      <a:headEnd type="none" w="sm" len="sm"/>
+                      <a:tailEnd type="none" w="sm" len="sm"/>
+                    </a:lnL>
+                    <a:lnR w="12700" cap="flat" cmpd="sng">
+                      <a:solidFill>
+                        <a:schemeClr val="dk1"/>
+                      </a:solidFill>
+                      <a:prstDash val="solid"/>
+                      <a:round/>
+                      <a:headEnd type="none" w="sm" len="sm"/>
+                      <a:tailEnd type="none" w="sm" len="sm"/>
+                    </a:lnR>
+                    <a:lnT w="12700" cap="flat" cmpd="sng">
+                      <a:solidFill>
+                        <a:schemeClr val="dk1"/>
+                      </a:solidFill>
+                      <a:prstDash val="solid"/>
+                      <a:round/>
+                      <a:headEnd type="none" w="sm" len="sm"/>
+                      <a:tailEnd type="none" w="sm" len="sm"/>
+                    </a:lnT>
+                    <a:lnB w="12700" cap="flat" cmpd="sng">
+                      <a:solidFill>
+                        <a:schemeClr val="dk1"/>
+                      </a:solidFill>
+                      <a:prstDash val="solid"/>
+                      <a:round/>
+                      <a:headEnd type="none" w="sm" len="sm"/>
+                      <a:tailEnd type="none" w="sm" len="sm"/>
+                    </a:lnB>
+                    <a:solidFill>
+                      <a:schemeClr val="lt1"/>
+                    </a:solidFill>
+                  </a:tcPr>
+                </a:tc>
+              </a:tr>
+            </a:tbl>
+          </a:graphicData>
+        </a:graphic>
+      </p:graphicFrame>
+    </p:spTree>
+    <p:extLst>
+      <p:ext uri="{BB962C8B-B14F-4D97-AF65-F5344CB8AC3E}">
+        <p14:creationId xmlns:p14="http://schemas.microsoft.com/office/powerpoint/2010/main" val="1477392446"/>
+      </p:ext>
+    </p:extLst>
+  </p:cSld>
+  <p:clrMapOvr>
+    <a:masterClrMapping/>
+  </p:clrMapOvr>
+  <p:timing>
+    <p:tnLst>
+      <p:par>
+        <p:cTn id="1" dur="indefinite" restart="never" nodeType="tmRoot"/>
+      </p:par>
+    </p:tnLst>
+  </p:timing>
+</p:sld>
+</file>
+
+<file path=ppt/slides/slide11.xml><?xml version="1.0" encoding="utf-8"?>
+<p:sld xmlns:a="http://schemas.openxmlformats.org/drawingml/2006/main" xmlns:r="http://schemas.openxmlformats.org/officeDocument/2006/relationships" xmlns:p="http://schemas.openxmlformats.org/presentationml/2006/main">
+  <p:cSld>
+    <p:spTree>
+      <p:nvGrpSpPr>
+        <p:cNvPr id="1" name=""/>
+        <p:cNvGrpSpPr/>
+        <p:nvPr/>
+      </p:nvGrpSpPr>
+      <p:grpSpPr>
+        <a:xfrm>
+          <a:off x="0" y="0"/>
+          <a:ext cx="0" cy="0"/>
+          <a:chOff x="0" y="0"/>
+          <a:chExt cx="0" cy="0"/>
+        </a:xfrm>
+      </p:grpSpPr>
+      <p:pic>
+        <p:nvPicPr>
+          <p:cNvPr id="3074" name="Picture 2" descr="C:\Users\ezen-033\Desktop\3페이지1.PNG"/>
+          <p:cNvPicPr>
+            <a:picLocks noChangeAspect="1" noChangeArrowheads="1"/>
+          </p:cNvPicPr>
+          <p:nvPr/>
+        </p:nvPicPr>
+        <p:blipFill>
+          <a:blip r:embed="rId2">
+            <a:extLst>
+              <a:ext uri="{28A0092B-C50C-407E-A947-70E740481C1C}">
+                <a14:useLocalDpi xmlns:a14="http://schemas.microsoft.com/office/drawing/2010/main" val="0"/>
+              </a:ext>
+            </a:extLst>
+          </a:blip>
+          <a:srcRect/>
+          <a:stretch>
+            <a:fillRect/>
+          </a:stretch>
+        </p:blipFill>
+        <p:spPr bwMode="auto">
+          <a:xfrm>
+            <a:off x="625475" y="341313"/>
+            <a:ext cx="8854109" cy="5678487"/>
+          </a:xfrm>
+          <a:prstGeom prst="rect">
+            <a:avLst/>
+          </a:prstGeom>
+          <a:noFill/>
+          <a:extLst>
+            <a:ext uri="{909E8E84-426E-40DD-AFC4-6F175D3DCCD1}">
+              <a14:hiddenFill xmlns:a14="http://schemas.microsoft.com/office/drawing/2010/main">
+                <a:solidFill>
+                  <a:srgbClr val="FFFFFF"/>
+                </a:solidFill>
+              </a14:hiddenFill>
+            </a:ext>
+          </a:extLst>
+        </p:spPr>
+      </p:pic>
+    </p:spTree>
+    <p:extLst>
+      <p:ext uri="{BB962C8B-B14F-4D97-AF65-F5344CB8AC3E}">
+        <p14:creationId xmlns:p14="http://schemas.microsoft.com/office/powerpoint/2010/main" val="4274836394"/>
+      </p:ext>
+    </p:extLst>
+  </p:cSld>
+  <p:clrMapOvr>
+    <a:masterClrMapping/>
+  </p:clrMapOvr>
+</p:sld>
+</file>
+
+<file path=ppt/slides/slide12.xml><?xml version="1.0" encoding="utf-8"?>
+<p:sld xmlns:a="http://schemas.openxmlformats.org/drawingml/2006/main" xmlns:r="http://schemas.openxmlformats.org/officeDocument/2006/relationships" xmlns:p="http://schemas.openxmlformats.org/presentationml/2006/main">
+  <p:cSld>
+    <p:spTree>
+      <p:nvGrpSpPr>
+        <p:cNvPr id="1" name=""/>
+        <p:cNvGrpSpPr/>
+        <p:nvPr/>
+      </p:nvGrpSpPr>
+      <p:grpSpPr>
+        <a:xfrm>
+          <a:off x="0" y="0"/>
+          <a:ext cx="0" cy="0"/>
+          <a:chOff x="0" y="0"/>
+          <a:chExt cx="0" cy="0"/>
+        </a:xfrm>
+      </p:grpSpPr>
+      <p:pic>
+        <p:nvPicPr>
+          <p:cNvPr id="4098" name="Picture 2" descr="C:\Users\ezen-033\Desktop\3페이지2.PNG"/>
+          <p:cNvPicPr>
+            <a:picLocks noChangeAspect="1" noChangeArrowheads="1"/>
+          </p:cNvPicPr>
+          <p:nvPr/>
+        </p:nvPicPr>
+        <p:blipFill>
+          <a:blip r:embed="rId2">
+            <a:extLst>
+              <a:ext uri="{28A0092B-C50C-407E-A947-70E740481C1C}">
+                <a14:useLocalDpi xmlns:a14="http://schemas.microsoft.com/office/drawing/2010/main" val="0"/>
+              </a:ext>
+            </a:extLst>
+          </a:blip>
+          <a:srcRect/>
+          <a:stretch>
+            <a:fillRect/>
+          </a:stretch>
+        </p:blipFill>
+        <p:spPr bwMode="auto">
+          <a:xfrm>
+            <a:off x="222250" y="190500"/>
+            <a:ext cx="9315450" cy="6311794"/>
+          </a:xfrm>
+          <a:prstGeom prst="rect">
+            <a:avLst/>
+          </a:prstGeom>
+          <a:noFill/>
+          <a:extLst>
+            <a:ext uri="{909E8E84-426E-40DD-AFC4-6F175D3DCCD1}">
+              <a14:hiddenFill xmlns:a14="http://schemas.microsoft.com/office/drawing/2010/main">
+                <a:solidFill>
+                  <a:srgbClr val="FFFFFF"/>
+                </a:solidFill>
+              </a14:hiddenFill>
+            </a:ext>
+          </a:extLst>
+        </p:spPr>
+      </p:pic>
+      <p:pic>
+        <p:nvPicPr>
+          <p:cNvPr id="8195" name="Picture 3" descr="C:\Users\ezen-033\Desktop\sql10.PNG"/>
+          <p:cNvPicPr>
+            <a:picLocks noChangeAspect="1" noChangeArrowheads="1"/>
+          </p:cNvPicPr>
+          <p:nvPr/>
+        </p:nvPicPr>
+        <p:blipFill>
+          <a:blip r:embed="rId3">
+            <a:extLst>
+              <a:ext uri="{28A0092B-C50C-407E-A947-70E740481C1C}">
+                <a14:useLocalDpi xmlns:a14="http://schemas.microsoft.com/office/drawing/2010/main" val="0"/>
+              </a:ext>
+            </a:extLst>
+          </a:blip>
+          <a:srcRect/>
+          <a:stretch>
+            <a:fillRect/>
+          </a:stretch>
+        </p:blipFill>
+        <p:spPr bwMode="auto">
+          <a:xfrm>
+            <a:off x="371475" y="5724419"/>
+            <a:ext cx="11315996" cy="806450"/>
+          </a:xfrm>
+          <a:prstGeom prst="rect">
+            <a:avLst/>
+          </a:prstGeom>
+          <a:noFill/>
+          <a:extLst>
+            <a:ext uri="{909E8E84-426E-40DD-AFC4-6F175D3DCCD1}">
+              <a14:hiddenFill xmlns:a14="http://schemas.microsoft.com/office/drawing/2010/main">
+                <a:solidFill>
+                  <a:srgbClr val="FFFFFF"/>
+                </a:solidFill>
+              </a14:hiddenFill>
+            </a:ext>
+          </a:extLst>
+        </p:spPr>
+      </p:pic>
+    </p:spTree>
+    <p:extLst>
+      <p:ext uri="{BB962C8B-B14F-4D97-AF65-F5344CB8AC3E}">
+        <p14:creationId xmlns:p14="http://schemas.microsoft.com/office/powerpoint/2010/main" val="906579541"/>
+      </p:ext>
+    </p:extLst>
+  </p:cSld>
+  <p:clrMapOvr>
+    <a:masterClrMapping/>
+  </p:clrMapOvr>
+</p:sld>
+</file>
+
+<file path=ppt/slides/slide13.xml><?xml version="1.0" encoding="utf-8"?>
+<p:sld xmlns:a="http://schemas.openxmlformats.org/drawingml/2006/main" xmlns:r="http://schemas.openxmlformats.org/officeDocument/2006/relationships" xmlns:p="http://schemas.openxmlformats.org/presentationml/2006/main">
+  <p:cSld>
+    <p:spTree>
+      <p:nvGrpSpPr>
+        <p:cNvPr id="1" name="Shape 90"/>
+        <p:cNvGrpSpPr/>
+        <p:nvPr/>
+      </p:nvGrpSpPr>
+      <p:grpSpPr>
+        <a:xfrm>
+          <a:off x="0" y="0"/>
+          <a:ext cx="0" cy="0"/>
+          <a:chOff x="0" y="0"/>
+          <a:chExt cx="0" cy="0"/>
+        </a:xfrm>
+      </p:grpSpPr>
+      <p:graphicFrame>
+        <p:nvGraphicFramePr>
+          <p:cNvPr id="93" name="Google Shape;93;g7c553259d1_0_3"/>
+          <p:cNvGraphicFramePr/>
+          <p:nvPr>
+            <p:extLst>
+              <p:ext uri="{D42A27DB-BD31-4B8C-83A1-F6EECF244321}">
                 <p14:modId xmlns:p14="http://schemas.microsoft.com/office/powerpoint/2010/main" val="1736588632"/>
               </p:ext>
             </p:extLst>
@@ -6554,7 +8901,7 @@
 </p:sld>
 </file>
 
-<file path=ppt/slides/slide11.xml><?xml version="1.0" encoding="utf-8"?>
+<file path=ppt/slides/slide14.xml><?xml version="1.0" encoding="utf-8"?>
 <p:sld xmlns:a="http://schemas.openxmlformats.org/drawingml/2006/main" xmlns:r="http://schemas.openxmlformats.org/officeDocument/2006/relationships" xmlns:p="http://schemas.openxmlformats.org/presentationml/2006/main">
   <p:cSld>
     <p:spTree>
@@ -6573,7 +8920,7 @@
       </p:grpSpPr>
       <p:pic>
         <p:nvPicPr>
-          <p:cNvPr id="4" name="Picture 2" descr="C:\Users\ezen-033\Desktop\4페이지.PNG"/>
+          <p:cNvPr id="5122" name="Picture 2" descr="C:\Users\ezen-033\Desktop\바뀐거.PNG"/>
           <p:cNvPicPr>
             <a:picLocks noChangeAspect="1" noChangeArrowheads="1"/>
           </p:cNvPicPr>
@@ -6594,8 +8941,8 @@
         </p:blipFill>
         <p:spPr bwMode="auto">
           <a:xfrm>
-            <a:off x="104775" y="152398"/>
-            <a:ext cx="11482580" cy="6388102"/>
+            <a:off x="141505" y="152400"/>
+            <a:ext cx="11942876" cy="6591300"/>
           </a:xfrm>
           <a:prstGeom prst="rect">
             <a:avLst/>
@@ -6612,9 +8959,55 @@
           </a:extLst>
         </p:spPr>
       </p:pic>
+      <p:sp>
+        <p:nvSpPr>
+          <p:cNvPr id="2" name="직사각형 1"/>
+          <p:cNvSpPr/>
+          <p:nvPr/>
+        </p:nvSpPr>
+        <p:spPr>
+          <a:xfrm>
+            <a:off x="3505200" y="2044700"/>
+            <a:ext cx="1803400" cy="419100"/>
+          </a:xfrm>
+          <a:prstGeom prst="rect">
+            <a:avLst/>
+          </a:prstGeom>
+          <a:noFill/>
+          <a:ln w="28575">
+            <a:solidFill>
+              <a:srgbClr val="FF0000"/>
+            </a:solidFill>
+          </a:ln>
+        </p:spPr>
+        <p:style>
+          <a:lnRef idx="2">
+            <a:schemeClr val="accent1">
+              <a:shade val="50000"/>
+            </a:schemeClr>
+          </a:lnRef>
+          <a:fillRef idx="1">
+            <a:schemeClr val="accent1"/>
+          </a:fillRef>
+          <a:effectRef idx="0">
+            <a:schemeClr val="accent1"/>
+          </a:effectRef>
+          <a:fontRef idx="minor">
+            <a:schemeClr val="lt1"/>
+          </a:fontRef>
+        </p:style>
+        <p:txBody>
+          <a:bodyPr rtlCol="0" anchor="ctr"/>
+          <a:lstStyle/>
+          <a:p>
+            <a:pPr algn="ctr"/>
+            <a:endParaRPr lang="ko-KR" altLang="en-US"/>
+          </a:p>
+        </p:txBody>
+      </p:sp>
       <p:pic>
         <p:nvPicPr>
-          <p:cNvPr id="7170" name="Picture 2" descr="C:\Users\ezen-033\Desktop\sql5.PNG"/>
+          <p:cNvPr id="5123" name="Picture 3" descr="C:\Users\ezen-033\Desktop\sql5.PNG"/>
           <p:cNvPicPr>
             <a:picLocks noChangeAspect="1" noChangeArrowheads="1"/>
           </p:cNvPicPr>
@@ -6635,8 +9028,8 @@
         </p:blipFill>
         <p:spPr bwMode="auto">
           <a:xfrm>
-            <a:off x="749396" y="5840413"/>
-            <a:ext cx="10193338" cy="409575"/>
+            <a:off x="557543" y="800099"/>
+            <a:ext cx="10193338" cy="635001"/>
           </a:xfrm>
           <a:prstGeom prst="rect">
             <a:avLst/>
@@ -6666,7 +9059,303 @@
 </p:sld>
 </file>
 
-<file path=ppt/slides/slide12.xml><?xml version="1.0" encoding="utf-8"?>
+<file path=ppt/slides/slide15.xml><?xml version="1.0" encoding="utf-8"?>
+<p:sld xmlns:a="http://schemas.openxmlformats.org/drawingml/2006/main" xmlns:r="http://schemas.openxmlformats.org/officeDocument/2006/relationships" xmlns:p="http://schemas.openxmlformats.org/presentationml/2006/main">
+  <p:cSld>
+    <p:spTree>
+      <p:nvGrpSpPr>
+        <p:cNvPr id="1" name=""/>
+        <p:cNvGrpSpPr/>
+        <p:nvPr/>
+      </p:nvGrpSpPr>
+      <p:grpSpPr>
+        <a:xfrm>
+          <a:off x="0" y="0"/>
+          <a:ext cx="0" cy="0"/>
+          <a:chOff x="0" y="0"/>
+          <a:chExt cx="0" cy="0"/>
+        </a:xfrm>
+      </p:grpSpPr>
+      <p:pic>
+        <p:nvPicPr>
+          <p:cNvPr id="5122" name="Picture 2" descr="C:\Users\ezen-033\Desktop\바뀐거.PNG"/>
+          <p:cNvPicPr>
+            <a:picLocks noChangeAspect="1" noChangeArrowheads="1"/>
+          </p:cNvPicPr>
+          <p:nvPr/>
+        </p:nvPicPr>
+        <p:blipFill>
+          <a:blip r:embed="rId2">
+            <a:extLst>
+              <a:ext uri="{28A0092B-C50C-407E-A947-70E740481C1C}">
+                <a14:useLocalDpi xmlns:a14="http://schemas.microsoft.com/office/drawing/2010/main" val="0"/>
+              </a:ext>
+            </a:extLst>
+          </a:blip>
+          <a:srcRect/>
+          <a:stretch>
+            <a:fillRect/>
+          </a:stretch>
+        </p:blipFill>
+        <p:spPr bwMode="auto">
+          <a:xfrm>
+            <a:off x="141505" y="152400"/>
+            <a:ext cx="11942876" cy="6591300"/>
+          </a:xfrm>
+          <a:prstGeom prst="rect">
+            <a:avLst/>
+          </a:prstGeom>
+          <a:noFill/>
+          <a:extLst>
+            <a:ext uri="{909E8E84-426E-40DD-AFC4-6F175D3DCCD1}">
+              <a14:hiddenFill xmlns:a14="http://schemas.microsoft.com/office/drawing/2010/main">
+                <a:solidFill>
+                  <a:srgbClr val="FFFFFF"/>
+                </a:solidFill>
+              </a14:hiddenFill>
+            </a:ext>
+          </a:extLst>
+        </p:spPr>
+      </p:pic>
+      <p:sp>
+        <p:nvSpPr>
+          <p:cNvPr id="2" name="직사각형 1"/>
+          <p:cNvSpPr/>
+          <p:nvPr/>
+        </p:nvSpPr>
+        <p:spPr>
+          <a:xfrm>
+            <a:off x="3505200" y="2044700"/>
+            <a:ext cx="1803400" cy="419100"/>
+          </a:xfrm>
+          <a:prstGeom prst="rect">
+            <a:avLst/>
+          </a:prstGeom>
+          <a:noFill/>
+          <a:ln w="28575">
+            <a:solidFill>
+              <a:srgbClr val="FF0000"/>
+            </a:solidFill>
+          </a:ln>
+        </p:spPr>
+        <p:style>
+          <a:lnRef idx="2">
+            <a:schemeClr val="accent1">
+              <a:shade val="50000"/>
+            </a:schemeClr>
+          </a:lnRef>
+          <a:fillRef idx="1">
+            <a:schemeClr val="accent1"/>
+          </a:fillRef>
+          <a:effectRef idx="0">
+            <a:schemeClr val="accent1"/>
+          </a:effectRef>
+          <a:fontRef idx="minor">
+            <a:schemeClr val="lt1"/>
+          </a:fontRef>
+        </p:style>
+        <p:txBody>
+          <a:bodyPr rtlCol="0" anchor="ctr"/>
+          <a:lstStyle/>
+          <a:p>
+            <a:pPr algn="ctr"/>
+            <a:endParaRPr lang="ko-KR" altLang="en-US"/>
+          </a:p>
+        </p:txBody>
+      </p:sp>
+      <p:pic>
+        <p:nvPicPr>
+          <p:cNvPr id="5124" name="Picture 4" descr="C:\Users\ezen-033\Desktop\sql9.PNG"/>
+          <p:cNvPicPr>
+            <a:picLocks noChangeAspect="1" noChangeArrowheads="1"/>
+          </p:cNvPicPr>
+          <p:nvPr/>
+        </p:nvPicPr>
+        <p:blipFill>
+          <a:blip r:embed="rId3">
+            <a:extLst>
+              <a:ext uri="{28A0092B-C50C-407E-A947-70E740481C1C}">
+                <a14:useLocalDpi xmlns:a14="http://schemas.microsoft.com/office/drawing/2010/main" val="0"/>
+              </a:ext>
+            </a:extLst>
+          </a:blip>
+          <a:srcRect/>
+          <a:stretch>
+            <a:fillRect/>
+          </a:stretch>
+        </p:blipFill>
+        <p:spPr bwMode="auto">
+          <a:xfrm>
+            <a:off x="195593" y="1612900"/>
+            <a:ext cx="10917238" cy="1504950"/>
+          </a:xfrm>
+          <a:prstGeom prst="rect">
+            <a:avLst/>
+          </a:prstGeom>
+          <a:noFill/>
+          <a:extLst>
+            <a:ext uri="{909E8E84-426E-40DD-AFC4-6F175D3DCCD1}">
+              <a14:hiddenFill xmlns:a14="http://schemas.microsoft.com/office/drawing/2010/main">
+                <a:solidFill>
+                  <a:srgbClr val="FFFFFF"/>
+                </a:solidFill>
+              </a14:hiddenFill>
+            </a:ext>
+          </a:extLst>
+        </p:spPr>
+      </p:pic>
+      <p:sp>
+        <p:nvSpPr>
+          <p:cNvPr id="6" name="직사각형 5"/>
+          <p:cNvSpPr/>
+          <p:nvPr/>
+        </p:nvSpPr>
+        <p:spPr>
+          <a:xfrm>
+            <a:off x="195593" y="2616200"/>
+            <a:ext cx="1295400" cy="292100"/>
+          </a:xfrm>
+          <a:prstGeom prst="rect">
+            <a:avLst/>
+          </a:prstGeom>
+          <a:noFill/>
+          <a:ln w="28575">
+            <a:solidFill>
+              <a:srgbClr val="FF0000"/>
+            </a:solidFill>
+          </a:ln>
+        </p:spPr>
+        <p:style>
+          <a:lnRef idx="2">
+            <a:schemeClr val="accent1">
+              <a:shade val="50000"/>
+            </a:schemeClr>
+          </a:lnRef>
+          <a:fillRef idx="1">
+            <a:schemeClr val="accent1"/>
+          </a:fillRef>
+          <a:effectRef idx="0">
+            <a:schemeClr val="accent1"/>
+          </a:effectRef>
+          <a:fontRef idx="minor">
+            <a:schemeClr val="lt1"/>
+          </a:fontRef>
+        </p:style>
+        <p:txBody>
+          <a:bodyPr rtlCol="0" anchor="ctr"/>
+          <a:lstStyle/>
+          <a:p>
+            <a:pPr algn="ctr"/>
+            <a:endParaRPr lang="ko-KR" altLang="en-US"/>
+          </a:p>
+        </p:txBody>
+      </p:sp>
+      <p:sp>
+        <p:nvSpPr>
+          <p:cNvPr id="7" name="직사각형 6"/>
+          <p:cNvSpPr/>
+          <p:nvPr/>
+        </p:nvSpPr>
+        <p:spPr>
+          <a:xfrm>
+            <a:off x="1663700" y="2628900"/>
+            <a:ext cx="1295400" cy="292100"/>
+          </a:xfrm>
+          <a:prstGeom prst="rect">
+            <a:avLst/>
+          </a:prstGeom>
+          <a:noFill/>
+          <a:ln w="28575">
+            <a:solidFill>
+              <a:srgbClr val="FF0000"/>
+            </a:solidFill>
+          </a:ln>
+        </p:spPr>
+        <p:style>
+          <a:lnRef idx="2">
+            <a:schemeClr val="accent1">
+              <a:shade val="50000"/>
+            </a:schemeClr>
+          </a:lnRef>
+          <a:fillRef idx="1">
+            <a:schemeClr val="accent1"/>
+          </a:fillRef>
+          <a:effectRef idx="0">
+            <a:schemeClr val="accent1"/>
+          </a:effectRef>
+          <a:fontRef idx="minor">
+            <a:schemeClr val="lt1"/>
+          </a:fontRef>
+        </p:style>
+        <p:txBody>
+          <a:bodyPr rtlCol="0" anchor="ctr"/>
+          <a:lstStyle/>
+          <a:p>
+            <a:pPr algn="ctr"/>
+            <a:endParaRPr lang="ko-KR" altLang="en-US"/>
+          </a:p>
+        </p:txBody>
+      </p:sp>
+      <p:sp>
+        <p:nvSpPr>
+          <p:cNvPr id="8" name="직사각형 7"/>
+          <p:cNvSpPr/>
+          <p:nvPr/>
+        </p:nvSpPr>
+        <p:spPr>
+          <a:xfrm>
+            <a:off x="3111500" y="2641600"/>
+            <a:ext cx="1447800" cy="292100"/>
+          </a:xfrm>
+          <a:prstGeom prst="rect">
+            <a:avLst/>
+          </a:prstGeom>
+          <a:noFill/>
+          <a:ln w="28575">
+            <a:solidFill>
+              <a:srgbClr val="FF0000"/>
+            </a:solidFill>
+          </a:ln>
+        </p:spPr>
+        <p:style>
+          <a:lnRef idx="2">
+            <a:schemeClr val="accent1">
+              <a:shade val="50000"/>
+            </a:schemeClr>
+          </a:lnRef>
+          <a:fillRef idx="1">
+            <a:schemeClr val="accent1"/>
+          </a:fillRef>
+          <a:effectRef idx="0">
+            <a:schemeClr val="accent1"/>
+          </a:effectRef>
+          <a:fontRef idx="minor">
+            <a:schemeClr val="lt1"/>
+          </a:fontRef>
+        </p:style>
+        <p:txBody>
+          <a:bodyPr rtlCol="0" anchor="ctr"/>
+          <a:lstStyle/>
+          <a:p>
+            <a:pPr algn="ctr"/>
+            <a:endParaRPr lang="ko-KR" altLang="en-US"/>
+          </a:p>
+        </p:txBody>
+      </p:sp>
+    </p:spTree>
+    <p:extLst>
+      <p:ext uri="{BB962C8B-B14F-4D97-AF65-F5344CB8AC3E}">
+        <p14:creationId xmlns:p14="http://schemas.microsoft.com/office/powerpoint/2010/main" val="2534375656"/>
+      </p:ext>
+    </p:extLst>
+  </p:cSld>
+  <p:clrMapOvr>
+    <a:masterClrMapping/>
+  </p:clrMapOvr>
+</p:sld>
+</file>
+
+<file path=ppt/slides/slide16.xml><?xml version="1.0" encoding="utf-8"?>
 <p:sld xmlns:a="http://schemas.openxmlformats.org/drawingml/2006/main" xmlns:r="http://schemas.openxmlformats.org/officeDocument/2006/relationships" xmlns:p="http://schemas.openxmlformats.org/presentationml/2006/main">
   <p:cSld>
     <p:spTree>
@@ -6778,7 +9467,7 @@
 </p:sld>
 </file>
 
-<file path=ppt/slides/slide13.xml><?xml version="1.0" encoding="utf-8"?>
+<file path=ppt/slides/slide17.xml><?xml version="1.0" encoding="utf-8"?>
 <p:sld xmlns:a="http://schemas.openxmlformats.org/drawingml/2006/main" xmlns:r="http://schemas.openxmlformats.org/officeDocument/2006/relationships" xmlns:p="http://schemas.openxmlformats.org/presentationml/2006/main">
   <p:cSld>
     <p:spTree>
@@ -6890,7 +9579,7 @@
 </p:sld>
 </file>
 
-<file path=ppt/slides/slide14.xml><?xml version="1.0" encoding="utf-8"?>
+<file path=ppt/slides/slide18.xml><?xml version="1.0" encoding="utf-8"?>
 <p:sld xmlns:a="http://schemas.openxmlformats.org/drawingml/2006/main" xmlns:r="http://schemas.openxmlformats.org/officeDocument/2006/relationships" xmlns:p="http://schemas.openxmlformats.org/presentationml/2006/main">
   <p:cSld>
     <p:spTree>
@@ -7002,7 +9691,7 @@
 </p:sld>
 </file>
 
-<file path=ppt/slides/slide15.xml><?xml version="1.0" encoding="utf-8"?>
+<file path=ppt/slides/slide19.xml><?xml version="1.0" encoding="utf-8"?>
 <p:sld xmlns:a="http://schemas.openxmlformats.org/drawingml/2006/main" xmlns:r="http://schemas.openxmlformats.org/officeDocument/2006/relationships" xmlns:p="http://schemas.openxmlformats.org/presentationml/2006/main">
   <p:cSld>
     <p:spTree>
@@ -7114,7 +9803,2470 @@
 </p:sld>
 </file>
 
-<file path=ppt/slides/slide16.xml><?xml version="1.0" encoding="utf-8"?>
+<file path=ppt/slides/slide2.xml><?xml version="1.0" encoding="utf-8"?>
+<p:sld xmlns:a="http://schemas.openxmlformats.org/drawingml/2006/main" xmlns:r="http://schemas.openxmlformats.org/officeDocument/2006/relationships" xmlns:p="http://schemas.openxmlformats.org/presentationml/2006/main">
+  <p:cSld>
+    <p:spTree>
+      <p:nvGrpSpPr>
+        <p:cNvPr id="1" name="Shape 90"/>
+        <p:cNvGrpSpPr/>
+        <p:nvPr/>
+      </p:nvGrpSpPr>
+      <p:grpSpPr>
+        <a:xfrm>
+          <a:off x="0" y="0"/>
+          <a:ext cx="0" cy="0"/>
+          <a:chOff x="0" y="0"/>
+          <a:chExt cx="0" cy="0"/>
+        </a:xfrm>
+      </p:grpSpPr>
+      <p:graphicFrame>
+        <p:nvGraphicFramePr>
+          <p:cNvPr id="92" name="Google Shape;92;g7c553259d1_0_3"/>
+          <p:cNvGraphicFramePr/>
+          <p:nvPr>
+            <p:extLst>
+              <p:ext uri="{D42A27DB-BD31-4B8C-83A1-F6EECF244321}">
+                <p14:modId xmlns:p14="http://schemas.microsoft.com/office/powerpoint/2010/main" val="3957709981"/>
+              </p:ext>
+            </p:extLst>
+          </p:nvPr>
+        </p:nvGraphicFramePr>
+        <p:xfrm>
+          <a:off x="131604" y="115759"/>
+          <a:ext cx="3693699" cy="960150"/>
+        </p:xfrm>
+        <a:graphic>
+          <a:graphicData uri="http://schemas.openxmlformats.org/drawingml/2006/table">
+            <a:tbl>
+              <a:tblPr firstRow="1" bandRow="1">
+                <a:noFill/>
+              </a:tblPr>
+              <a:tblGrid>
+                <a:gridCol w="1549025"/>
+                <a:gridCol w="2144674"/>
+              </a:tblGrid>
+              <a:tr h="271225">
+                <a:tc>
+                  <a:txBody>
+                    <a:bodyPr/>
+                    <a:lstStyle/>
+                    <a:p>
+                      <a:pPr marL="0" marR="0" lvl="0" indent="0" algn="ctr" rtl="0">
+                        <a:lnSpc>
+                          <a:spcPct val="100000"/>
+                        </a:lnSpc>
+                        <a:spcBef>
+                          <a:spcPts val="0"/>
+                        </a:spcBef>
+                        <a:spcAft>
+                          <a:spcPts val="0"/>
+                        </a:spcAft>
+                        <a:buClr>
+                          <a:srgbClr val="000000"/>
+                        </a:buClr>
+                        <a:buSzPts val="1500"/>
+                        <a:buFont typeface="Arial"/>
+                        <a:buNone/>
+                      </a:pPr>
+                      <a:r>
+                        <a:rPr lang="ko-KR" sz="1500" b="0" u="none" strike="noStrike" cap="none" dirty="0">
+                          <a:solidFill>
+                            <a:schemeClr val="dk1"/>
+                          </a:solidFill>
+                        </a:rPr>
+                        <a:t>화면코드</a:t>
+                      </a:r>
+                      <a:endParaRPr sz="1500" b="0" u="none" strike="noStrike" cap="none" dirty="0">
+                        <a:solidFill>
+                          <a:schemeClr val="dk1"/>
+                        </a:solidFill>
+                      </a:endParaRPr>
+                    </a:p>
+                  </a:txBody>
+                  <a:tcPr marL="91451" marR="91451" marT="45725" marB="45725" anchor="ctr">
+                    <a:lnL w="12700" cap="flat" cmpd="sng">
+                      <a:solidFill>
+                        <a:schemeClr val="dk1"/>
+                      </a:solidFill>
+                      <a:prstDash val="solid"/>
+                      <a:round/>
+                      <a:headEnd type="none" w="sm" len="sm"/>
+                      <a:tailEnd type="none" w="sm" len="sm"/>
+                    </a:lnL>
+                    <a:lnR w="12700" cap="flat" cmpd="sng">
+                      <a:solidFill>
+                        <a:schemeClr val="dk1"/>
+                      </a:solidFill>
+                      <a:prstDash val="solid"/>
+                      <a:round/>
+                      <a:headEnd type="none" w="sm" len="sm"/>
+                      <a:tailEnd type="none" w="sm" len="sm"/>
+                    </a:lnR>
+                    <a:lnT w="12700" cap="flat" cmpd="sng">
+                      <a:solidFill>
+                        <a:schemeClr val="dk1"/>
+                      </a:solidFill>
+                      <a:prstDash val="solid"/>
+                      <a:round/>
+                      <a:headEnd type="none" w="sm" len="sm"/>
+                      <a:tailEnd type="none" w="sm" len="sm"/>
+                    </a:lnT>
+                    <a:lnB w="12700" cap="flat" cmpd="sng">
+                      <a:solidFill>
+                        <a:schemeClr val="dk1"/>
+                      </a:solidFill>
+                      <a:prstDash val="solid"/>
+                      <a:round/>
+                      <a:headEnd type="none" w="sm" len="sm"/>
+                      <a:tailEnd type="none" w="sm" len="sm"/>
+                    </a:lnB>
+                    <a:solidFill>
+                      <a:srgbClr val="D8D8D8"/>
+                    </a:solidFill>
+                  </a:tcPr>
+                </a:tc>
+                <a:tc>
+                  <a:txBody>
+                    <a:bodyPr/>
+                    <a:lstStyle/>
+                    <a:p>
+                      <a:pPr marL="0" marR="0" lvl="0" indent="0" algn="ctr" rtl="0">
+                        <a:lnSpc>
+                          <a:spcPct val="100000"/>
+                        </a:lnSpc>
+                        <a:spcBef>
+                          <a:spcPts val="0"/>
+                        </a:spcBef>
+                        <a:spcAft>
+                          <a:spcPts val="0"/>
+                        </a:spcAft>
+                        <a:buClr>
+                          <a:srgbClr val="000000"/>
+                        </a:buClr>
+                        <a:buSzPts val="1500"/>
+                        <a:buFont typeface="Arial"/>
+                        <a:buNone/>
+                      </a:pPr>
+                      <a:r>
+                        <a:rPr lang="en-US" altLang="ko-KR" sz="1500" b="0" u="none" strike="noStrike" cap="none" baseline="0" dirty="0" smtClean="0">
+                          <a:solidFill>
+                            <a:schemeClr val="dk1"/>
+                          </a:solidFill>
+                        </a:rPr>
+                        <a:t> </a:t>
+                      </a:r>
+                      <a:r>
+                        <a:rPr lang="en-US" altLang="ko-KR" sz="1100" b="0" u="none" strike="noStrike" cap="none" baseline="0" dirty="0" err="1" smtClean="0">
+                          <a:solidFill>
+                            <a:schemeClr val="dk1"/>
+                          </a:solidFill>
+                        </a:rPr>
+                        <a:t>user_w_hj_make_reward</a:t>
+                      </a:r>
+                      <a:endParaRPr sz="1100" b="0" u="none" strike="noStrike" cap="none" dirty="0">
+                        <a:solidFill>
+                          <a:schemeClr val="dk1"/>
+                        </a:solidFill>
+                      </a:endParaRPr>
+                    </a:p>
+                  </a:txBody>
+                  <a:tcPr marL="91451" marR="91451" marT="45725" marB="45725" anchor="ctr">
+                    <a:lnL w="12700" cap="flat" cmpd="sng">
+                      <a:solidFill>
+                        <a:schemeClr val="dk1"/>
+                      </a:solidFill>
+                      <a:prstDash val="solid"/>
+                      <a:round/>
+                      <a:headEnd type="none" w="sm" len="sm"/>
+                      <a:tailEnd type="none" w="sm" len="sm"/>
+                    </a:lnL>
+                    <a:lnR w="12700" cap="flat" cmpd="sng">
+                      <a:solidFill>
+                        <a:schemeClr val="dk1"/>
+                      </a:solidFill>
+                      <a:prstDash val="solid"/>
+                      <a:round/>
+                      <a:headEnd type="none" w="sm" len="sm"/>
+                      <a:tailEnd type="none" w="sm" len="sm"/>
+                    </a:lnR>
+                    <a:lnT w="12700" cap="flat" cmpd="sng">
+                      <a:solidFill>
+                        <a:schemeClr val="dk1"/>
+                      </a:solidFill>
+                      <a:prstDash val="solid"/>
+                      <a:round/>
+                      <a:headEnd type="none" w="sm" len="sm"/>
+                      <a:tailEnd type="none" w="sm" len="sm"/>
+                    </a:lnT>
+                    <a:lnB w="12700" cap="flat" cmpd="sng">
+                      <a:solidFill>
+                        <a:schemeClr val="dk1"/>
+                      </a:solidFill>
+                      <a:prstDash val="solid"/>
+                      <a:round/>
+                      <a:headEnd type="none" w="sm" len="sm"/>
+                      <a:tailEnd type="none" w="sm" len="sm"/>
+                    </a:lnB>
+                    <a:solidFill>
+                      <a:schemeClr val="lt1"/>
+                    </a:solidFill>
+                  </a:tcPr>
+                </a:tc>
+              </a:tr>
+              <a:tr h="271225">
+                <a:tc rowSpan="2">
+                  <a:txBody>
+                    <a:bodyPr/>
+                    <a:lstStyle/>
+                    <a:p>
+                      <a:pPr marL="0" marR="0" lvl="0" indent="0" algn="ctr" rtl="0">
+                        <a:lnSpc>
+                          <a:spcPct val="100000"/>
+                        </a:lnSpc>
+                        <a:spcBef>
+                          <a:spcPts val="0"/>
+                        </a:spcBef>
+                        <a:spcAft>
+                          <a:spcPts val="0"/>
+                        </a:spcAft>
+                        <a:buClr>
+                          <a:srgbClr val="000000"/>
+                        </a:buClr>
+                        <a:buSzPts val="1500"/>
+                        <a:buFont typeface="Arial"/>
+                        <a:buNone/>
+                      </a:pPr>
+                      <a:r>
+                        <a:rPr lang="ko-KR" sz="1500" b="0" u="none" strike="noStrike" cap="none">
+                          <a:solidFill>
+                            <a:schemeClr val="dk1"/>
+                          </a:solidFill>
+                        </a:rPr>
+                        <a:t>화면명</a:t>
+                      </a:r>
+                      <a:endParaRPr sz="1500" b="0" u="none" strike="noStrike" cap="none">
+                        <a:solidFill>
+                          <a:schemeClr val="dk1"/>
+                        </a:solidFill>
+                      </a:endParaRPr>
+                    </a:p>
+                  </a:txBody>
+                  <a:tcPr marL="91451" marR="91451" marT="45725" marB="45725" anchor="ctr">
+                    <a:lnL w="12700" cap="flat" cmpd="sng">
+                      <a:solidFill>
+                        <a:schemeClr val="dk1"/>
+                      </a:solidFill>
+                      <a:prstDash val="solid"/>
+                      <a:round/>
+                      <a:headEnd type="none" w="sm" len="sm"/>
+                      <a:tailEnd type="none" w="sm" len="sm"/>
+                    </a:lnL>
+                    <a:lnR w="12700" cap="flat" cmpd="sng">
+                      <a:solidFill>
+                        <a:schemeClr val="dk1"/>
+                      </a:solidFill>
+                      <a:prstDash val="solid"/>
+                      <a:round/>
+                      <a:headEnd type="none" w="sm" len="sm"/>
+                      <a:tailEnd type="none" w="sm" len="sm"/>
+                    </a:lnR>
+                    <a:lnT w="12700" cap="flat" cmpd="sng">
+                      <a:solidFill>
+                        <a:schemeClr val="dk1"/>
+                      </a:solidFill>
+                      <a:prstDash val="solid"/>
+                      <a:round/>
+                      <a:headEnd type="none" w="sm" len="sm"/>
+                      <a:tailEnd type="none" w="sm" len="sm"/>
+                    </a:lnT>
+                    <a:lnB w="12700" cap="flat" cmpd="sng">
+                      <a:solidFill>
+                        <a:schemeClr val="dk1"/>
+                      </a:solidFill>
+                      <a:prstDash val="solid"/>
+                      <a:round/>
+                      <a:headEnd type="none" w="sm" len="sm"/>
+                      <a:tailEnd type="none" w="sm" len="sm"/>
+                    </a:lnB>
+                    <a:solidFill>
+                      <a:srgbClr val="D8D8D8"/>
+                    </a:solidFill>
+                  </a:tcPr>
+                </a:tc>
+                <a:tc>
+                  <a:txBody>
+                    <a:bodyPr/>
+                    <a:lstStyle/>
+                    <a:p>
+                      <a:pPr marL="0" marR="0" lvl="0" indent="0" algn="ctr" rtl="0">
+                        <a:lnSpc>
+                          <a:spcPct val="100000"/>
+                        </a:lnSpc>
+                        <a:spcBef>
+                          <a:spcPts val="0"/>
+                        </a:spcBef>
+                        <a:spcAft>
+                          <a:spcPts val="0"/>
+                        </a:spcAft>
+                        <a:buClr>
+                          <a:srgbClr val="000000"/>
+                        </a:buClr>
+                        <a:buSzPts val="1500"/>
+                        <a:buFont typeface="Arial"/>
+                        <a:buNone/>
+                      </a:pPr>
+                      <a:r>
+                        <a:rPr lang="ko-KR" altLang="en-US" sz="1500" b="0" u="none" strike="noStrike" cap="none" dirty="0" smtClean="0">
+                          <a:solidFill>
+                            <a:schemeClr val="dk1"/>
+                          </a:solidFill>
+                        </a:rPr>
+                        <a:t>프로젝트 등록</a:t>
+                      </a:r>
+                      <a:endParaRPr sz="1500" b="0" u="none" strike="noStrike" cap="none" dirty="0">
+                        <a:solidFill>
+                          <a:schemeClr val="dk1"/>
+                        </a:solidFill>
+                      </a:endParaRPr>
+                    </a:p>
+                  </a:txBody>
+                  <a:tcPr marL="91451" marR="91451" marT="45725" marB="45725" anchor="ctr">
+                    <a:lnL w="12700" cap="flat" cmpd="sng">
+                      <a:solidFill>
+                        <a:schemeClr val="dk1"/>
+                      </a:solidFill>
+                      <a:prstDash val="solid"/>
+                      <a:round/>
+                      <a:headEnd type="none" w="sm" len="sm"/>
+                      <a:tailEnd type="none" w="sm" len="sm"/>
+                    </a:lnL>
+                    <a:lnR w="12700" cap="flat" cmpd="sng">
+                      <a:solidFill>
+                        <a:schemeClr val="dk1"/>
+                      </a:solidFill>
+                      <a:prstDash val="solid"/>
+                      <a:round/>
+                      <a:headEnd type="none" w="sm" len="sm"/>
+                      <a:tailEnd type="none" w="sm" len="sm"/>
+                    </a:lnR>
+                    <a:lnT w="12700" cap="flat" cmpd="sng">
+                      <a:solidFill>
+                        <a:schemeClr val="dk1"/>
+                      </a:solidFill>
+                      <a:prstDash val="solid"/>
+                      <a:round/>
+                      <a:headEnd type="none" w="sm" len="sm"/>
+                      <a:tailEnd type="none" w="sm" len="sm"/>
+                    </a:lnT>
+                    <a:lnB w="12700" cap="flat" cmpd="sng">
+                      <a:solidFill>
+                        <a:schemeClr val="dk1"/>
+                      </a:solidFill>
+                      <a:prstDash val="solid"/>
+                      <a:round/>
+                      <a:headEnd type="none" w="sm" len="sm"/>
+                      <a:tailEnd type="none" w="sm" len="sm"/>
+                    </a:lnB>
+                    <a:solidFill>
+                      <a:schemeClr val="lt1"/>
+                    </a:solidFill>
+                  </a:tcPr>
+                </a:tc>
+              </a:tr>
+              <a:tr h="271225">
+                <a:tc vMerge="1">
+                  <a:txBody>
+                    <a:bodyPr/>
+                    <a:lstStyle/>
+                    <a:p>
+                      <a:endParaRPr lang="ko-KR"/>
+                    </a:p>
+                  </a:txBody>
+                  <a:tcPr/>
+                </a:tc>
+                <a:tc>
+                  <a:txBody>
+                    <a:bodyPr/>
+                    <a:lstStyle/>
+                    <a:p>
+                      <a:pPr marL="0" marR="0" lvl="0" indent="0" algn="ctr" rtl="0">
+                        <a:lnSpc>
+                          <a:spcPct val="100000"/>
+                        </a:lnSpc>
+                        <a:spcBef>
+                          <a:spcPts val="0"/>
+                        </a:spcBef>
+                        <a:spcAft>
+                          <a:spcPts val="0"/>
+                        </a:spcAft>
+                        <a:buClr>
+                          <a:srgbClr val="000000"/>
+                        </a:buClr>
+                        <a:buSzPts val="1500"/>
+                        <a:buFont typeface="Arial"/>
+                        <a:buNone/>
+                      </a:pPr>
+                      <a:r>
+                        <a:rPr lang="ko-KR" altLang="en-US" sz="1500" b="0" u="none" strike="noStrike" cap="none" dirty="0" smtClean="0">
+                          <a:solidFill>
+                            <a:schemeClr val="dk1"/>
+                          </a:solidFill>
+                        </a:rPr>
+                        <a:t>데스크톱</a:t>
+                      </a:r>
+                      <a:endParaRPr sz="1500" b="0" u="none" strike="noStrike" cap="none" dirty="0">
+                        <a:solidFill>
+                          <a:schemeClr val="dk1"/>
+                        </a:solidFill>
+                      </a:endParaRPr>
+                    </a:p>
+                  </a:txBody>
+                  <a:tcPr marL="91451" marR="91451" marT="45725" marB="45725" anchor="ctr">
+                    <a:lnL w="12700" cap="flat" cmpd="sng">
+                      <a:solidFill>
+                        <a:schemeClr val="dk1"/>
+                      </a:solidFill>
+                      <a:prstDash val="solid"/>
+                      <a:round/>
+                      <a:headEnd type="none" w="sm" len="sm"/>
+                      <a:tailEnd type="none" w="sm" len="sm"/>
+                    </a:lnL>
+                    <a:lnR w="12700" cap="flat" cmpd="sng">
+                      <a:solidFill>
+                        <a:schemeClr val="dk1"/>
+                      </a:solidFill>
+                      <a:prstDash val="solid"/>
+                      <a:round/>
+                      <a:headEnd type="none" w="sm" len="sm"/>
+                      <a:tailEnd type="none" w="sm" len="sm"/>
+                    </a:lnR>
+                    <a:lnT w="12700" cap="flat" cmpd="sng">
+                      <a:solidFill>
+                        <a:schemeClr val="dk1"/>
+                      </a:solidFill>
+                      <a:prstDash val="solid"/>
+                      <a:round/>
+                      <a:headEnd type="none" w="sm" len="sm"/>
+                      <a:tailEnd type="none" w="sm" len="sm"/>
+                    </a:lnT>
+                    <a:lnB w="12700" cap="flat" cmpd="sng">
+                      <a:solidFill>
+                        <a:schemeClr val="dk1"/>
+                      </a:solidFill>
+                      <a:prstDash val="solid"/>
+                      <a:round/>
+                      <a:headEnd type="none" w="sm" len="sm"/>
+                      <a:tailEnd type="none" w="sm" len="sm"/>
+                    </a:lnB>
+                    <a:solidFill>
+                      <a:schemeClr val="lt1"/>
+                    </a:solidFill>
+                  </a:tcPr>
+                </a:tc>
+              </a:tr>
+            </a:tbl>
+          </a:graphicData>
+        </a:graphic>
+      </p:graphicFrame>
+      <p:graphicFrame>
+        <p:nvGraphicFramePr>
+          <p:cNvPr id="93" name="Google Shape;93;g7c553259d1_0_3"/>
+          <p:cNvGraphicFramePr/>
+          <p:nvPr>
+            <p:extLst>
+              <p:ext uri="{D42A27DB-BD31-4B8C-83A1-F6EECF244321}">
+                <p14:modId xmlns:p14="http://schemas.microsoft.com/office/powerpoint/2010/main" val="3803871268"/>
+              </p:ext>
+            </p:extLst>
+          </p:nvPr>
+        </p:nvGraphicFramePr>
+        <p:xfrm>
+          <a:off x="9309046" y="197403"/>
+          <a:ext cx="2815500" cy="320050"/>
+        </p:xfrm>
+        <a:graphic>
+          <a:graphicData uri="http://schemas.openxmlformats.org/drawingml/2006/table">
+            <a:tbl>
+              <a:tblPr firstRow="1" bandRow="1">
+                <a:noFill/>
+              </a:tblPr>
+              <a:tblGrid>
+                <a:gridCol w="1407750"/>
+                <a:gridCol w="1407750"/>
+              </a:tblGrid>
+              <a:tr h="265075">
+                <a:tc>
+                  <a:txBody>
+                    <a:bodyPr/>
+                    <a:lstStyle/>
+                    <a:p>
+                      <a:pPr marL="0" marR="0" lvl="0" indent="0" algn="ctr" rtl="0">
+                        <a:lnSpc>
+                          <a:spcPct val="100000"/>
+                        </a:lnSpc>
+                        <a:spcBef>
+                          <a:spcPts val="0"/>
+                        </a:spcBef>
+                        <a:spcAft>
+                          <a:spcPts val="0"/>
+                        </a:spcAft>
+                        <a:buClr>
+                          <a:srgbClr val="000000"/>
+                        </a:buClr>
+                        <a:buSzPts val="1500"/>
+                        <a:buFont typeface="Arial"/>
+                        <a:buNone/>
+                      </a:pPr>
+                      <a:r>
+                        <a:rPr lang="ko-KR" sz="1500" b="0" u="none" strike="noStrike" cap="none" dirty="0">
+                          <a:solidFill>
+                            <a:schemeClr val="dk1"/>
+                          </a:solidFill>
+                        </a:rPr>
+                        <a:t>화면 번호</a:t>
+                      </a:r>
+                      <a:endParaRPr sz="1500" b="0" u="none" strike="noStrike" cap="none" dirty="0">
+                        <a:solidFill>
+                          <a:schemeClr val="dk1"/>
+                        </a:solidFill>
+                      </a:endParaRPr>
+                    </a:p>
+                  </a:txBody>
+                  <a:tcPr marL="91451" marR="91451" marT="45725" marB="45725" anchor="ctr">
+                    <a:lnL w="12700" cap="flat" cmpd="sng">
+                      <a:solidFill>
+                        <a:schemeClr val="dk1"/>
+                      </a:solidFill>
+                      <a:prstDash val="solid"/>
+                      <a:round/>
+                      <a:headEnd type="none" w="sm" len="sm"/>
+                      <a:tailEnd type="none" w="sm" len="sm"/>
+                    </a:lnL>
+                    <a:lnR w="12700" cap="flat" cmpd="sng">
+                      <a:solidFill>
+                        <a:schemeClr val="dk1"/>
+                      </a:solidFill>
+                      <a:prstDash val="solid"/>
+                      <a:round/>
+                      <a:headEnd type="none" w="sm" len="sm"/>
+                      <a:tailEnd type="none" w="sm" len="sm"/>
+                    </a:lnR>
+                    <a:lnT w="12700" cap="flat" cmpd="sng">
+                      <a:solidFill>
+                        <a:schemeClr val="dk1"/>
+                      </a:solidFill>
+                      <a:prstDash val="solid"/>
+                      <a:round/>
+                      <a:headEnd type="none" w="sm" len="sm"/>
+                      <a:tailEnd type="none" w="sm" len="sm"/>
+                    </a:lnT>
+                    <a:lnB w="12700" cap="flat" cmpd="sng">
+                      <a:solidFill>
+                        <a:schemeClr val="dk1"/>
+                      </a:solidFill>
+                      <a:prstDash val="solid"/>
+                      <a:round/>
+                      <a:headEnd type="none" w="sm" len="sm"/>
+                      <a:tailEnd type="none" w="sm" len="sm"/>
+                    </a:lnB>
+                    <a:solidFill>
+                      <a:srgbClr val="D8D8D8"/>
+                    </a:solidFill>
+                  </a:tcPr>
+                </a:tc>
+                <a:tc>
+                  <a:txBody>
+                    <a:bodyPr/>
+                    <a:lstStyle/>
+                    <a:p>
+                      <a:pPr marL="0" marR="0" lvl="0" indent="0" algn="ctr" rtl="0">
+                        <a:lnSpc>
+                          <a:spcPct val="100000"/>
+                        </a:lnSpc>
+                        <a:spcBef>
+                          <a:spcPts val="0"/>
+                        </a:spcBef>
+                        <a:spcAft>
+                          <a:spcPts val="0"/>
+                        </a:spcAft>
+                        <a:buClr>
+                          <a:srgbClr val="000000"/>
+                        </a:buClr>
+                        <a:buSzPts val="1500"/>
+                        <a:buFont typeface="Arial"/>
+                        <a:buNone/>
+                      </a:pPr>
+                      <a:r>
+                        <a:rPr lang="en-US" sz="1500" b="0" u="none" strike="noStrike" cap="none" dirty="0" smtClean="0">
+                          <a:solidFill>
+                            <a:schemeClr val="dk1"/>
+                          </a:solidFill>
+                        </a:rPr>
+                        <a:t>1</a:t>
+                      </a:r>
+                      <a:endParaRPr sz="1500" b="0" u="none" strike="noStrike" cap="none" dirty="0">
+                        <a:solidFill>
+                          <a:schemeClr val="dk1"/>
+                        </a:solidFill>
+                      </a:endParaRPr>
+                    </a:p>
+                  </a:txBody>
+                  <a:tcPr marL="91451" marR="91451" marT="45725" marB="45725" anchor="ctr">
+                    <a:lnL w="12700" cap="flat" cmpd="sng">
+                      <a:solidFill>
+                        <a:schemeClr val="dk1"/>
+                      </a:solidFill>
+                      <a:prstDash val="solid"/>
+                      <a:round/>
+                      <a:headEnd type="none" w="sm" len="sm"/>
+                      <a:tailEnd type="none" w="sm" len="sm"/>
+                    </a:lnL>
+                    <a:lnR w="12700" cap="flat" cmpd="sng">
+                      <a:solidFill>
+                        <a:schemeClr val="dk1"/>
+                      </a:solidFill>
+                      <a:prstDash val="solid"/>
+                      <a:round/>
+                      <a:headEnd type="none" w="sm" len="sm"/>
+                      <a:tailEnd type="none" w="sm" len="sm"/>
+                    </a:lnR>
+                    <a:lnT w="12700" cap="flat" cmpd="sng">
+                      <a:solidFill>
+                        <a:schemeClr val="dk1"/>
+                      </a:solidFill>
+                      <a:prstDash val="solid"/>
+                      <a:round/>
+                      <a:headEnd type="none" w="sm" len="sm"/>
+                      <a:tailEnd type="none" w="sm" len="sm"/>
+                    </a:lnT>
+                    <a:lnB w="12700" cap="flat" cmpd="sng">
+                      <a:solidFill>
+                        <a:schemeClr val="dk1"/>
+                      </a:solidFill>
+                      <a:prstDash val="solid"/>
+                      <a:round/>
+                      <a:headEnd type="none" w="sm" len="sm"/>
+                      <a:tailEnd type="none" w="sm" len="sm"/>
+                    </a:lnB>
+                    <a:solidFill>
+                      <a:schemeClr val="lt1"/>
+                    </a:solidFill>
+                  </a:tcPr>
+                </a:tc>
+              </a:tr>
+            </a:tbl>
+          </a:graphicData>
+        </a:graphic>
+      </p:graphicFrame>
+      <p:graphicFrame>
+        <p:nvGraphicFramePr>
+          <p:cNvPr id="94" name="Google Shape;94;g7c553259d1_0_3"/>
+          <p:cNvGraphicFramePr/>
+          <p:nvPr/>
+        </p:nvGraphicFramePr>
+        <p:xfrm>
+          <a:off x="6200086" y="197403"/>
+          <a:ext cx="2815500" cy="320050"/>
+        </p:xfrm>
+        <a:graphic>
+          <a:graphicData uri="http://schemas.openxmlformats.org/drawingml/2006/table">
+            <a:tbl>
+              <a:tblPr firstRow="1" bandRow="1">
+                <a:noFill/>
+              </a:tblPr>
+              <a:tblGrid>
+                <a:gridCol w="1407750"/>
+                <a:gridCol w="1407750"/>
+              </a:tblGrid>
+              <a:tr h="265075">
+                <a:tc>
+                  <a:txBody>
+                    <a:bodyPr/>
+                    <a:lstStyle/>
+                    <a:p>
+                      <a:pPr marL="0" marR="0" lvl="0" indent="0" algn="ctr" rtl="0">
+                        <a:lnSpc>
+                          <a:spcPct val="100000"/>
+                        </a:lnSpc>
+                        <a:spcBef>
+                          <a:spcPts val="0"/>
+                        </a:spcBef>
+                        <a:spcAft>
+                          <a:spcPts val="0"/>
+                        </a:spcAft>
+                        <a:buClr>
+                          <a:srgbClr val="000000"/>
+                        </a:buClr>
+                        <a:buSzPts val="1500"/>
+                        <a:buFont typeface="Arial"/>
+                        <a:buNone/>
+                      </a:pPr>
+                      <a:r>
+                        <a:rPr lang="ko-KR" sz="1500" b="0" u="none" strike="noStrike" cap="none">
+                          <a:solidFill>
+                            <a:schemeClr val="dk1"/>
+                          </a:solidFill>
+                        </a:rPr>
+                        <a:t>프로젝트</a:t>
+                      </a:r>
+                      <a:endParaRPr sz="1500" b="0" u="none" strike="noStrike" cap="none">
+                        <a:solidFill>
+                          <a:schemeClr val="dk1"/>
+                        </a:solidFill>
+                      </a:endParaRPr>
+                    </a:p>
+                  </a:txBody>
+                  <a:tcPr marL="91451" marR="91451" marT="45725" marB="45725" anchor="ctr">
+                    <a:lnL w="12700" cap="flat" cmpd="sng">
+                      <a:solidFill>
+                        <a:schemeClr val="dk1"/>
+                      </a:solidFill>
+                      <a:prstDash val="solid"/>
+                      <a:round/>
+                      <a:headEnd type="none" w="sm" len="sm"/>
+                      <a:tailEnd type="none" w="sm" len="sm"/>
+                    </a:lnL>
+                    <a:lnR w="12700" cap="flat" cmpd="sng">
+                      <a:solidFill>
+                        <a:schemeClr val="dk1"/>
+                      </a:solidFill>
+                      <a:prstDash val="solid"/>
+                      <a:round/>
+                      <a:headEnd type="none" w="sm" len="sm"/>
+                      <a:tailEnd type="none" w="sm" len="sm"/>
+                    </a:lnR>
+                    <a:lnT w="12700" cap="flat" cmpd="sng">
+                      <a:solidFill>
+                        <a:schemeClr val="dk1"/>
+                      </a:solidFill>
+                      <a:prstDash val="solid"/>
+                      <a:round/>
+                      <a:headEnd type="none" w="sm" len="sm"/>
+                      <a:tailEnd type="none" w="sm" len="sm"/>
+                    </a:lnT>
+                    <a:lnB w="12700" cap="flat" cmpd="sng">
+                      <a:solidFill>
+                        <a:schemeClr val="dk1"/>
+                      </a:solidFill>
+                      <a:prstDash val="solid"/>
+                      <a:round/>
+                      <a:headEnd type="none" w="sm" len="sm"/>
+                      <a:tailEnd type="none" w="sm" len="sm"/>
+                    </a:lnB>
+                    <a:solidFill>
+                      <a:srgbClr val="D8D8D8"/>
+                    </a:solidFill>
+                  </a:tcPr>
+                </a:tc>
+                <a:tc>
+                  <a:txBody>
+                    <a:bodyPr/>
+                    <a:lstStyle/>
+                    <a:p>
+                      <a:pPr marL="0" marR="0" lvl="0" indent="0" algn="ctr" rtl="0">
+                        <a:lnSpc>
+                          <a:spcPct val="100000"/>
+                        </a:lnSpc>
+                        <a:spcBef>
+                          <a:spcPts val="0"/>
+                        </a:spcBef>
+                        <a:spcAft>
+                          <a:spcPts val="0"/>
+                        </a:spcAft>
+                        <a:buClr>
+                          <a:srgbClr val="000000"/>
+                        </a:buClr>
+                        <a:buSzPts val="1500"/>
+                        <a:buFont typeface="Arial"/>
+                        <a:buNone/>
+                      </a:pPr>
+                      <a:endParaRPr sz="1500" b="0" u="none" strike="noStrike" cap="none">
+                        <a:solidFill>
+                          <a:schemeClr val="dk1"/>
+                        </a:solidFill>
+                      </a:endParaRPr>
+                    </a:p>
+                  </a:txBody>
+                  <a:tcPr marL="91451" marR="91451" marT="45725" marB="45725" anchor="ctr">
+                    <a:lnL w="12700" cap="flat" cmpd="sng">
+                      <a:solidFill>
+                        <a:schemeClr val="dk1"/>
+                      </a:solidFill>
+                      <a:prstDash val="solid"/>
+                      <a:round/>
+                      <a:headEnd type="none" w="sm" len="sm"/>
+                      <a:tailEnd type="none" w="sm" len="sm"/>
+                    </a:lnL>
+                    <a:lnR w="12700" cap="flat" cmpd="sng">
+                      <a:solidFill>
+                        <a:schemeClr val="dk1"/>
+                      </a:solidFill>
+                      <a:prstDash val="solid"/>
+                      <a:round/>
+                      <a:headEnd type="none" w="sm" len="sm"/>
+                      <a:tailEnd type="none" w="sm" len="sm"/>
+                    </a:lnR>
+                    <a:lnT w="12700" cap="flat" cmpd="sng">
+                      <a:solidFill>
+                        <a:schemeClr val="dk1"/>
+                      </a:solidFill>
+                      <a:prstDash val="solid"/>
+                      <a:round/>
+                      <a:headEnd type="none" w="sm" len="sm"/>
+                      <a:tailEnd type="none" w="sm" len="sm"/>
+                    </a:lnT>
+                    <a:lnB w="12700" cap="flat" cmpd="sng">
+                      <a:solidFill>
+                        <a:schemeClr val="dk1"/>
+                      </a:solidFill>
+                      <a:prstDash val="solid"/>
+                      <a:round/>
+                      <a:headEnd type="none" w="sm" len="sm"/>
+                      <a:tailEnd type="none" w="sm" len="sm"/>
+                    </a:lnB>
+                    <a:solidFill>
+                      <a:schemeClr val="lt1"/>
+                    </a:solidFill>
+                  </a:tcPr>
+                </a:tc>
+              </a:tr>
+            </a:tbl>
+          </a:graphicData>
+        </a:graphic>
+      </p:graphicFrame>
+      <p:graphicFrame>
+        <p:nvGraphicFramePr>
+          <p:cNvPr id="96" name="Google Shape;96;g7c553259d1_0_3"/>
+          <p:cNvGraphicFramePr/>
+          <p:nvPr>
+            <p:extLst>
+              <p:ext uri="{D42A27DB-BD31-4B8C-83A1-F6EECF244321}">
+                <p14:modId xmlns:p14="http://schemas.microsoft.com/office/powerpoint/2010/main" val="896336865"/>
+              </p:ext>
+            </p:extLst>
+          </p:nvPr>
+        </p:nvGraphicFramePr>
+        <p:xfrm>
+          <a:off x="8843382" y="836712"/>
+          <a:ext cx="2952330" cy="2126362"/>
+        </p:xfrm>
+        <a:graphic>
+          <a:graphicData uri="http://schemas.openxmlformats.org/drawingml/2006/table">
+            <a:tbl>
+              <a:tblPr firstRow="1" bandRow="1">
+                <a:noFill/>
+              </a:tblPr>
+              <a:tblGrid>
+                <a:gridCol w="289755"/>
+                <a:gridCol w="2662575"/>
+              </a:tblGrid>
+              <a:tr h="286673">
+                <a:tc>
+                  <a:txBody>
+                    <a:bodyPr/>
+                    <a:lstStyle/>
+                    <a:p>
+                      <a:pPr marL="0" marR="0" lvl="0" indent="0" algn="ctr" rtl="0">
+                        <a:lnSpc>
+                          <a:spcPct val="100000"/>
+                        </a:lnSpc>
+                        <a:spcBef>
+                          <a:spcPts val="0"/>
+                        </a:spcBef>
+                        <a:spcAft>
+                          <a:spcPts val="0"/>
+                        </a:spcAft>
+                        <a:buClr>
+                          <a:srgbClr val="000000"/>
+                        </a:buClr>
+                        <a:buSzPts val="1500"/>
+                        <a:buFont typeface="Arial"/>
+                        <a:buNone/>
+                      </a:pPr>
+                      <a:r>
+                        <a:rPr lang="ko-KR" sz="1500" u="none" strike="noStrike" cap="none" dirty="0">
+                          <a:solidFill>
+                            <a:schemeClr val="dk1"/>
+                          </a:solidFill>
+                        </a:rPr>
+                        <a:t>#</a:t>
+                      </a:r>
+                      <a:endParaRPr sz="1500" u="none" strike="noStrike" cap="none" dirty="0">
+                        <a:solidFill>
+                          <a:schemeClr val="dk1"/>
+                        </a:solidFill>
+                      </a:endParaRPr>
+                    </a:p>
+                  </a:txBody>
+                  <a:tcPr marL="91451" marR="91451" marT="45725" marB="45725" anchor="ctr">
+                    <a:lnL w="12700" cap="flat" cmpd="sng">
+                      <a:solidFill>
+                        <a:schemeClr val="dk1"/>
+                      </a:solidFill>
+                      <a:prstDash val="solid"/>
+                      <a:round/>
+                      <a:headEnd type="none" w="sm" len="sm"/>
+                      <a:tailEnd type="none" w="sm" len="sm"/>
+                    </a:lnL>
+                    <a:lnR w="12700" cap="flat" cmpd="sng">
+                      <a:solidFill>
+                        <a:schemeClr val="dk1"/>
+                      </a:solidFill>
+                      <a:prstDash val="solid"/>
+                      <a:round/>
+                      <a:headEnd type="none" w="sm" len="sm"/>
+                      <a:tailEnd type="none" w="sm" len="sm"/>
+                    </a:lnR>
+                    <a:lnT w="12700" cap="flat" cmpd="sng">
+                      <a:solidFill>
+                        <a:schemeClr val="dk1"/>
+                      </a:solidFill>
+                      <a:prstDash val="solid"/>
+                      <a:round/>
+                      <a:headEnd type="none" w="sm" len="sm"/>
+                      <a:tailEnd type="none" w="sm" len="sm"/>
+                    </a:lnT>
+                    <a:lnB w="12700" cap="flat" cmpd="sng">
+                      <a:solidFill>
+                        <a:schemeClr val="dk1"/>
+                      </a:solidFill>
+                      <a:prstDash val="solid"/>
+                      <a:round/>
+                      <a:headEnd type="none" w="sm" len="sm"/>
+                      <a:tailEnd type="none" w="sm" len="sm"/>
+                    </a:lnB>
+                    <a:solidFill>
+                      <a:srgbClr val="D8D8D8"/>
+                    </a:solidFill>
+                  </a:tcPr>
+                </a:tc>
+                <a:tc>
+                  <a:txBody>
+                    <a:bodyPr/>
+                    <a:lstStyle/>
+                    <a:p>
+                      <a:pPr marL="0" marR="0" lvl="0" indent="0" algn="ctr" rtl="0">
+                        <a:lnSpc>
+                          <a:spcPct val="100000"/>
+                        </a:lnSpc>
+                        <a:spcBef>
+                          <a:spcPts val="0"/>
+                        </a:spcBef>
+                        <a:spcAft>
+                          <a:spcPts val="0"/>
+                        </a:spcAft>
+                        <a:buClr>
+                          <a:srgbClr val="000000"/>
+                        </a:buClr>
+                        <a:buSzPts val="1500"/>
+                        <a:buFont typeface="Arial"/>
+                        <a:buNone/>
+                      </a:pPr>
+                      <a:r>
+                        <a:rPr lang="ko-KR" sz="1500" u="none" strike="noStrike" cap="none" dirty="0" err="1">
+                          <a:solidFill>
+                            <a:schemeClr val="dk1"/>
+                          </a:solidFill>
+                        </a:rPr>
+                        <a:t>기능명</a:t>
+                      </a:r>
+                      <a:endParaRPr sz="1500" u="none" strike="noStrike" cap="none" dirty="0">
+                        <a:solidFill>
+                          <a:schemeClr val="dk1"/>
+                        </a:solidFill>
+                      </a:endParaRPr>
+                    </a:p>
+                  </a:txBody>
+                  <a:tcPr marL="91451" marR="91451" marT="45725" marB="45725" anchor="ctr">
+                    <a:lnL w="12700" cap="flat" cmpd="sng">
+                      <a:solidFill>
+                        <a:schemeClr val="dk1"/>
+                      </a:solidFill>
+                      <a:prstDash val="solid"/>
+                      <a:round/>
+                      <a:headEnd type="none" w="sm" len="sm"/>
+                      <a:tailEnd type="none" w="sm" len="sm"/>
+                    </a:lnL>
+                    <a:lnR w="12700" cap="flat" cmpd="sng">
+                      <a:solidFill>
+                        <a:schemeClr val="dk1"/>
+                      </a:solidFill>
+                      <a:prstDash val="solid"/>
+                      <a:round/>
+                      <a:headEnd type="none" w="sm" len="sm"/>
+                      <a:tailEnd type="none" w="sm" len="sm"/>
+                    </a:lnR>
+                    <a:lnT w="12700" cap="flat" cmpd="sng">
+                      <a:solidFill>
+                        <a:schemeClr val="dk1"/>
+                      </a:solidFill>
+                      <a:prstDash val="solid"/>
+                      <a:round/>
+                      <a:headEnd type="none" w="sm" len="sm"/>
+                      <a:tailEnd type="none" w="sm" len="sm"/>
+                    </a:lnT>
+                    <a:lnB w="12700" cap="flat" cmpd="sng">
+                      <a:solidFill>
+                        <a:schemeClr val="dk1"/>
+                      </a:solidFill>
+                      <a:prstDash val="solid"/>
+                      <a:round/>
+                      <a:headEnd type="none" w="sm" len="sm"/>
+                      <a:tailEnd type="none" w="sm" len="sm"/>
+                    </a:lnB>
+                    <a:solidFill>
+                      <a:srgbClr val="D8D8D8"/>
+                    </a:solidFill>
+                  </a:tcPr>
+                </a:tc>
+              </a:tr>
+              <a:tr h="328022">
+                <a:tc>
+                  <a:txBody>
+                    <a:bodyPr/>
+                    <a:lstStyle/>
+                    <a:p>
+                      <a:pPr marL="0" marR="0" lvl="0" indent="0" algn="ctr" rtl="0">
+                        <a:lnSpc>
+                          <a:spcPct val="100000"/>
+                        </a:lnSpc>
+                        <a:spcBef>
+                          <a:spcPts val="0"/>
+                        </a:spcBef>
+                        <a:spcAft>
+                          <a:spcPts val="0"/>
+                        </a:spcAft>
+                        <a:buClr>
+                          <a:srgbClr val="000000"/>
+                        </a:buClr>
+                        <a:buSzPts val="1500"/>
+                        <a:buFont typeface="Arial"/>
+                        <a:buNone/>
+                      </a:pPr>
+                      <a:r>
+                        <a:rPr lang="ko-KR" sz="1500" u="none" strike="noStrike" cap="none">
+                          <a:solidFill>
+                            <a:schemeClr val="dk1"/>
+                          </a:solidFill>
+                        </a:rPr>
+                        <a:t>1</a:t>
+                      </a:r>
+                      <a:endParaRPr sz="1500" u="none" strike="noStrike" cap="none">
+                        <a:solidFill>
+                          <a:schemeClr val="dk1"/>
+                        </a:solidFill>
+                      </a:endParaRPr>
+                    </a:p>
+                  </a:txBody>
+                  <a:tcPr marL="91451" marR="91451" marT="45725" marB="45725" anchor="ctr">
+                    <a:lnL w="12700" cap="flat" cmpd="sng">
+                      <a:solidFill>
+                        <a:schemeClr val="dk1"/>
+                      </a:solidFill>
+                      <a:prstDash val="solid"/>
+                      <a:round/>
+                      <a:headEnd type="none" w="sm" len="sm"/>
+                      <a:tailEnd type="none" w="sm" len="sm"/>
+                    </a:lnL>
+                    <a:lnR w="12700" cap="flat" cmpd="sng">
+                      <a:solidFill>
+                        <a:schemeClr val="dk1"/>
+                      </a:solidFill>
+                      <a:prstDash val="solid"/>
+                      <a:round/>
+                      <a:headEnd type="none" w="sm" len="sm"/>
+                      <a:tailEnd type="none" w="sm" len="sm"/>
+                    </a:lnR>
+                    <a:lnT w="12700" cap="flat" cmpd="sng">
+                      <a:solidFill>
+                        <a:schemeClr val="dk1"/>
+                      </a:solidFill>
+                      <a:prstDash val="solid"/>
+                      <a:round/>
+                      <a:headEnd type="none" w="sm" len="sm"/>
+                      <a:tailEnd type="none" w="sm" len="sm"/>
+                    </a:lnT>
+                    <a:lnB w="12700" cap="flat" cmpd="sng">
+                      <a:solidFill>
+                        <a:schemeClr val="dk1"/>
+                      </a:solidFill>
+                      <a:prstDash val="solid"/>
+                      <a:round/>
+                      <a:headEnd type="none" w="sm" len="sm"/>
+                      <a:tailEnd type="none" w="sm" len="sm"/>
+                    </a:lnB>
+                    <a:solidFill>
+                      <a:schemeClr val="lt1"/>
+                    </a:solidFill>
+                  </a:tcPr>
+                </a:tc>
+                <a:tc>
+                  <a:txBody>
+                    <a:bodyPr/>
+                    <a:lstStyle/>
+                    <a:p>
+                      <a:pPr marL="133350" marR="0" lvl="0" indent="0" algn="l" rtl="0">
+                        <a:lnSpc>
+                          <a:spcPct val="100000"/>
+                        </a:lnSpc>
+                        <a:spcBef>
+                          <a:spcPts val="0"/>
+                        </a:spcBef>
+                        <a:spcAft>
+                          <a:spcPts val="0"/>
+                        </a:spcAft>
+                        <a:buClr>
+                          <a:srgbClr val="000000"/>
+                        </a:buClr>
+                        <a:buSzPts val="1500"/>
+                        <a:buFont typeface="Arial"/>
+                        <a:buNone/>
+                        <a:tabLst/>
+                      </a:pPr>
+                      <a:r>
+                        <a:rPr lang="ko-KR" altLang="en-US" sz="1300" b="0" u="none" strike="noStrike" cap="none" dirty="0" smtClean="0"/>
+                        <a:t>현재 진행 상황 나타냄</a:t>
+                      </a:r>
+                      <a:endParaRPr sz="1300" b="0" u="none" strike="noStrike" cap="none" dirty="0"/>
+                    </a:p>
+                  </a:txBody>
+                  <a:tcPr marL="91451" marR="91451" marT="45725" marB="45725">
+                    <a:lnL w="12700" cap="flat" cmpd="sng">
+                      <a:solidFill>
+                        <a:schemeClr val="dk1"/>
+                      </a:solidFill>
+                      <a:prstDash val="solid"/>
+                      <a:round/>
+                      <a:headEnd type="none" w="sm" len="sm"/>
+                      <a:tailEnd type="none" w="sm" len="sm"/>
+                    </a:lnL>
+                    <a:lnR w="12700" cap="flat" cmpd="sng">
+                      <a:solidFill>
+                        <a:schemeClr val="dk1"/>
+                      </a:solidFill>
+                      <a:prstDash val="solid"/>
+                      <a:round/>
+                      <a:headEnd type="none" w="sm" len="sm"/>
+                      <a:tailEnd type="none" w="sm" len="sm"/>
+                    </a:lnR>
+                    <a:lnT w="12700" cap="flat" cmpd="sng">
+                      <a:solidFill>
+                        <a:schemeClr val="dk1"/>
+                      </a:solidFill>
+                      <a:prstDash val="solid"/>
+                      <a:round/>
+                      <a:headEnd type="none" w="sm" len="sm"/>
+                      <a:tailEnd type="none" w="sm" len="sm"/>
+                    </a:lnT>
+                    <a:lnB w="12700" cap="flat" cmpd="sng">
+                      <a:solidFill>
+                        <a:schemeClr val="dk1"/>
+                      </a:solidFill>
+                      <a:prstDash val="solid"/>
+                      <a:round/>
+                      <a:headEnd type="none" w="sm" len="sm"/>
+                      <a:tailEnd type="none" w="sm" len="sm"/>
+                    </a:lnB>
+                    <a:solidFill>
+                      <a:schemeClr val="lt1"/>
+                    </a:solidFill>
+                  </a:tcPr>
+                </a:tc>
+              </a:tr>
+              <a:tr h="819048">
+                <a:tc>
+                  <a:txBody>
+                    <a:bodyPr/>
+                    <a:lstStyle/>
+                    <a:p>
+                      <a:pPr marL="0" marR="0" lvl="0" indent="0" algn="ctr" rtl="0">
+                        <a:lnSpc>
+                          <a:spcPct val="100000"/>
+                        </a:lnSpc>
+                        <a:spcBef>
+                          <a:spcPts val="0"/>
+                        </a:spcBef>
+                        <a:spcAft>
+                          <a:spcPts val="0"/>
+                        </a:spcAft>
+                        <a:buClr>
+                          <a:srgbClr val="000000"/>
+                        </a:buClr>
+                        <a:buSzPts val="1500"/>
+                        <a:buFont typeface="Arial"/>
+                        <a:buNone/>
+                      </a:pPr>
+                      <a:r>
+                        <a:rPr lang="ko-KR" sz="1500" u="none" strike="noStrike" cap="none">
+                          <a:solidFill>
+                            <a:schemeClr val="dk1"/>
+                          </a:solidFill>
+                        </a:rPr>
+                        <a:t>2</a:t>
+                      </a:r>
+                      <a:endParaRPr sz="1500" u="none" strike="noStrike" cap="none">
+                        <a:solidFill>
+                          <a:schemeClr val="dk1"/>
+                        </a:solidFill>
+                      </a:endParaRPr>
+                    </a:p>
+                  </a:txBody>
+                  <a:tcPr marL="91451" marR="91451" marT="45725" marB="45725" anchor="ctr">
+                    <a:lnL w="12700" cap="flat" cmpd="sng">
+                      <a:solidFill>
+                        <a:schemeClr val="dk1"/>
+                      </a:solidFill>
+                      <a:prstDash val="solid"/>
+                      <a:round/>
+                      <a:headEnd type="none" w="sm" len="sm"/>
+                      <a:tailEnd type="none" w="sm" len="sm"/>
+                    </a:lnL>
+                    <a:lnR w="12700" cap="flat" cmpd="sng">
+                      <a:solidFill>
+                        <a:schemeClr val="dk1"/>
+                      </a:solidFill>
+                      <a:prstDash val="solid"/>
+                      <a:round/>
+                      <a:headEnd type="none" w="sm" len="sm"/>
+                      <a:tailEnd type="none" w="sm" len="sm"/>
+                    </a:lnR>
+                    <a:lnT w="12700" cap="flat" cmpd="sng">
+                      <a:solidFill>
+                        <a:schemeClr val="dk1"/>
+                      </a:solidFill>
+                      <a:prstDash val="solid"/>
+                      <a:round/>
+                      <a:headEnd type="none" w="sm" len="sm"/>
+                      <a:tailEnd type="none" w="sm" len="sm"/>
+                    </a:lnT>
+                    <a:lnB w="12700" cap="flat" cmpd="sng">
+                      <a:solidFill>
+                        <a:schemeClr val="dk1"/>
+                      </a:solidFill>
+                      <a:prstDash val="solid"/>
+                      <a:round/>
+                      <a:headEnd type="none" w="sm" len="sm"/>
+                      <a:tailEnd type="none" w="sm" len="sm"/>
+                    </a:lnB>
+                    <a:solidFill>
+                      <a:schemeClr val="lt1"/>
+                    </a:solidFill>
+                  </a:tcPr>
+                </a:tc>
+                <a:tc>
+                  <a:txBody>
+                    <a:bodyPr/>
+                    <a:lstStyle/>
+                    <a:p>
+                      <a:pPr marL="133350" marR="0" lvl="0" indent="0" algn="l" rtl="0">
+                        <a:lnSpc>
+                          <a:spcPct val="100000"/>
+                        </a:lnSpc>
+                        <a:spcBef>
+                          <a:spcPts val="0"/>
+                        </a:spcBef>
+                        <a:spcAft>
+                          <a:spcPts val="0"/>
+                        </a:spcAft>
+                        <a:buClr>
+                          <a:srgbClr val="000000"/>
+                        </a:buClr>
+                        <a:buSzPts val="1500"/>
+                        <a:buFont typeface="Arial"/>
+                        <a:buNone/>
+                      </a:pPr>
+                      <a:r>
+                        <a:rPr lang="ko-KR" altLang="en-US" sz="1300" b="0" u="none" strike="noStrike" cap="none" dirty="0" smtClean="0"/>
+                        <a:t>프로젝트를 만들기 위한 기본 정보를 수집</a:t>
+                      </a:r>
+                      <a:endParaRPr lang="en-US" altLang="ko-KR" sz="1300" b="0" u="none" strike="noStrike" cap="none" dirty="0" smtClean="0"/>
+                    </a:p>
+                    <a:p>
+                      <a:pPr marL="133350" marR="0" lvl="0" indent="0" algn="l" rtl="0">
+                        <a:lnSpc>
+                          <a:spcPct val="100000"/>
+                        </a:lnSpc>
+                        <a:spcBef>
+                          <a:spcPts val="0"/>
+                        </a:spcBef>
+                        <a:spcAft>
+                          <a:spcPts val="0"/>
+                        </a:spcAft>
+                        <a:buClr>
+                          <a:srgbClr val="000000"/>
+                        </a:buClr>
+                        <a:buSzPts val="1500"/>
+                        <a:buFont typeface="Arial"/>
+                        <a:buNone/>
+                      </a:pPr>
+                      <a:r>
+                        <a:rPr lang="en-US" sz="1300" b="0" u="none" strike="noStrike" cap="none" dirty="0" smtClean="0"/>
+                        <a:t>(</a:t>
+                      </a:r>
+                      <a:r>
+                        <a:rPr lang="ko-KR" altLang="en-US" sz="1300" b="0" u="none" strike="noStrike" cap="none" dirty="0" smtClean="0"/>
+                        <a:t>프로젝트 제목</a:t>
+                      </a:r>
+                      <a:r>
+                        <a:rPr lang="en-US" altLang="ko-KR" sz="1300" b="0" u="none" strike="noStrike" cap="none" dirty="0" smtClean="0"/>
+                        <a:t>,</a:t>
+                      </a:r>
+                    </a:p>
+                    <a:p>
+                      <a:pPr marL="133350" marR="0" lvl="0" indent="0" algn="l" rtl="0">
+                        <a:lnSpc>
+                          <a:spcPct val="100000"/>
+                        </a:lnSpc>
+                        <a:spcBef>
+                          <a:spcPts val="0"/>
+                        </a:spcBef>
+                        <a:spcAft>
+                          <a:spcPts val="0"/>
+                        </a:spcAft>
+                        <a:buClr>
+                          <a:srgbClr val="000000"/>
+                        </a:buClr>
+                        <a:buSzPts val="1500"/>
+                        <a:buFont typeface="Arial"/>
+                        <a:buNone/>
+                      </a:pPr>
+                      <a:r>
+                        <a:rPr lang="ko-KR" altLang="en-US" sz="1300" b="0" u="none" strike="noStrike" cap="none" dirty="0" smtClean="0"/>
+                        <a:t>목표 금액</a:t>
+                      </a:r>
+                      <a:r>
+                        <a:rPr lang="en-US" altLang="ko-KR" sz="1300" b="0" u="none" strike="noStrike" cap="none" dirty="0" smtClean="0"/>
+                        <a:t>,</a:t>
+                      </a:r>
+                    </a:p>
+                    <a:p>
+                      <a:pPr marL="133350" marR="0" lvl="0" indent="0" algn="l" rtl="0">
+                        <a:lnSpc>
+                          <a:spcPct val="100000"/>
+                        </a:lnSpc>
+                        <a:spcBef>
+                          <a:spcPts val="0"/>
+                        </a:spcBef>
+                        <a:spcAft>
+                          <a:spcPts val="0"/>
+                        </a:spcAft>
+                        <a:buClr>
+                          <a:srgbClr val="000000"/>
+                        </a:buClr>
+                        <a:buSzPts val="1500"/>
+                        <a:buFont typeface="Arial"/>
+                        <a:buNone/>
+                      </a:pPr>
+                      <a:r>
+                        <a:rPr lang="ko-KR" altLang="en-US" sz="1300" b="0" u="none" strike="noStrike" cap="none" dirty="0" smtClean="0"/>
+                        <a:t>프로젝트 진행 기간</a:t>
+                      </a:r>
+                      <a:r>
+                        <a:rPr lang="en-US" altLang="ko-KR" sz="1300" b="0" u="none" strike="noStrike" cap="none" dirty="0" smtClean="0"/>
+                        <a:t>,</a:t>
+                      </a:r>
+                    </a:p>
+                    <a:p>
+                      <a:pPr marL="133350" marR="0" lvl="0" indent="0" algn="l" rtl="0">
+                        <a:lnSpc>
+                          <a:spcPct val="100000"/>
+                        </a:lnSpc>
+                        <a:spcBef>
+                          <a:spcPts val="0"/>
+                        </a:spcBef>
+                        <a:spcAft>
+                          <a:spcPts val="0"/>
+                        </a:spcAft>
+                        <a:buClr>
+                          <a:srgbClr val="000000"/>
+                        </a:buClr>
+                        <a:buSzPts val="1500"/>
+                        <a:buFont typeface="Arial"/>
+                        <a:buNone/>
+                      </a:pPr>
+                      <a:r>
+                        <a:rPr lang="ko-KR" altLang="en-US" sz="1300" b="0" u="none" strike="noStrike" cap="none" dirty="0" smtClean="0"/>
+                        <a:t>프로젝트 대표 이미지</a:t>
+                      </a:r>
+                      <a:r>
+                        <a:rPr lang="en-US" altLang="ko-KR" sz="1300" b="0" u="none" strike="noStrike" cap="none" dirty="0" smtClean="0"/>
+                        <a:t>,</a:t>
+                      </a:r>
+                    </a:p>
+                    <a:p>
+                      <a:pPr marL="133350" marR="0" lvl="0" indent="0" algn="l" rtl="0">
+                        <a:lnSpc>
+                          <a:spcPct val="100000"/>
+                        </a:lnSpc>
+                        <a:spcBef>
+                          <a:spcPts val="0"/>
+                        </a:spcBef>
+                        <a:spcAft>
+                          <a:spcPts val="0"/>
+                        </a:spcAft>
+                        <a:buClr>
+                          <a:srgbClr val="000000"/>
+                        </a:buClr>
+                        <a:buSzPts val="1500"/>
+                        <a:buFont typeface="Arial"/>
+                        <a:buNone/>
+                      </a:pPr>
+                      <a:r>
+                        <a:rPr lang="ko-KR" altLang="en-US" sz="1300" b="0" u="none" strike="noStrike" cap="none" dirty="0" smtClean="0"/>
+                        <a:t>프로젝트 키워드</a:t>
+                      </a:r>
+                      <a:r>
+                        <a:rPr lang="en-US" altLang="ko-KR" sz="1300" b="0" u="none" strike="noStrike" cap="none" dirty="0" smtClean="0"/>
+                        <a:t>)</a:t>
+                      </a:r>
+                    </a:p>
+                  </a:txBody>
+                  <a:tcPr marL="91451" marR="91451" marT="45725" marB="45725">
+                    <a:lnL w="12700" cap="flat" cmpd="sng">
+                      <a:solidFill>
+                        <a:schemeClr val="dk1"/>
+                      </a:solidFill>
+                      <a:prstDash val="solid"/>
+                      <a:round/>
+                      <a:headEnd type="none" w="sm" len="sm"/>
+                      <a:tailEnd type="none" w="sm" len="sm"/>
+                    </a:lnL>
+                    <a:lnR w="12700" cap="flat" cmpd="sng">
+                      <a:solidFill>
+                        <a:schemeClr val="dk1"/>
+                      </a:solidFill>
+                      <a:prstDash val="solid"/>
+                      <a:round/>
+                      <a:headEnd type="none" w="sm" len="sm"/>
+                      <a:tailEnd type="none" w="sm" len="sm"/>
+                    </a:lnR>
+                    <a:lnT w="12700" cap="flat" cmpd="sng">
+                      <a:solidFill>
+                        <a:schemeClr val="dk1"/>
+                      </a:solidFill>
+                      <a:prstDash val="solid"/>
+                      <a:round/>
+                      <a:headEnd type="none" w="sm" len="sm"/>
+                      <a:tailEnd type="none" w="sm" len="sm"/>
+                    </a:lnT>
+                    <a:lnB w="12700" cap="flat" cmpd="sng">
+                      <a:solidFill>
+                        <a:schemeClr val="dk1"/>
+                      </a:solidFill>
+                      <a:prstDash val="solid"/>
+                      <a:round/>
+                      <a:headEnd type="none" w="sm" len="sm"/>
+                      <a:tailEnd type="none" w="sm" len="sm"/>
+                    </a:lnB>
+                    <a:solidFill>
+                      <a:schemeClr val="lt1"/>
+                    </a:solidFill>
+                  </a:tcPr>
+                </a:tc>
+              </a:tr>
+            </a:tbl>
+          </a:graphicData>
+        </a:graphic>
+      </p:graphicFrame>
+      <p:cxnSp>
+        <p:nvCxnSpPr>
+          <p:cNvPr id="5" name="직선 연결선 4"/>
+          <p:cNvCxnSpPr/>
+          <p:nvPr/>
+        </p:nvCxnSpPr>
+        <p:spPr>
+          <a:xfrm>
+            <a:off x="2994117" y="1628800"/>
+            <a:ext cx="0" cy="4824536"/>
+          </a:xfrm>
+          <a:prstGeom prst="line">
+            <a:avLst/>
+          </a:prstGeom>
+        </p:spPr>
+        <p:style>
+          <a:lnRef idx="1">
+            <a:schemeClr val="accent1"/>
+          </a:lnRef>
+          <a:fillRef idx="0">
+            <a:schemeClr val="accent1"/>
+          </a:fillRef>
+          <a:effectRef idx="0">
+            <a:schemeClr val="accent1"/>
+          </a:effectRef>
+          <a:fontRef idx="minor">
+            <a:schemeClr val="tx1"/>
+          </a:fontRef>
+        </p:style>
+      </p:cxnSp>
+      <p:sp>
+        <p:nvSpPr>
+          <p:cNvPr id="2" name="TextBox 1"/>
+          <p:cNvSpPr txBox="1"/>
+          <p:nvPr/>
+        </p:nvSpPr>
+        <p:spPr>
+          <a:xfrm>
+            <a:off x="1018477" y="1766410"/>
+            <a:ext cx="1329378" cy="246221"/>
+          </a:xfrm>
+          <a:prstGeom prst="rect">
+            <a:avLst/>
+          </a:prstGeom>
+          <a:noFill/>
+        </p:spPr>
+        <p:txBody>
+          <a:bodyPr wrap="square" rtlCol="0">
+            <a:spAutoFit/>
+          </a:bodyPr>
+          <a:lstStyle/>
+          <a:p>
+            <a:r>
+              <a:rPr lang="ko-KR" altLang="en-US" sz="1000" dirty="0" err="1" smtClean="0"/>
+              <a:t>프로젝트만들기</a:t>
+            </a:r>
+            <a:endParaRPr lang="ko-KR" altLang="en-US" sz="1000" dirty="0"/>
+          </a:p>
+        </p:txBody>
+      </p:sp>
+      <p:sp>
+        <p:nvSpPr>
+          <p:cNvPr id="3" name="TextBox 2"/>
+          <p:cNvSpPr txBox="1"/>
+          <p:nvPr/>
+        </p:nvSpPr>
+        <p:spPr>
+          <a:xfrm>
+            <a:off x="1310238" y="2130189"/>
+            <a:ext cx="1152128" cy="261610"/>
+          </a:xfrm>
+          <a:prstGeom prst="rect">
+            <a:avLst/>
+          </a:prstGeom>
+          <a:noFill/>
+        </p:spPr>
+        <p:txBody>
+          <a:bodyPr wrap="square" rtlCol="0">
+            <a:spAutoFit/>
+          </a:bodyPr>
+          <a:lstStyle/>
+          <a:p>
+            <a:r>
+              <a:rPr lang="en-US" altLang="ko-KR" sz="1100" dirty="0" smtClean="0">
+                <a:solidFill>
+                  <a:srgbClr val="FF0000"/>
+                </a:solidFill>
+              </a:rPr>
+              <a:t>1. </a:t>
+            </a:r>
+            <a:r>
+              <a:rPr lang="ko-KR" altLang="en-US" sz="1100" dirty="0" smtClean="0">
+                <a:solidFill>
+                  <a:srgbClr val="FF0000"/>
+                </a:solidFill>
+              </a:rPr>
+              <a:t>기본정보</a:t>
+            </a:r>
+            <a:endParaRPr lang="ko-KR" altLang="en-US" sz="1100" dirty="0">
+              <a:solidFill>
+                <a:srgbClr val="FF0000"/>
+              </a:solidFill>
+            </a:endParaRPr>
+          </a:p>
+        </p:txBody>
+      </p:sp>
+      <p:sp>
+        <p:nvSpPr>
+          <p:cNvPr id="9" name="TextBox 8"/>
+          <p:cNvSpPr txBox="1"/>
+          <p:nvPr/>
+        </p:nvSpPr>
+        <p:spPr>
+          <a:xfrm>
+            <a:off x="1310238" y="2391799"/>
+            <a:ext cx="1152128" cy="261610"/>
+          </a:xfrm>
+          <a:prstGeom prst="rect">
+            <a:avLst/>
+          </a:prstGeom>
+          <a:noFill/>
+        </p:spPr>
+        <p:txBody>
+          <a:bodyPr wrap="square" rtlCol="0">
+            <a:spAutoFit/>
+          </a:bodyPr>
+          <a:lstStyle/>
+          <a:p>
+            <a:r>
+              <a:rPr lang="en-US" altLang="ko-KR" sz="1100" dirty="0" smtClean="0"/>
+              <a:t>2. </a:t>
+            </a:r>
+            <a:r>
+              <a:rPr lang="ko-KR" altLang="en-US" sz="1100" dirty="0" smtClean="0"/>
+              <a:t>스토리</a:t>
+            </a:r>
+            <a:endParaRPr lang="ko-KR" altLang="en-US" sz="1100" dirty="0"/>
+          </a:p>
+        </p:txBody>
+      </p:sp>
+      <p:sp>
+        <p:nvSpPr>
+          <p:cNvPr id="10" name="TextBox 9"/>
+          <p:cNvSpPr txBox="1"/>
+          <p:nvPr/>
+        </p:nvSpPr>
+        <p:spPr>
+          <a:xfrm>
+            <a:off x="1310238" y="2645242"/>
+            <a:ext cx="1152128" cy="261610"/>
+          </a:xfrm>
+          <a:prstGeom prst="rect">
+            <a:avLst/>
+          </a:prstGeom>
+          <a:noFill/>
+        </p:spPr>
+        <p:txBody>
+          <a:bodyPr wrap="square" rtlCol="0">
+            <a:spAutoFit/>
+          </a:bodyPr>
+          <a:lstStyle/>
+          <a:p>
+            <a:r>
+              <a:rPr lang="en-US" altLang="ko-KR" sz="1100" dirty="0" smtClean="0"/>
+              <a:t>3. </a:t>
+            </a:r>
+            <a:r>
+              <a:rPr lang="ko-KR" altLang="en-US" sz="1100" dirty="0" err="1" smtClean="0"/>
+              <a:t>리워</a:t>
+            </a:r>
+            <a:r>
+              <a:rPr lang="ko-KR" altLang="en-US" sz="1100" dirty="0" err="1"/>
+              <a:t>드</a:t>
+            </a:r>
+            <a:endParaRPr lang="ko-KR" altLang="en-US" sz="1100" dirty="0"/>
+          </a:p>
+        </p:txBody>
+      </p:sp>
+      <p:sp>
+        <p:nvSpPr>
+          <p:cNvPr id="11" name="TextBox 10"/>
+          <p:cNvSpPr txBox="1"/>
+          <p:nvPr/>
+        </p:nvSpPr>
+        <p:spPr>
+          <a:xfrm>
+            <a:off x="1307491" y="2924437"/>
+            <a:ext cx="1952502" cy="261610"/>
+          </a:xfrm>
+          <a:prstGeom prst="rect">
+            <a:avLst/>
+          </a:prstGeom>
+          <a:noFill/>
+        </p:spPr>
+        <p:txBody>
+          <a:bodyPr wrap="square" rtlCol="0">
+            <a:spAutoFit/>
+          </a:bodyPr>
+          <a:lstStyle/>
+          <a:p>
+            <a:r>
+              <a:rPr lang="en-US" altLang="ko-KR" sz="1100" dirty="0"/>
+              <a:t>4</a:t>
+            </a:r>
+            <a:r>
+              <a:rPr lang="en-US" altLang="ko-KR" sz="1100" dirty="0" smtClean="0"/>
+              <a:t>. </a:t>
+            </a:r>
+            <a:r>
+              <a:rPr lang="ko-KR" altLang="en-US" sz="1100" dirty="0" smtClean="0"/>
+              <a:t>제작자</a:t>
+            </a:r>
+            <a:r>
+              <a:rPr lang="en-US" altLang="ko-KR" sz="1100" dirty="0" smtClean="0"/>
+              <a:t>/</a:t>
+            </a:r>
+            <a:r>
+              <a:rPr lang="ko-KR" altLang="en-US" sz="1100" dirty="0" smtClean="0"/>
+              <a:t>부가정보</a:t>
+            </a:r>
+            <a:endParaRPr lang="ko-KR" altLang="en-US" sz="1100" dirty="0"/>
+          </a:p>
+        </p:txBody>
+      </p:sp>
+      <p:sp>
+        <p:nvSpPr>
+          <p:cNvPr id="4" name="직사각형 3"/>
+          <p:cNvSpPr/>
+          <p:nvPr/>
+        </p:nvSpPr>
+        <p:spPr>
+          <a:xfrm>
+            <a:off x="1018477" y="1766411"/>
+            <a:ext cx="1887015" cy="1419637"/>
+          </a:xfrm>
+          <a:prstGeom prst="rect">
+            <a:avLst/>
+          </a:prstGeom>
+          <a:noFill/>
+          <a:ln>
+            <a:solidFill>
+              <a:schemeClr val="tx1"/>
+            </a:solidFill>
+          </a:ln>
+        </p:spPr>
+        <p:style>
+          <a:lnRef idx="2">
+            <a:schemeClr val="accent1">
+              <a:shade val="50000"/>
+            </a:schemeClr>
+          </a:lnRef>
+          <a:fillRef idx="1">
+            <a:schemeClr val="accent1"/>
+          </a:fillRef>
+          <a:effectRef idx="0">
+            <a:schemeClr val="accent1"/>
+          </a:effectRef>
+          <a:fontRef idx="minor">
+            <a:schemeClr val="lt1"/>
+          </a:fontRef>
+        </p:style>
+        <p:txBody>
+          <a:bodyPr rtlCol="0" anchor="ctr"/>
+          <a:lstStyle/>
+          <a:p>
+            <a:pPr algn="ctr"/>
+            <a:endParaRPr lang="ko-KR" altLang="en-US"/>
+          </a:p>
+        </p:txBody>
+      </p:sp>
+      <p:sp>
+        <p:nvSpPr>
+          <p:cNvPr id="6" name="직사각형 5"/>
+          <p:cNvSpPr/>
+          <p:nvPr/>
+        </p:nvSpPr>
+        <p:spPr>
+          <a:xfrm>
+            <a:off x="876293" y="1520570"/>
+            <a:ext cx="289014" cy="216024"/>
+          </a:xfrm>
+          <a:prstGeom prst="rect">
+            <a:avLst/>
+          </a:prstGeom>
+          <a:solidFill>
+            <a:srgbClr val="FF0000"/>
+          </a:solidFill>
+          <a:ln>
+            <a:solidFill>
+              <a:schemeClr val="tx1"/>
+            </a:solidFill>
+          </a:ln>
+        </p:spPr>
+        <p:style>
+          <a:lnRef idx="2">
+            <a:schemeClr val="accent1">
+              <a:shade val="50000"/>
+            </a:schemeClr>
+          </a:lnRef>
+          <a:fillRef idx="1">
+            <a:schemeClr val="accent1"/>
+          </a:fillRef>
+          <a:effectRef idx="0">
+            <a:schemeClr val="accent1"/>
+          </a:effectRef>
+          <a:fontRef idx="minor">
+            <a:schemeClr val="lt1"/>
+          </a:fontRef>
+        </p:style>
+        <p:txBody>
+          <a:bodyPr rtlCol="0" anchor="ctr"/>
+          <a:lstStyle/>
+          <a:p>
+            <a:pPr algn="ctr"/>
+            <a:r>
+              <a:rPr lang="en-US" altLang="ko-KR" sz="1200" dirty="0" smtClean="0">
+                <a:solidFill>
+                  <a:schemeClr val="tx1"/>
+                </a:solidFill>
+              </a:rPr>
+              <a:t>1</a:t>
+            </a:r>
+            <a:endParaRPr lang="ko-KR" altLang="en-US" sz="1200" dirty="0">
+              <a:solidFill>
+                <a:schemeClr val="tx1"/>
+              </a:solidFill>
+            </a:endParaRPr>
+          </a:p>
+        </p:txBody>
+      </p:sp>
+      <p:sp>
+        <p:nvSpPr>
+          <p:cNvPr id="7" name="TextBox 6"/>
+          <p:cNvSpPr txBox="1"/>
+          <p:nvPr/>
+        </p:nvSpPr>
+        <p:spPr>
+          <a:xfrm>
+            <a:off x="3614493" y="1704854"/>
+            <a:ext cx="4165386" cy="276999"/>
+          </a:xfrm>
+          <a:prstGeom prst="rect">
+            <a:avLst/>
+          </a:prstGeom>
+          <a:noFill/>
+        </p:spPr>
+        <p:txBody>
+          <a:bodyPr wrap="square" rtlCol="0">
+            <a:spAutoFit/>
+          </a:bodyPr>
+          <a:lstStyle/>
+          <a:p>
+            <a:r>
+              <a:rPr lang="ko-KR" altLang="en-US" sz="1200" dirty="0" smtClean="0"/>
+              <a:t>프로젝트의 제목을 적어주세요</a:t>
+            </a:r>
+            <a:endParaRPr lang="ko-KR" altLang="en-US" sz="1200" dirty="0"/>
+          </a:p>
+        </p:txBody>
+      </p:sp>
+      <p:sp>
+        <p:nvSpPr>
+          <p:cNvPr id="8" name="직사각형 7"/>
+          <p:cNvSpPr/>
+          <p:nvPr/>
+        </p:nvSpPr>
+        <p:spPr>
+          <a:xfrm>
+            <a:off x="3703119" y="1981853"/>
+            <a:ext cx="3545009" cy="317612"/>
+          </a:xfrm>
+          <a:prstGeom prst="rect">
+            <a:avLst/>
+          </a:prstGeom>
+          <a:noFill/>
+          <a:ln>
+            <a:solidFill>
+              <a:schemeClr val="tx1"/>
+            </a:solidFill>
+          </a:ln>
+        </p:spPr>
+        <p:style>
+          <a:lnRef idx="2">
+            <a:schemeClr val="accent1">
+              <a:shade val="50000"/>
+            </a:schemeClr>
+          </a:lnRef>
+          <a:fillRef idx="1">
+            <a:schemeClr val="accent1"/>
+          </a:fillRef>
+          <a:effectRef idx="0">
+            <a:schemeClr val="accent1"/>
+          </a:effectRef>
+          <a:fontRef idx="minor">
+            <a:schemeClr val="lt1"/>
+          </a:fontRef>
+        </p:style>
+        <p:txBody>
+          <a:bodyPr rtlCol="0" anchor="ctr"/>
+          <a:lstStyle/>
+          <a:p>
+            <a:pPr algn="ctr"/>
+            <a:endParaRPr lang="ko-KR" altLang="en-US"/>
+          </a:p>
+        </p:txBody>
+      </p:sp>
+      <p:sp>
+        <p:nvSpPr>
+          <p:cNvPr id="16" name="TextBox 15"/>
+          <p:cNvSpPr txBox="1"/>
+          <p:nvPr/>
+        </p:nvSpPr>
+        <p:spPr>
+          <a:xfrm>
+            <a:off x="3639933" y="2391800"/>
+            <a:ext cx="4165386" cy="276999"/>
+          </a:xfrm>
+          <a:prstGeom prst="rect">
+            <a:avLst/>
+          </a:prstGeom>
+          <a:noFill/>
+        </p:spPr>
+        <p:txBody>
+          <a:bodyPr wrap="square" rtlCol="0">
+            <a:spAutoFit/>
+          </a:bodyPr>
+          <a:lstStyle/>
+          <a:p>
+            <a:r>
+              <a:rPr lang="ko-KR" altLang="en-US" sz="1200" dirty="0" smtClean="0"/>
+              <a:t>목표 금액을 적어주세요</a:t>
+            </a:r>
+            <a:endParaRPr lang="ko-KR" altLang="en-US" sz="1200" dirty="0"/>
+          </a:p>
+        </p:txBody>
+      </p:sp>
+      <p:sp>
+        <p:nvSpPr>
+          <p:cNvPr id="17" name="직사각형 16"/>
+          <p:cNvSpPr/>
+          <p:nvPr/>
+        </p:nvSpPr>
+        <p:spPr>
+          <a:xfrm>
+            <a:off x="3703119" y="2751348"/>
+            <a:ext cx="3545009" cy="317612"/>
+          </a:xfrm>
+          <a:prstGeom prst="rect">
+            <a:avLst/>
+          </a:prstGeom>
+          <a:noFill/>
+          <a:ln>
+            <a:solidFill>
+              <a:schemeClr val="tx1"/>
+            </a:solidFill>
+          </a:ln>
+        </p:spPr>
+        <p:style>
+          <a:lnRef idx="2">
+            <a:schemeClr val="accent1">
+              <a:shade val="50000"/>
+            </a:schemeClr>
+          </a:lnRef>
+          <a:fillRef idx="1">
+            <a:schemeClr val="accent1"/>
+          </a:fillRef>
+          <a:effectRef idx="0">
+            <a:schemeClr val="accent1"/>
+          </a:effectRef>
+          <a:fontRef idx="minor">
+            <a:schemeClr val="lt1"/>
+          </a:fontRef>
+        </p:style>
+        <p:txBody>
+          <a:bodyPr rtlCol="0" anchor="ctr"/>
+          <a:lstStyle/>
+          <a:p>
+            <a:pPr algn="ctr"/>
+            <a:endParaRPr lang="ko-KR" altLang="en-US"/>
+          </a:p>
+        </p:txBody>
+      </p:sp>
+      <p:sp>
+        <p:nvSpPr>
+          <p:cNvPr id="18" name="TextBox 17"/>
+          <p:cNvSpPr txBox="1"/>
+          <p:nvPr/>
+        </p:nvSpPr>
+        <p:spPr>
+          <a:xfrm>
+            <a:off x="3703119" y="3224010"/>
+            <a:ext cx="4165386" cy="276999"/>
+          </a:xfrm>
+          <a:prstGeom prst="rect">
+            <a:avLst/>
+          </a:prstGeom>
+          <a:noFill/>
+        </p:spPr>
+        <p:txBody>
+          <a:bodyPr wrap="square" rtlCol="0">
+            <a:spAutoFit/>
+          </a:bodyPr>
+          <a:lstStyle/>
+          <a:p>
+            <a:r>
+              <a:rPr lang="ko-KR" altLang="en-US" sz="1200" dirty="0" smtClean="0"/>
+              <a:t>프로젝트의 진행 기간을 적어주세요</a:t>
+            </a:r>
+            <a:endParaRPr lang="ko-KR" altLang="en-US" sz="1200" dirty="0"/>
+          </a:p>
+        </p:txBody>
+      </p:sp>
+      <p:sp>
+        <p:nvSpPr>
+          <p:cNvPr id="20" name="직사각형 19"/>
+          <p:cNvSpPr/>
+          <p:nvPr/>
+        </p:nvSpPr>
+        <p:spPr>
+          <a:xfrm>
+            <a:off x="3703119" y="3573016"/>
+            <a:ext cx="1240753" cy="317612"/>
+          </a:xfrm>
+          <a:prstGeom prst="rect">
+            <a:avLst/>
+          </a:prstGeom>
+          <a:noFill/>
+          <a:ln>
+            <a:solidFill>
+              <a:schemeClr val="tx1"/>
+            </a:solidFill>
+          </a:ln>
+        </p:spPr>
+        <p:style>
+          <a:lnRef idx="2">
+            <a:schemeClr val="accent1">
+              <a:shade val="50000"/>
+            </a:schemeClr>
+          </a:lnRef>
+          <a:fillRef idx="1">
+            <a:schemeClr val="accent1"/>
+          </a:fillRef>
+          <a:effectRef idx="0">
+            <a:schemeClr val="accent1"/>
+          </a:effectRef>
+          <a:fontRef idx="minor">
+            <a:schemeClr val="lt1"/>
+          </a:fontRef>
+        </p:style>
+        <p:txBody>
+          <a:bodyPr rtlCol="0" anchor="ctr"/>
+          <a:lstStyle/>
+          <a:p>
+            <a:pPr algn="ctr"/>
+            <a:endParaRPr lang="ko-KR" altLang="en-US"/>
+          </a:p>
+        </p:txBody>
+      </p:sp>
+      <p:sp>
+        <p:nvSpPr>
+          <p:cNvPr id="21" name="TextBox 20"/>
+          <p:cNvSpPr txBox="1"/>
+          <p:nvPr/>
+        </p:nvSpPr>
+        <p:spPr>
+          <a:xfrm>
+            <a:off x="5037656" y="3593322"/>
+            <a:ext cx="875934" cy="276999"/>
+          </a:xfrm>
+          <a:prstGeom prst="rect">
+            <a:avLst/>
+          </a:prstGeom>
+          <a:noFill/>
+        </p:spPr>
+        <p:txBody>
+          <a:bodyPr wrap="square" rtlCol="0">
+            <a:spAutoFit/>
+          </a:bodyPr>
+          <a:lstStyle/>
+          <a:p>
+            <a:r>
+              <a:rPr lang="ko-KR" altLang="en-US" sz="1200" dirty="0" smtClean="0"/>
+              <a:t>일 남음</a:t>
+            </a:r>
+            <a:endParaRPr lang="ko-KR" altLang="en-US" sz="1200" dirty="0"/>
+          </a:p>
+        </p:txBody>
+      </p:sp>
+      <p:pic>
+        <p:nvPicPr>
+          <p:cNvPr id="1026" name="Picture 2" descr="C:\Users\ezen-033\Desktop\캡처.PNG"/>
+          <p:cNvPicPr>
+            <a:picLocks noChangeAspect="1" noChangeArrowheads="1"/>
+          </p:cNvPicPr>
+          <p:nvPr/>
+        </p:nvPicPr>
+        <p:blipFill>
+          <a:blip r:embed="rId3">
+            <a:extLst>
+              <a:ext uri="{28A0092B-C50C-407E-A947-70E740481C1C}">
+                <a14:useLocalDpi xmlns:a14="http://schemas.microsoft.com/office/drawing/2010/main" val="0"/>
+              </a:ext>
+            </a:extLst>
+          </a:blip>
+          <a:srcRect/>
+          <a:stretch>
+            <a:fillRect/>
+          </a:stretch>
+        </p:blipFill>
+        <p:spPr bwMode="auto">
+          <a:xfrm>
+            <a:off x="5919465" y="3571165"/>
+            <a:ext cx="1770185" cy="361950"/>
+          </a:xfrm>
+          <a:prstGeom prst="rect">
+            <a:avLst/>
+          </a:prstGeom>
+          <a:noFill/>
+          <a:extLst>
+            <a:ext uri="{909E8E84-426E-40DD-AFC4-6F175D3DCCD1}">
+              <a14:hiddenFill xmlns:a14="http://schemas.microsoft.com/office/drawing/2010/main">
+                <a:solidFill>
+                  <a:srgbClr val="FFFFFF"/>
+                </a:solidFill>
+              </a14:hiddenFill>
+            </a:ext>
+          </a:extLst>
+        </p:spPr>
+      </p:pic>
+      <p:sp>
+        <p:nvSpPr>
+          <p:cNvPr id="23" name="TextBox 22"/>
+          <p:cNvSpPr txBox="1"/>
+          <p:nvPr/>
+        </p:nvSpPr>
+        <p:spPr>
+          <a:xfrm>
+            <a:off x="3703119" y="4041069"/>
+            <a:ext cx="4165386" cy="276999"/>
+          </a:xfrm>
+          <a:prstGeom prst="rect">
+            <a:avLst/>
+          </a:prstGeom>
+          <a:noFill/>
+        </p:spPr>
+        <p:txBody>
+          <a:bodyPr wrap="square" rtlCol="0">
+            <a:spAutoFit/>
+          </a:bodyPr>
+          <a:lstStyle/>
+          <a:p>
+            <a:r>
+              <a:rPr lang="ko-KR" altLang="en-US" sz="1200" dirty="0" smtClean="0"/>
+              <a:t>프로젝트 대표 이미지를 등록해주세요</a:t>
+            </a:r>
+            <a:r>
+              <a:rPr lang="en-US" altLang="ko-KR" sz="1200" dirty="0" smtClean="0"/>
+              <a:t>.</a:t>
+            </a:r>
+            <a:endParaRPr lang="ko-KR" altLang="en-US" sz="1200" dirty="0"/>
+          </a:p>
+        </p:txBody>
+      </p:sp>
+      <p:sp>
+        <p:nvSpPr>
+          <p:cNvPr id="24" name="직사각형 23"/>
+          <p:cNvSpPr/>
+          <p:nvPr/>
+        </p:nvSpPr>
+        <p:spPr>
+          <a:xfrm>
+            <a:off x="3703119" y="4365104"/>
+            <a:ext cx="3279134" cy="792088"/>
+          </a:xfrm>
+          <a:prstGeom prst="rect">
+            <a:avLst/>
+          </a:prstGeom>
+          <a:noFill/>
+          <a:ln>
+            <a:solidFill>
+              <a:schemeClr val="tx1"/>
+            </a:solidFill>
+          </a:ln>
+        </p:spPr>
+        <p:style>
+          <a:lnRef idx="2">
+            <a:schemeClr val="accent1">
+              <a:shade val="50000"/>
+            </a:schemeClr>
+          </a:lnRef>
+          <a:fillRef idx="1">
+            <a:schemeClr val="accent1"/>
+          </a:fillRef>
+          <a:effectRef idx="0">
+            <a:schemeClr val="accent1"/>
+          </a:effectRef>
+          <a:fontRef idx="minor">
+            <a:schemeClr val="lt1"/>
+          </a:fontRef>
+        </p:style>
+        <p:txBody>
+          <a:bodyPr rtlCol="0" anchor="ctr"/>
+          <a:lstStyle/>
+          <a:p>
+            <a:pPr algn="ctr"/>
+            <a:endParaRPr lang="ko-KR" altLang="en-US"/>
+          </a:p>
+        </p:txBody>
+      </p:sp>
+      <p:sp>
+        <p:nvSpPr>
+          <p:cNvPr id="25" name="TextBox 24"/>
+          <p:cNvSpPr txBox="1"/>
+          <p:nvPr/>
+        </p:nvSpPr>
+        <p:spPr>
+          <a:xfrm>
+            <a:off x="3703119" y="5301209"/>
+            <a:ext cx="4165386" cy="276999"/>
+          </a:xfrm>
+          <a:prstGeom prst="rect">
+            <a:avLst/>
+          </a:prstGeom>
+          <a:noFill/>
+        </p:spPr>
+        <p:txBody>
+          <a:bodyPr wrap="square" rtlCol="0">
+            <a:spAutoFit/>
+          </a:bodyPr>
+          <a:lstStyle/>
+          <a:p>
+            <a:r>
+              <a:rPr lang="ko-KR" altLang="en-US" sz="1200" dirty="0" smtClean="0"/>
+              <a:t>프로젝트 키워드를 적어주세요</a:t>
+            </a:r>
+            <a:endParaRPr lang="ko-KR" altLang="en-US" sz="1200" dirty="0"/>
+          </a:p>
+        </p:txBody>
+      </p:sp>
+      <p:sp>
+        <p:nvSpPr>
+          <p:cNvPr id="26" name="직사각형 25"/>
+          <p:cNvSpPr/>
+          <p:nvPr/>
+        </p:nvSpPr>
+        <p:spPr>
+          <a:xfrm>
+            <a:off x="3703119" y="5661248"/>
+            <a:ext cx="3545009" cy="288032"/>
+          </a:xfrm>
+          <a:prstGeom prst="rect">
+            <a:avLst/>
+          </a:prstGeom>
+          <a:noFill/>
+          <a:ln>
+            <a:solidFill>
+              <a:schemeClr val="tx1"/>
+            </a:solidFill>
+          </a:ln>
+        </p:spPr>
+        <p:style>
+          <a:lnRef idx="2">
+            <a:schemeClr val="accent1">
+              <a:shade val="50000"/>
+            </a:schemeClr>
+          </a:lnRef>
+          <a:fillRef idx="1">
+            <a:schemeClr val="accent1"/>
+          </a:fillRef>
+          <a:effectRef idx="0">
+            <a:schemeClr val="accent1"/>
+          </a:effectRef>
+          <a:fontRef idx="minor">
+            <a:schemeClr val="lt1"/>
+          </a:fontRef>
+        </p:style>
+        <p:txBody>
+          <a:bodyPr rtlCol="0" anchor="ctr"/>
+          <a:lstStyle/>
+          <a:p>
+            <a:pPr algn="ctr"/>
+            <a:r>
+              <a:rPr lang="ko-KR" altLang="en-US" sz="1100" dirty="0" smtClean="0">
+                <a:solidFill>
+                  <a:schemeClr val="tx1"/>
+                </a:solidFill>
+              </a:rPr>
+              <a:t>키워드 입력 후 </a:t>
+            </a:r>
+            <a:r>
+              <a:rPr lang="ko-KR" altLang="en-US" sz="1100" dirty="0" err="1" smtClean="0">
+                <a:solidFill>
+                  <a:schemeClr val="tx1"/>
+                </a:solidFill>
+              </a:rPr>
+              <a:t>엔터를</a:t>
+            </a:r>
+            <a:r>
+              <a:rPr lang="ko-KR" altLang="en-US" sz="1100" dirty="0" smtClean="0">
+                <a:solidFill>
+                  <a:schemeClr val="tx1"/>
+                </a:solidFill>
+              </a:rPr>
+              <a:t> 눌러주세요</a:t>
+            </a:r>
+            <a:endParaRPr lang="ko-KR" altLang="en-US" sz="1100" dirty="0">
+              <a:solidFill>
+                <a:schemeClr val="tx1"/>
+              </a:solidFill>
+            </a:endParaRPr>
+          </a:p>
+        </p:txBody>
+      </p:sp>
+      <p:sp>
+        <p:nvSpPr>
+          <p:cNvPr id="27" name="직사각형 26"/>
+          <p:cNvSpPr/>
+          <p:nvPr/>
+        </p:nvSpPr>
+        <p:spPr>
+          <a:xfrm>
+            <a:off x="4855247" y="6172726"/>
+            <a:ext cx="974878" cy="288032"/>
+          </a:xfrm>
+          <a:prstGeom prst="rect">
+            <a:avLst/>
+          </a:prstGeom>
+          <a:noFill/>
+          <a:ln>
+            <a:solidFill>
+              <a:schemeClr val="tx1"/>
+            </a:solidFill>
+          </a:ln>
+        </p:spPr>
+        <p:style>
+          <a:lnRef idx="2">
+            <a:schemeClr val="accent1">
+              <a:shade val="50000"/>
+            </a:schemeClr>
+          </a:lnRef>
+          <a:fillRef idx="1">
+            <a:schemeClr val="accent1"/>
+          </a:fillRef>
+          <a:effectRef idx="0">
+            <a:schemeClr val="accent1"/>
+          </a:effectRef>
+          <a:fontRef idx="minor">
+            <a:schemeClr val="lt1"/>
+          </a:fontRef>
+        </p:style>
+        <p:txBody>
+          <a:bodyPr rtlCol="0" anchor="ctr"/>
+          <a:lstStyle/>
+          <a:p>
+            <a:pPr algn="ctr"/>
+            <a:r>
+              <a:rPr lang="ko-KR" altLang="en-US" sz="1100" smtClean="0">
+                <a:solidFill>
+                  <a:schemeClr val="tx1"/>
+                </a:solidFill>
+              </a:rPr>
+              <a:t>다음단계</a:t>
+            </a:r>
+            <a:endParaRPr lang="ko-KR" altLang="en-US" sz="1100" dirty="0">
+              <a:solidFill>
+                <a:schemeClr val="tx1"/>
+              </a:solidFill>
+            </a:endParaRPr>
+          </a:p>
+        </p:txBody>
+      </p:sp>
+      <p:sp>
+        <p:nvSpPr>
+          <p:cNvPr id="28" name="직사각형 27"/>
+          <p:cNvSpPr/>
+          <p:nvPr/>
+        </p:nvSpPr>
+        <p:spPr>
+          <a:xfrm>
+            <a:off x="3495427" y="1520570"/>
+            <a:ext cx="289014" cy="216024"/>
+          </a:xfrm>
+          <a:prstGeom prst="rect">
+            <a:avLst/>
+          </a:prstGeom>
+          <a:solidFill>
+            <a:srgbClr val="FF0000"/>
+          </a:solidFill>
+          <a:ln>
+            <a:solidFill>
+              <a:schemeClr val="tx1"/>
+            </a:solidFill>
+          </a:ln>
+        </p:spPr>
+        <p:style>
+          <a:lnRef idx="2">
+            <a:schemeClr val="accent1">
+              <a:shade val="50000"/>
+            </a:schemeClr>
+          </a:lnRef>
+          <a:fillRef idx="1">
+            <a:schemeClr val="accent1"/>
+          </a:fillRef>
+          <a:effectRef idx="0">
+            <a:schemeClr val="accent1"/>
+          </a:effectRef>
+          <a:fontRef idx="minor">
+            <a:schemeClr val="lt1"/>
+          </a:fontRef>
+        </p:style>
+        <p:txBody>
+          <a:bodyPr rtlCol="0" anchor="ctr"/>
+          <a:lstStyle/>
+          <a:p>
+            <a:pPr algn="ctr"/>
+            <a:r>
+              <a:rPr lang="en-US" altLang="ko-KR" sz="1200" dirty="0">
+                <a:solidFill>
+                  <a:schemeClr val="tx1"/>
+                </a:solidFill>
+              </a:rPr>
+              <a:t>2</a:t>
+            </a:r>
+            <a:endParaRPr lang="ko-KR" altLang="en-US" sz="1200" dirty="0">
+              <a:solidFill>
+                <a:schemeClr val="tx1"/>
+              </a:solidFill>
+            </a:endParaRPr>
+          </a:p>
+        </p:txBody>
+      </p:sp>
+      <p:sp>
+        <p:nvSpPr>
+          <p:cNvPr id="12" name="직사각형 11"/>
+          <p:cNvSpPr/>
+          <p:nvPr/>
+        </p:nvSpPr>
+        <p:spPr>
+          <a:xfrm>
+            <a:off x="797627" y="1412776"/>
+            <a:ext cx="7514004" cy="5184576"/>
+          </a:xfrm>
+          <a:prstGeom prst="rect">
+            <a:avLst/>
+          </a:prstGeom>
+          <a:noFill/>
+          <a:ln>
+            <a:solidFill>
+              <a:schemeClr val="tx1"/>
+            </a:solidFill>
+          </a:ln>
+        </p:spPr>
+        <p:style>
+          <a:lnRef idx="2">
+            <a:schemeClr val="accent1">
+              <a:shade val="50000"/>
+            </a:schemeClr>
+          </a:lnRef>
+          <a:fillRef idx="1">
+            <a:schemeClr val="accent1"/>
+          </a:fillRef>
+          <a:effectRef idx="0">
+            <a:schemeClr val="accent1"/>
+          </a:effectRef>
+          <a:fontRef idx="minor">
+            <a:schemeClr val="lt1"/>
+          </a:fontRef>
+        </p:style>
+        <p:txBody>
+          <a:bodyPr rtlCol="0" anchor="ctr"/>
+          <a:lstStyle/>
+          <a:p>
+            <a:pPr algn="ctr"/>
+            <a:endParaRPr lang="ko-KR" altLang="en-US"/>
+          </a:p>
+        </p:txBody>
+      </p:sp>
+    </p:spTree>
+    <p:extLst>
+      <p:ext uri="{BB962C8B-B14F-4D97-AF65-F5344CB8AC3E}">
+        <p14:creationId xmlns:p14="http://schemas.microsoft.com/office/powerpoint/2010/main" val="1332403613"/>
+      </p:ext>
+    </p:extLst>
+  </p:cSld>
+  <p:clrMapOvr>
+    <a:masterClrMapping/>
+  </p:clrMapOvr>
+  <p:timing>
+    <p:tnLst>
+      <p:par>
+        <p:cTn id="1" dur="indefinite" restart="never" nodeType="tmRoot"/>
+      </p:par>
+    </p:tnLst>
+  </p:timing>
+</p:sld>
+</file>
+
+<file path=ppt/slides/slide20.xml><?xml version="1.0" encoding="utf-8"?>
 <p:sld xmlns:a="http://schemas.openxmlformats.org/drawingml/2006/main" xmlns:r="http://schemas.openxmlformats.org/officeDocument/2006/relationships" xmlns:p="http://schemas.openxmlformats.org/presentationml/2006/main">
   <p:cSld>
     <p:spTree>
@@ -10797,7 +15949,7 @@
 </p:sld>
 </file>
 
-<file path=ppt/slides/slide17.xml><?xml version="1.0" encoding="utf-8"?>
+<file path=ppt/slides/slide21.xml><?xml version="1.0" encoding="utf-8"?>
 <p:sld xmlns:a="http://schemas.openxmlformats.org/drawingml/2006/main" xmlns:r="http://schemas.openxmlformats.org/officeDocument/2006/relationships" xmlns:p="http://schemas.openxmlformats.org/presentationml/2006/main">
   <p:cSld>
     <p:spTree>
@@ -10816,7 +15968,7 @@
       </p:grpSpPr>
       <p:pic>
         <p:nvPicPr>
-          <p:cNvPr id="10242" name="Picture 2" descr="C:\Users\ezen-033\Desktop\카테고리관리1.PNG"/>
+          <p:cNvPr id="1026" name="Picture 2" descr="C:\Users\ezen-033\Desktop\카테고리관리수정1.PNG"/>
           <p:cNvPicPr>
             <a:picLocks noChangeAspect="1" noChangeArrowheads="1"/>
           </p:cNvPicPr>
@@ -10837,8 +15989,8 @@
         </p:blipFill>
         <p:spPr bwMode="auto">
           <a:xfrm>
-            <a:off x="234950" y="177800"/>
-            <a:ext cx="10899271" cy="6426200"/>
+            <a:off x="615950" y="177800"/>
+            <a:ext cx="10102850" cy="6577222"/>
           </a:xfrm>
           <a:prstGeom prst="rect">
             <a:avLst/>
@@ -10865,10 +16017,17 @@
   <p:clrMapOvr>
     <a:masterClrMapping/>
   </p:clrMapOvr>
+  <p:timing>
+    <p:tnLst>
+      <p:par>
+        <p:cTn id="1" dur="indefinite" restart="never" nodeType="tmRoot"/>
+      </p:par>
+    </p:tnLst>
+  </p:timing>
 </p:sld>
 </file>
 
-<file path=ppt/slides/slide18.xml><?xml version="1.0" encoding="utf-8"?>
+<file path=ppt/slides/slide22.xml><?xml version="1.0" encoding="utf-8"?>
 <p:sld xmlns:a="http://schemas.openxmlformats.org/drawingml/2006/main" xmlns:r="http://schemas.openxmlformats.org/officeDocument/2006/relationships" xmlns:p="http://schemas.openxmlformats.org/presentationml/2006/main">
   <p:cSld>
     <p:spTree>
@@ -10887,7 +16046,7 @@
       </p:grpSpPr>
       <p:pic>
         <p:nvPicPr>
-          <p:cNvPr id="11267" name="Picture 3" descr="C:\Users\ezen-033\Desktop\카테고리관리4.PNG"/>
+          <p:cNvPr id="2050" name="Picture 2" descr="C:\Users\ezen-033\Desktop\카테고리관리수정2.PNG"/>
           <p:cNvPicPr>
             <a:picLocks noChangeAspect="1" noChangeArrowheads="1"/>
           </p:cNvPicPr>
@@ -10908,8 +16067,8 @@
         </p:blipFill>
         <p:spPr bwMode="auto">
           <a:xfrm>
-            <a:off x="622300" y="436563"/>
-            <a:ext cx="8107363" cy="3190875"/>
+            <a:off x="622300" y="560389"/>
+            <a:ext cx="10448418" cy="3300412"/>
           </a:xfrm>
           <a:prstGeom prst="rect">
             <a:avLst/>
@@ -10980,7 +16139,7 @@
         </p:nvSpPr>
         <p:spPr>
           <a:xfrm>
-            <a:off x="4521200" y="897235"/>
+            <a:off x="5143500" y="897235"/>
             <a:ext cx="5486400" cy="923330"/>
           </a:xfrm>
           <a:prstGeom prst="rect">
@@ -11092,10 +16251,17 @@
   <p:clrMapOvr>
     <a:masterClrMapping/>
   </p:clrMapOvr>
+  <p:timing>
+    <p:tnLst>
+      <p:par>
+        <p:cTn id="1" dur="indefinite" restart="never" nodeType="tmRoot"/>
+      </p:par>
+    </p:tnLst>
+  </p:timing>
 </p:sld>
 </file>
 
-<file path=ppt/slides/slide19.xml><?xml version="1.0" encoding="utf-8"?>
+<file path=ppt/slides/slide23.xml><?xml version="1.0" encoding="utf-8"?>
 <p:sld xmlns:a="http://schemas.openxmlformats.org/drawingml/2006/main" xmlns:r="http://schemas.openxmlformats.org/officeDocument/2006/relationships" xmlns:p="http://schemas.openxmlformats.org/presentationml/2006/main">
   <p:cSld>
     <p:spTree>
@@ -11114,7 +16280,7 @@
       </p:grpSpPr>
       <p:pic>
         <p:nvPicPr>
-          <p:cNvPr id="12290" name="Picture 2" descr="C:\Users\ezen-033\Desktop\카테고리관리3.PNG"/>
+          <p:cNvPr id="3074" name="Picture 2" descr="C:\Users\ezen-033\Desktop\카테고리관리수정3.PNG"/>
           <p:cNvPicPr>
             <a:picLocks noChangeAspect="1" noChangeArrowheads="1"/>
           </p:cNvPicPr>
@@ -11135,8 +16301,8 @@
         </p:blipFill>
         <p:spPr bwMode="auto">
           <a:xfrm>
-            <a:off x="90487" y="111125"/>
-            <a:ext cx="10258426" cy="6556375"/>
+            <a:off x="330200" y="431800"/>
+            <a:ext cx="11312804" cy="6083300"/>
           </a:xfrm>
           <a:prstGeom prst="rect">
             <a:avLst/>
@@ -11161,8 +16327,8 @@
         </p:nvSpPr>
         <p:spPr>
           <a:xfrm>
-            <a:off x="330200" y="431800"/>
-            <a:ext cx="8686800" cy="1447800"/>
+            <a:off x="330200" y="1533526"/>
+            <a:ext cx="3454400" cy="723900"/>
           </a:xfrm>
           <a:prstGeom prst="rect">
             <a:avLst/>
@@ -11222,7 +16388,7 @@
         </p:blipFill>
         <p:spPr bwMode="auto">
           <a:xfrm>
-            <a:off x="6324600" y="2189163"/>
+            <a:off x="6096000" y="1436688"/>
             <a:ext cx="4876800" cy="752475"/>
           </a:xfrm>
           <a:prstGeom prst="rect">
@@ -11263,8 +16429,255 @@
         </p:blipFill>
         <p:spPr bwMode="auto">
           <a:xfrm>
-            <a:off x="2322513" y="3592513"/>
+            <a:off x="2563813" y="4635056"/>
             <a:ext cx="9285287" cy="2070544"/>
+          </a:xfrm>
+          <a:prstGeom prst="rect">
+            <a:avLst/>
+          </a:prstGeom>
+          <a:noFill/>
+          <a:extLst>
+            <a:ext uri="{909E8E84-426E-40DD-AFC4-6F175D3DCCD1}">
+              <a14:hiddenFill xmlns:a14="http://schemas.microsoft.com/office/drawing/2010/main">
+                <a:solidFill>
+                  <a:srgbClr val="FFFFFF"/>
+                </a:solidFill>
+              </a14:hiddenFill>
+            </a:ext>
+          </a:extLst>
+        </p:spPr>
+      </p:pic>
+      <p:sp>
+        <p:nvSpPr>
+          <p:cNvPr id="7" name="직사각형 6"/>
+          <p:cNvSpPr/>
+          <p:nvPr/>
+        </p:nvSpPr>
+        <p:spPr>
+          <a:xfrm>
+            <a:off x="228600" y="3222626"/>
+            <a:ext cx="11414404" cy="723900"/>
+          </a:xfrm>
+          <a:prstGeom prst="rect">
+            <a:avLst/>
+          </a:prstGeom>
+          <a:noFill/>
+          <a:ln w="28575">
+            <a:solidFill>
+              <a:srgbClr val="FF0000"/>
+            </a:solidFill>
+          </a:ln>
+        </p:spPr>
+        <p:style>
+          <a:lnRef idx="2">
+            <a:schemeClr val="accent1">
+              <a:shade val="50000"/>
+            </a:schemeClr>
+          </a:lnRef>
+          <a:fillRef idx="1">
+            <a:schemeClr val="accent1"/>
+          </a:fillRef>
+          <a:effectRef idx="0">
+            <a:schemeClr val="accent1"/>
+          </a:effectRef>
+          <a:fontRef idx="minor">
+            <a:schemeClr val="lt1"/>
+          </a:fontRef>
+        </p:style>
+        <p:txBody>
+          <a:bodyPr rtlCol="0" anchor="ctr"/>
+          <a:lstStyle/>
+          <a:p>
+            <a:pPr algn="ctr"/>
+            <a:endParaRPr lang="ko-KR" altLang="en-US"/>
+          </a:p>
+        </p:txBody>
+      </p:sp>
+    </p:spTree>
+    <p:extLst>
+      <p:ext uri="{BB962C8B-B14F-4D97-AF65-F5344CB8AC3E}">
+        <p14:creationId xmlns:p14="http://schemas.microsoft.com/office/powerpoint/2010/main" val="1021664036"/>
+      </p:ext>
+    </p:extLst>
+  </p:cSld>
+  <p:clrMapOvr>
+    <a:masterClrMapping/>
+  </p:clrMapOvr>
+  <p:timing>
+    <p:tnLst>
+      <p:par>
+        <p:cTn id="1" dur="indefinite" restart="never" nodeType="tmRoot"/>
+      </p:par>
+    </p:tnLst>
+  </p:timing>
+</p:sld>
+</file>
+
+<file path=ppt/slides/slide24.xml><?xml version="1.0" encoding="utf-8"?>
+<p:sld xmlns:a="http://schemas.openxmlformats.org/drawingml/2006/main" xmlns:r="http://schemas.openxmlformats.org/officeDocument/2006/relationships" xmlns:p="http://schemas.openxmlformats.org/presentationml/2006/main">
+  <p:cSld>
+    <p:spTree>
+      <p:nvGrpSpPr>
+        <p:cNvPr id="1" name=""/>
+        <p:cNvGrpSpPr/>
+        <p:nvPr/>
+      </p:nvGrpSpPr>
+      <p:grpSpPr>
+        <a:xfrm>
+          <a:off x="0" y="0"/>
+          <a:ext cx="0" cy="0"/>
+          <a:chOff x="0" y="0"/>
+          <a:chExt cx="0" cy="0"/>
+        </a:xfrm>
+      </p:grpSpPr>
+      <p:pic>
+        <p:nvPicPr>
+          <p:cNvPr id="3074" name="Picture 2" descr="C:\Users\ezen-033\Desktop\카테고리관리수정3.PNG"/>
+          <p:cNvPicPr>
+            <a:picLocks noChangeAspect="1" noChangeArrowheads="1"/>
+          </p:cNvPicPr>
+          <p:nvPr/>
+        </p:nvPicPr>
+        <p:blipFill>
+          <a:blip r:embed="rId2">
+            <a:extLst>
+              <a:ext uri="{28A0092B-C50C-407E-A947-70E740481C1C}">
+                <a14:useLocalDpi xmlns:a14="http://schemas.microsoft.com/office/drawing/2010/main" val="0"/>
+              </a:ext>
+            </a:extLst>
+          </a:blip>
+          <a:srcRect/>
+          <a:stretch>
+            <a:fillRect/>
+          </a:stretch>
+        </p:blipFill>
+        <p:spPr bwMode="auto">
+          <a:xfrm>
+            <a:off x="330200" y="431800"/>
+            <a:ext cx="11312804" cy="6083300"/>
+          </a:xfrm>
+          <a:prstGeom prst="rect">
+            <a:avLst/>
+          </a:prstGeom>
+          <a:noFill/>
+          <a:extLst>
+            <a:ext uri="{909E8E84-426E-40DD-AFC4-6F175D3DCCD1}">
+              <a14:hiddenFill xmlns:a14="http://schemas.microsoft.com/office/drawing/2010/main">
+                <a:solidFill>
+                  <a:srgbClr val="FFFFFF"/>
+                </a:solidFill>
+              </a14:hiddenFill>
+            </a:ext>
+          </a:extLst>
+        </p:spPr>
+      </p:pic>
+      <p:pic>
+        <p:nvPicPr>
+          <p:cNvPr id="9218" name="Picture 2" descr="C:\Users\ezen-033\Desktop\sql11.PNG"/>
+          <p:cNvPicPr>
+            <a:picLocks noChangeAspect="1" noChangeArrowheads="1"/>
+          </p:cNvPicPr>
+          <p:nvPr/>
+        </p:nvPicPr>
+        <p:blipFill>
+          <a:blip r:embed="rId3">
+            <a:extLst>
+              <a:ext uri="{28A0092B-C50C-407E-A947-70E740481C1C}">
+                <a14:useLocalDpi xmlns:a14="http://schemas.microsoft.com/office/drawing/2010/main" val="0"/>
+              </a:ext>
+            </a:extLst>
+          </a:blip>
+          <a:srcRect/>
+          <a:stretch>
+            <a:fillRect/>
+          </a:stretch>
+        </p:blipFill>
+        <p:spPr bwMode="auto">
+          <a:xfrm>
+            <a:off x="330200" y="245291"/>
+            <a:ext cx="11461750" cy="846183"/>
+          </a:xfrm>
+          <a:prstGeom prst="rect">
+            <a:avLst/>
+          </a:prstGeom>
+          <a:noFill/>
+          <a:extLst>
+            <a:ext uri="{909E8E84-426E-40DD-AFC4-6F175D3DCCD1}">
+              <a14:hiddenFill xmlns:a14="http://schemas.microsoft.com/office/drawing/2010/main">
+                <a:solidFill>
+                  <a:srgbClr val="FFFFFF"/>
+                </a:solidFill>
+              </a14:hiddenFill>
+            </a:ext>
+          </a:extLst>
+        </p:spPr>
+      </p:pic>
+      <p:pic>
+        <p:nvPicPr>
+          <p:cNvPr id="9219" name="Picture 3" descr="C:\Users\ezen-033\Desktop\sql12.PNG"/>
+          <p:cNvPicPr>
+            <a:picLocks noChangeAspect="1" noChangeArrowheads="1"/>
+          </p:cNvPicPr>
+          <p:nvPr/>
+        </p:nvPicPr>
+        <p:blipFill>
+          <a:blip r:embed="rId4">
+            <a:extLst>
+              <a:ext uri="{28A0092B-C50C-407E-A947-70E740481C1C}">
+                <a14:useLocalDpi xmlns:a14="http://schemas.microsoft.com/office/drawing/2010/main" val="0"/>
+              </a:ext>
+            </a:extLst>
+          </a:blip>
+          <a:srcRect/>
+          <a:stretch>
+            <a:fillRect/>
+          </a:stretch>
+        </p:blipFill>
+        <p:spPr bwMode="auto">
+          <a:xfrm>
+            <a:off x="5599112" y="2111375"/>
+            <a:ext cx="6192838" cy="628650"/>
+          </a:xfrm>
+          <a:prstGeom prst="rect">
+            <a:avLst/>
+          </a:prstGeom>
+          <a:noFill/>
+          <a:extLst>
+            <a:ext uri="{909E8E84-426E-40DD-AFC4-6F175D3DCCD1}">
+              <a14:hiddenFill xmlns:a14="http://schemas.microsoft.com/office/drawing/2010/main">
+                <a:solidFill>
+                  <a:srgbClr val="FFFFFF"/>
+                </a:solidFill>
+              </a14:hiddenFill>
+            </a:ext>
+          </a:extLst>
+        </p:spPr>
+      </p:pic>
+      <p:pic>
+        <p:nvPicPr>
+          <p:cNvPr id="9220" name="Picture 4" descr="C:\Users\ezen-033\Desktop\sql13.PNG"/>
+          <p:cNvPicPr>
+            <a:picLocks noChangeAspect="1" noChangeArrowheads="1"/>
+          </p:cNvPicPr>
+          <p:nvPr/>
+        </p:nvPicPr>
+        <p:blipFill>
+          <a:blip r:embed="rId5">
+            <a:extLst>
+              <a:ext uri="{28A0092B-C50C-407E-A947-70E740481C1C}">
+                <a14:useLocalDpi xmlns:a14="http://schemas.microsoft.com/office/drawing/2010/main" val="0"/>
+              </a:ext>
+            </a:extLst>
+          </a:blip>
+          <a:srcRect/>
+          <a:stretch>
+            <a:fillRect/>
+          </a:stretch>
+        </p:blipFill>
+        <p:spPr bwMode="auto">
+          <a:xfrm>
+            <a:off x="1958975" y="5068888"/>
+            <a:ext cx="8707438" cy="428625"/>
           </a:xfrm>
           <a:prstGeom prst="rect">
             <a:avLst/>
@@ -11284,7 +16697,371 @@
     </p:spTree>
     <p:extLst>
       <p:ext uri="{BB962C8B-B14F-4D97-AF65-F5344CB8AC3E}">
-        <p14:creationId xmlns:p14="http://schemas.microsoft.com/office/powerpoint/2010/main" val="1021664036"/>
+        <p14:creationId xmlns:p14="http://schemas.microsoft.com/office/powerpoint/2010/main" val="570066629"/>
+      </p:ext>
+    </p:extLst>
+  </p:cSld>
+  <p:clrMapOvr>
+    <a:masterClrMapping/>
+  </p:clrMapOvr>
+  <p:timing>
+    <p:tnLst>
+      <p:par>
+        <p:cTn id="1" dur="indefinite" restart="never" nodeType="tmRoot"/>
+      </p:par>
+    </p:tnLst>
+  </p:timing>
+</p:sld>
+</file>
+
+<file path=ppt/slides/slide3.xml><?xml version="1.0" encoding="utf-8"?>
+<p:sld xmlns:a="http://schemas.openxmlformats.org/drawingml/2006/main" xmlns:r="http://schemas.openxmlformats.org/officeDocument/2006/relationships" xmlns:p="http://schemas.openxmlformats.org/presentationml/2006/main">
+  <p:cSld>
+    <p:spTree>
+      <p:nvGrpSpPr>
+        <p:cNvPr id="1" name=""/>
+        <p:cNvGrpSpPr/>
+        <p:nvPr/>
+      </p:nvGrpSpPr>
+      <p:grpSpPr>
+        <a:xfrm>
+          <a:off x="0" y="0"/>
+          <a:ext cx="0" cy="0"/>
+          <a:chOff x="0" y="0"/>
+          <a:chExt cx="0" cy="0"/>
+        </a:xfrm>
+      </p:grpSpPr>
+      <p:pic>
+        <p:nvPicPr>
+          <p:cNvPr id="4098" name="Picture 2" descr="C:\Users\ezen-033\Desktop\화면1.PNG"/>
+          <p:cNvPicPr>
+            <a:picLocks noChangeAspect="1" noChangeArrowheads="1"/>
+          </p:cNvPicPr>
+          <p:nvPr/>
+        </p:nvPicPr>
+        <p:blipFill>
+          <a:blip r:embed="rId2">
+            <a:extLst>
+              <a:ext uri="{28A0092B-C50C-407E-A947-70E740481C1C}">
+                <a14:useLocalDpi xmlns:a14="http://schemas.microsoft.com/office/drawing/2010/main" val="0"/>
+              </a:ext>
+            </a:extLst>
+          </a:blip>
+          <a:srcRect/>
+          <a:stretch>
+            <a:fillRect/>
+          </a:stretch>
+        </p:blipFill>
+        <p:spPr bwMode="auto">
+          <a:xfrm>
+            <a:off x="493712" y="235510"/>
+            <a:ext cx="10644188" cy="4984190"/>
+          </a:xfrm>
+          <a:prstGeom prst="rect">
+            <a:avLst/>
+          </a:prstGeom>
+          <a:noFill/>
+          <a:extLst>
+            <a:ext uri="{909E8E84-426E-40DD-AFC4-6F175D3DCCD1}">
+              <a14:hiddenFill xmlns:a14="http://schemas.microsoft.com/office/drawing/2010/main">
+                <a:solidFill>
+                  <a:srgbClr val="FFFFFF"/>
+                </a:solidFill>
+              </a14:hiddenFill>
+            </a:ext>
+          </a:extLst>
+        </p:spPr>
+      </p:pic>
+      <p:grpSp>
+        <p:nvGrpSpPr>
+          <p:cNvPr id="5" name="그룹 4"/>
+          <p:cNvGrpSpPr/>
+          <p:nvPr/>
+        </p:nvGrpSpPr>
+        <p:grpSpPr>
+          <a:xfrm>
+            <a:off x="188912" y="5219700"/>
+            <a:ext cx="11317288" cy="1447800"/>
+            <a:chOff x="188912" y="5219700"/>
+            <a:chExt cx="11317288" cy="1447800"/>
+          </a:xfrm>
+        </p:grpSpPr>
+        <p:pic>
+          <p:nvPicPr>
+            <p:cNvPr id="4099" name="Picture 3" descr="C:\Users\ezen-033\Desktop\sql6.PNG"/>
+            <p:cNvPicPr>
+              <a:picLocks noChangeAspect="1" noChangeArrowheads="1"/>
+            </p:cNvPicPr>
+            <p:nvPr/>
+          </p:nvPicPr>
+          <p:blipFill>
+            <a:blip r:embed="rId3">
+              <a:extLst>
+                <a:ext uri="{28A0092B-C50C-407E-A947-70E740481C1C}">
+                  <a14:useLocalDpi xmlns:a14="http://schemas.microsoft.com/office/drawing/2010/main" val="0"/>
+                </a:ext>
+              </a:extLst>
+            </a:blip>
+            <a:srcRect/>
+            <a:stretch>
+              <a:fillRect/>
+            </a:stretch>
+          </p:blipFill>
+          <p:spPr bwMode="auto">
+            <a:xfrm>
+              <a:off x="188912" y="5219700"/>
+              <a:ext cx="11317288" cy="1447800"/>
+            </a:xfrm>
+            <a:prstGeom prst="rect">
+              <a:avLst/>
+            </a:prstGeom>
+            <a:noFill/>
+            <a:extLst>
+              <a:ext uri="{909E8E84-426E-40DD-AFC4-6F175D3DCCD1}">
+                <a14:hiddenFill xmlns:a14="http://schemas.microsoft.com/office/drawing/2010/main">
+                  <a:solidFill>
+                    <a:srgbClr val="FFFFFF"/>
+                  </a:solidFill>
+                </a14:hiddenFill>
+              </a:ext>
+            </a:extLst>
+          </p:spPr>
+        </p:pic>
+        <p:sp>
+          <p:nvSpPr>
+            <p:cNvPr id="4" name="직사각형 3"/>
+            <p:cNvSpPr/>
+            <p:nvPr/>
+          </p:nvSpPr>
+          <p:spPr>
+            <a:xfrm>
+              <a:off x="317500" y="5448300"/>
+              <a:ext cx="838200" cy="292100"/>
+            </a:xfrm>
+            <a:prstGeom prst="rect">
+              <a:avLst/>
+            </a:prstGeom>
+            <a:noFill/>
+            <a:ln w="28575">
+              <a:solidFill>
+                <a:srgbClr val="FF0000"/>
+              </a:solidFill>
+            </a:ln>
+          </p:spPr>
+          <p:style>
+            <a:lnRef idx="2">
+              <a:schemeClr val="accent1">
+                <a:shade val="50000"/>
+              </a:schemeClr>
+            </a:lnRef>
+            <a:fillRef idx="1">
+              <a:schemeClr val="accent1"/>
+            </a:fillRef>
+            <a:effectRef idx="0">
+              <a:schemeClr val="accent1"/>
+            </a:effectRef>
+            <a:fontRef idx="minor">
+              <a:schemeClr val="lt1"/>
+            </a:fontRef>
+          </p:style>
+          <p:txBody>
+            <a:bodyPr rtlCol="0" anchor="ctr"/>
+            <a:lstStyle/>
+            <a:p>
+              <a:pPr algn="ctr"/>
+              <a:endParaRPr lang="ko-KR" altLang="en-US"/>
+            </a:p>
+          </p:txBody>
+        </p:sp>
+        <p:sp>
+          <p:nvSpPr>
+            <p:cNvPr id="7" name="직사각형 6"/>
+            <p:cNvSpPr/>
+            <p:nvPr/>
+          </p:nvSpPr>
+          <p:spPr>
+            <a:xfrm>
+              <a:off x="3581400" y="5956300"/>
+              <a:ext cx="1295400" cy="292100"/>
+            </a:xfrm>
+            <a:prstGeom prst="rect">
+              <a:avLst/>
+            </a:prstGeom>
+            <a:noFill/>
+            <a:ln w="28575">
+              <a:solidFill>
+                <a:srgbClr val="FF0000"/>
+              </a:solidFill>
+            </a:ln>
+          </p:spPr>
+          <p:style>
+            <a:lnRef idx="2">
+              <a:schemeClr val="accent1">
+                <a:shade val="50000"/>
+              </a:schemeClr>
+            </a:lnRef>
+            <a:fillRef idx="1">
+              <a:schemeClr val="accent1"/>
+            </a:fillRef>
+            <a:effectRef idx="0">
+              <a:schemeClr val="accent1"/>
+            </a:effectRef>
+            <a:fontRef idx="minor">
+              <a:schemeClr val="lt1"/>
+            </a:fontRef>
+          </p:style>
+          <p:txBody>
+            <a:bodyPr rtlCol="0" anchor="ctr"/>
+            <a:lstStyle/>
+            <a:p>
+              <a:pPr algn="ctr"/>
+              <a:endParaRPr lang="ko-KR" altLang="en-US"/>
+            </a:p>
+          </p:txBody>
+        </p:sp>
+        <p:sp>
+          <p:nvSpPr>
+            <p:cNvPr id="9" name="직사각형 8"/>
+            <p:cNvSpPr/>
+            <p:nvPr/>
+          </p:nvSpPr>
+          <p:spPr>
+            <a:xfrm>
+              <a:off x="5003800" y="5448300"/>
+              <a:ext cx="1295400" cy="292100"/>
+            </a:xfrm>
+            <a:prstGeom prst="rect">
+              <a:avLst/>
+            </a:prstGeom>
+            <a:noFill/>
+            <a:ln w="28575">
+              <a:solidFill>
+                <a:srgbClr val="FF0000"/>
+              </a:solidFill>
+            </a:ln>
+          </p:spPr>
+          <p:style>
+            <a:lnRef idx="2">
+              <a:schemeClr val="accent1">
+                <a:shade val="50000"/>
+              </a:schemeClr>
+            </a:lnRef>
+            <a:fillRef idx="1">
+              <a:schemeClr val="accent1"/>
+            </a:fillRef>
+            <a:effectRef idx="0">
+              <a:schemeClr val="accent1"/>
+            </a:effectRef>
+            <a:fontRef idx="minor">
+              <a:schemeClr val="lt1"/>
+            </a:fontRef>
+          </p:style>
+          <p:txBody>
+            <a:bodyPr rtlCol="0" anchor="ctr"/>
+            <a:lstStyle/>
+            <a:p>
+              <a:pPr algn="ctr"/>
+              <a:endParaRPr lang="ko-KR" altLang="en-US"/>
+            </a:p>
+          </p:txBody>
+        </p:sp>
+        <p:sp>
+          <p:nvSpPr>
+            <p:cNvPr id="10" name="직사각형 9"/>
+            <p:cNvSpPr/>
+            <p:nvPr/>
+          </p:nvSpPr>
+          <p:spPr>
+            <a:xfrm>
+              <a:off x="317500" y="5740400"/>
+              <a:ext cx="2590800" cy="292100"/>
+            </a:xfrm>
+            <a:prstGeom prst="rect">
+              <a:avLst/>
+            </a:prstGeom>
+            <a:noFill/>
+            <a:ln w="28575">
+              <a:solidFill>
+                <a:srgbClr val="FF0000"/>
+              </a:solidFill>
+            </a:ln>
+          </p:spPr>
+          <p:style>
+            <a:lnRef idx="2">
+              <a:schemeClr val="accent1">
+                <a:shade val="50000"/>
+              </a:schemeClr>
+            </a:lnRef>
+            <a:fillRef idx="1">
+              <a:schemeClr val="accent1"/>
+            </a:fillRef>
+            <a:effectRef idx="0">
+              <a:schemeClr val="accent1"/>
+            </a:effectRef>
+            <a:fontRef idx="minor">
+              <a:schemeClr val="lt1"/>
+            </a:fontRef>
+          </p:style>
+          <p:txBody>
+            <a:bodyPr rtlCol="0" anchor="ctr"/>
+            <a:lstStyle/>
+            <a:p>
+              <a:pPr algn="ctr"/>
+              <a:endParaRPr lang="ko-KR" altLang="en-US"/>
+            </a:p>
+          </p:txBody>
+        </p:sp>
+        <p:sp>
+          <p:nvSpPr>
+            <p:cNvPr id="11" name="직사각형 10"/>
+            <p:cNvSpPr/>
+            <p:nvPr/>
+          </p:nvSpPr>
+          <p:spPr>
+            <a:xfrm>
+              <a:off x="3175000" y="5664200"/>
+              <a:ext cx="2946400" cy="330200"/>
+            </a:xfrm>
+            <a:prstGeom prst="rect">
+              <a:avLst/>
+            </a:prstGeom>
+            <a:noFill/>
+            <a:ln w="28575">
+              <a:solidFill>
+                <a:srgbClr val="FF0000"/>
+              </a:solidFill>
+            </a:ln>
+          </p:spPr>
+          <p:style>
+            <a:lnRef idx="2">
+              <a:schemeClr val="accent1">
+                <a:shade val="50000"/>
+              </a:schemeClr>
+            </a:lnRef>
+            <a:fillRef idx="1">
+              <a:schemeClr val="accent1"/>
+            </a:fillRef>
+            <a:effectRef idx="0">
+              <a:schemeClr val="accent1"/>
+            </a:effectRef>
+            <a:fontRef idx="minor">
+              <a:schemeClr val="lt1"/>
+            </a:fontRef>
+          </p:style>
+          <p:txBody>
+            <a:bodyPr rtlCol="0" anchor="ctr"/>
+            <a:lstStyle/>
+            <a:p>
+              <a:pPr algn="ctr"/>
+              <a:endParaRPr lang="ko-KR" altLang="en-US"/>
+            </a:p>
+          </p:txBody>
+        </p:sp>
+      </p:grpSp>
+    </p:spTree>
+    <p:extLst>
+      <p:ext uri="{BB962C8B-B14F-4D97-AF65-F5344CB8AC3E}">
+        <p14:creationId xmlns:p14="http://schemas.microsoft.com/office/powerpoint/2010/main" val="918082602"/>
       </p:ext>
     </p:extLst>
   </p:cSld>
@@ -11294,7 +17071,7 @@
 </p:sld>
 </file>
 
-<file path=ppt/slides/slide2.xml><?xml version="1.0" encoding="utf-8"?>
+<file path=ppt/slides/slide4.xml><?xml version="1.0" encoding="utf-8"?>
 <p:sld xmlns:a="http://schemas.openxmlformats.org/drawingml/2006/main" xmlns:r="http://schemas.openxmlformats.org/officeDocument/2006/relationships" xmlns:p="http://schemas.openxmlformats.org/presentationml/2006/main">
   <p:cSld>
     <p:spTree>
@@ -13699,7 +19476,78 @@
 </p:sld>
 </file>
 
-<file path=ppt/slides/slide3.xml><?xml version="1.0" encoding="utf-8"?>
+<file path=ppt/slides/slide5.xml><?xml version="1.0" encoding="utf-8"?>
+<p:sld xmlns:a="http://schemas.openxmlformats.org/drawingml/2006/main" xmlns:r="http://schemas.openxmlformats.org/officeDocument/2006/relationships" xmlns:p="http://schemas.openxmlformats.org/presentationml/2006/main">
+  <p:cSld>
+    <p:spTree>
+      <p:nvGrpSpPr>
+        <p:cNvPr id="1" name=""/>
+        <p:cNvGrpSpPr/>
+        <p:nvPr/>
+      </p:nvGrpSpPr>
+      <p:grpSpPr>
+        <a:xfrm>
+          <a:off x="0" y="0"/>
+          <a:ext cx="0" cy="0"/>
+          <a:chOff x="0" y="0"/>
+          <a:chExt cx="0" cy="0"/>
+        </a:xfrm>
+      </p:grpSpPr>
+      <p:pic>
+        <p:nvPicPr>
+          <p:cNvPr id="1027" name="Picture 3" descr="C:\Users\ezen-033\Desktop\2페이지.PNG"/>
+          <p:cNvPicPr>
+            <a:picLocks noChangeAspect="1" noChangeArrowheads="1"/>
+          </p:cNvPicPr>
+          <p:nvPr/>
+        </p:nvPicPr>
+        <p:blipFill>
+          <a:blip r:embed="rId2">
+            <a:extLst>
+              <a:ext uri="{28A0092B-C50C-407E-A947-70E740481C1C}">
+                <a14:useLocalDpi xmlns:a14="http://schemas.microsoft.com/office/drawing/2010/main" val="0"/>
+              </a:ext>
+            </a:extLst>
+          </a:blip>
+          <a:srcRect/>
+          <a:stretch>
+            <a:fillRect/>
+          </a:stretch>
+        </p:blipFill>
+        <p:spPr bwMode="auto">
+          <a:xfrm>
+            <a:off x="195262" y="159208"/>
+            <a:ext cx="11437938" cy="6698792"/>
+          </a:xfrm>
+          <a:prstGeom prst="rect">
+            <a:avLst/>
+          </a:prstGeom>
+          <a:noFill/>
+          <a:extLst>
+            <a:ext uri="{909E8E84-426E-40DD-AFC4-6F175D3DCCD1}">
+              <a14:hiddenFill xmlns:a14="http://schemas.microsoft.com/office/drawing/2010/main">
+                <a:solidFill>
+                  <a:srgbClr val="FFFFFF"/>
+                </a:solidFill>
+              </a14:hiddenFill>
+            </a:ext>
+          </a:extLst>
+        </p:spPr>
+      </p:pic>
+    </p:spTree>
+    <p:extLst>
+      <p:ext uri="{BB962C8B-B14F-4D97-AF65-F5344CB8AC3E}">
+        <p14:creationId xmlns:p14="http://schemas.microsoft.com/office/powerpoint/2010/main" val="2795427037"/>
+      </p:ext>
+    </p:extLst>
+  </p:cSld>
+  <p:clrMapOvr>
+    <a:masterClrMapping/>
+  </p:clrMapOvr>
+</p:sld>
+</file>
+
+<file path=ppt/slides/slide6.xml><?xml version="1.0" encoding="utf-8"?>
 <p:sld xmlns:a="http://schemas.openxmlformats.org/drawingml/2006/main" xmlns:r="http://schemas.openxmlformats.org/officeDocument/2006/relationships" xmlns:p="http://schemas.openxmlformats.org/presentationml/2006/main">
   <p:cSld>
     <p:spTree>
@@ -13759,7 +19607,7 @@
       </p:pic>
       <p:pic>
         <p:nvPicPr>
-          <p:cNvPr id="5123" name="Picture 3" descr="C:\Users\ezen-033\Desktop\sql3.PNG"/>
+          <p:cNvPr id="4" name="Picture 3" descr="C:\Users\ezen-033\Desktop\sql6.PNG"/>
           <p:cNvPicPr>
             <a:picLocks noChangeAspect="1" noChangeArrowheads="1"/>
           </p:cNvPicPr>
@@ -13780,8 +19628,8 @@
         </p:blipFill>
         <p:spPr bwMode="auto">
           <a:xfrm>
-            <a:off x="436562" y="5734050"/>
-            <a:ext cx="11537157" cy="1123950"/>
+            <a:off x="315912" y="1104900"/>
+            <a:ext cx="11317288" cy="1447800"/>
           </a:xfrm>
           <a:prstGeom prst="rect">
             <a:avLst/>
@@ -13798,10 +19646,235 @@
           </a:extLst>
         </p:spPr>
       </p:pic>
+      <p:sp>
+        <p:nvSpPr>
+          <p:cNvPr id="6" name="직사각형 5"/>
+          <p:cNvSpPr/>
+          <p:nvPr/>
+        </p:nvSpPr>
+        <p:spPr>
+          <a:xfrm>
+            <a:off x="508000" y="1828800"/>
+            <a:ext cx="2933700" cy="292100"/>
+          </a:xfrm>
+          <a:prstGeom prst="rect">
+            <a:avLst/>
+          </a:prstGeom>
+          <a:noFill/>
+          <a:ln w="28575">
+            <a:solidFill>
+              <a:srgbClr val="FF0000"/>
+            </a:solidFill>
+          </a:ln>
+        </p:spPr>
+        <p:style>
+          <a:lnRef idx="2">
+            <a:schemeClr val="accent1">
+              <a:shade val="50000"/>
+            </a:schemeClr>
+          </a:lnRef>
+          <a:fillRef idx="1">
+            <a:schemeClr val="accent1"/>
+          </a:fillRef>
+          <a:effectRef idx="0">
+            <a:schemeClr val="accent1"/>
+          </a:effectRef>
+          <a:fontRef idx="minor">
+            <a:schemeClr val="lt1"/>
+          </a:fontRef>
+        </p:style>
+        <p:txBody>
+          <a:bodyPr rtlCol="0" anchor="ctr"/>
+          <a:lstStyle/>
+          <a:p>
+            <a:pPr algn="ctr"/>
+            <a:endParaRPr lang="ko-KR" altLang="en-US"/>
+          </a:p>
+        </p:txBody>
+      </p:sp>
+      <p:sp>
+        <p:nvSpPr>
+          <p:cNvPr id="7" name="직사각형 6"/>
+          <p:cNvSpPr/>
+          <p:nvPr/>
+        </p:nvSpPr>
+        <p:spPr>
+          <a:xfrm>
+            <a:off x="195262" y="6016625"/>
+            <a:ext cx="1295400" cy="292100"/>
+          </a:xfrm>
+          <a:prstGeom prst="rect">
+            <a:avLst/>
+          </a:prstGeom>
+          <a:noFill/>
+          <a:ln w="28575">
+            <a:solidFill>
+              <a:srgbClr val="FF0000"/>
+            </a:solidFill>
+          </a:ln>
+        </p:spPr>
+        <p:style>
+          <a:lnRef idx="2">
+            <a:schemeClr val="accent1">
+              <a:shade val="50000"/>
+            </a:schemeClr>
+          </a:lnRef>
+          <a:fillRef idx="1">
+            <a:schemeClr val="accent1"/>
+          </a:fillRef>
+          <a:effectRef idx="0">
+            <a:schemeClr val="accent1"/>
+          </a:effectRef>
+          <a:fontRef idx="minor">
+            <a:schemeClr val="lt1"/>
+          </a:fontRef>
+        </p:style>
+        <p:txBody>
+          <a:bodyPr rtlCol="0" anchor="ctr"/>
+          <a:lstStyle/>
+          <a:p>
+            <a:pPr algn="ctr"/>
+            <a:endParaRPr lang="ko-KR" altLang="en-US"/>
+          </a:p>
+        </p:txBody>
+      </p:sp>
+      <p:pic>
+        <p:nvPicPr>
+          <p:cNvPr id="6146" name="Picture 2" descr="C:\Users\ezen-033\Desktop\sql7.PNG"/>
+          <p:cNvPicPr>
+            <a:picLocks noChangeAspect="1" noChangeArrowheads="1"/>
+          </p:cNvPicPr>
+          <p:nvPr/>
+        </p:nvPicPr>
+        <p:blipFill>
+          <a:blip r:embed="rId4">
+            <a:extLst>
+              <a:ext uri="{28A0092B-C50C-407E-A947-70E740481C1C}">
+                <a14:useLocalDpi xmlns:a14="http://schemas.microsoft.com/office/drawing/2010/main" val="0"/>
+              </a:ext>
+            </a:extLst>
+          </a:blip>
+          <a:srcRect/>
+          <a:stretch>
+            <a:fillRect/>
+          </a:stretch>
+        </p:blipFill>
+        <p:spPr bwMode="auto">
+          <a:xfrm>
+            <a:off x="0" y="5492750"/>
+            <a:ext cx="11633200" cy="1047750"/>
+          </a:xfrm>
+          <a:prstGeom prst="rect">
+            <a:avLst/>
+          </a:prstGeom>
+          <a:noFill/>
+          <a:extLst>
+            <a:ext uri="{909E8E84-426E-40DD-AFC4-6F175D3DCCD1}">
+              <a14:hiddenFill xmlns:a14="http://schemas.microsoft.com/office/drawing/2010/main">
+                <a:solidFill>
+                  <a:srgbClr val="FFFFFF"/>
+                </a:solidFill>
+              </a14:hiddenFill>
+            </a:ext>
+          </a:extLst>
+        </p:spPr>
+      </p:pic>
+      <p:sp>
+        <p:nvSpPr>
+          <p:cNvPr id="8" name="직사각형 7"/>
+          <p:cNvSpPr/>
+          <p:nvPr/>
+        </p:nvSpPr>
+        <p:spPr>
+          <a:xfrm>
+            <a:off x="2374900" y="6003925"/>
+            <a:ext cx="2197100" cy="292100"/>
+          </a:xfrm>
+          <a:prstGeom prst="rect">
+            <a:avLst/>
+          </a:prstGeom>
+          <a:noFill/>
+          <a:ln w="28575">
+            <a:solidFill>
+              <a:srgbClr val="FF0000"/>
+            </a:solidFill>
+          </a:ln>
+        </p:spPr>
+        <p:style>
+          <a:lnRef idx="2">
+            <a:schemeClr val="accent1">
+              <a:shade val="50000"/>
+            </a:schemeClr>
+          </a:lnRef>
+          <a:fillRef idx="1">
+            <a:schemeClr val="accent1"/>
+          </a:fillRef>
+          <a:effectRef idx="0">
+            <a:schemeClr val="accent1"/>
+          </a:effectRef>
+          <a:fontRef idx="minor">
+            <a:schemeClr val="lt1"/>
+          </a:fontRef>
+        </p:style>
+        <p:txBody>
+          <a:bodyPr rtlCol="0" anchor="ctr"/>
+          <a:lstStyle/>
+          <a:p>
+            <a:pPr algn="ctr"/>
+            <a:endParaRPr lang="ko-KR" altLang="en-US"/>
+          </a:p>
+        </p:txBody>
+      </p:sp>
+      <p:sp>
+        <p:nvSpPr>
+          <p:cNvPr id="9" name="직사각형 8"/>
+          <p:cNvSpPr/>
+          <p:nvPr/>
+        </p:nvSpPr>
+        <p:spPr>
+          <a:xfrm>
+            <a:off x="195262" y="6003925"/>
+            <a:ext cx="1874838" cy="292100"/>
+          </a:xfrm>
+          <a:prstGeom prst="rect">
+            <a:avLst/>
+          </a:prstGeom>
+          <a:noFill/>
+          <a:ln w="28575">
+            <a:solidFill>
+              <a:srgbClr val="FF0000"/>
+            </a:solidFill>
+          </a:ln>
+        </p:spPr>
+        <p:style>
+          <a:lnRef idx="2">
+            <a:schemeClr val="accent1">
+              <a:shade val="50000"/>
+            </a:schemeClr>
+          </a:lnRef>
+          <a:fillRef idx="1">
+            <a:schemeClr val="accent1"/>
+          </a:fillRef>
+          <a:effectRef idx="0">
+            <a:schemeClr val="accent1"/>
+          </a:effectRef>
+          <a:fontRef idx="minor">
+            <a:schemeClr val="lt1"/>
+          </a:fontRef>
+        </p:style>
+        <p:txBody>
+          <a:bodyPr rtlCol="0" anchor="ctr"/>
+          <a:lstStyle/>
+          <a:p>
+            <a:pPr algn="ctr"/>
+            <a:endParaRPr lang="ko-KR" altLang="en-US"/>
+          </a:p>
+        </p:txBody>
+      </p:sp>
     </p:spTree>
     <p:extLst>
       <p:ext uri="{BB962C8B-B14F-4D97-AF65-F5344CB8AC3E}">
-        <p14:creationId xmlns:p14="http://schemas.microsoft.com/office/powerpoint/2010/main" val="2795427037"/>
+        <p14:creationId xmlns:p14="http://schemas.microsoft.com/office/powerpoint/2010/main" val="639234272"/>
       </p:ext>
     </p:extLst>
   </p:cSld>
@@ -13811,7 +19884,7 @@
 </p:sld>
 </file>
 
-<file path=ppt/slides/slide4.xml><?xml version="1.0" encoding="utf-8"?>
+<file path=ppt/slides/slide7.xml><?xml version="1.0" encoding="utf-8"?>
 <p:sld xmlns:a="http://schemas.openxmlformats.org/drawingml/2006/main" xmlns:r="http://schemas.openxmlformats.org/officeDocument/2006/relationships" xmlns:p="http://schemas.openxmlformats.org/presentationml/2006/main">
   <p:cSld>
     <p:spTree>
@@ -16163,7 +22236,7 @@
 </p:sld>
 </file>
 
-<file path=ppt/slides/slide5.xml><?xml version="1.0" encoding="utf-8"?>
+<file path=ppt/slides/slide8.xml><?xml version="1.0" encoding="utf-8"?>
 <p:sld xmlns:a="http://schemas.openxmlformats.org/drawingml/2006/main" xmlns:r="http://schemas.openxmlformats.org/officeDocument/2006/relationships" xmlns:p="http://schemas.openxmlformats.org/presentationml/2006/main">
   <p:cSld>
     <p:spTree>
@@ -16221,41 +22294,131 @@
           </a:extLst>
         </p:spPr>
       </p:pic>
-      <p:sp>
-        <p:nvSpPr>
-          <p:cNvPr id="5" name="TextBox 4"/>
-          <p:cNvSpPr txBox="1"/>
+      <p:pic>
+        <p:nvPicPr>
+          <p:cNvPr id="7170" name="Picture 2" descr="C:\Users\ezen-033\Desktop\sql8.PNG"/>
+          <p:cNvPicPr>
+            <a:picLocks noChangeAspect="1" noChangeArrowheads="1"/>
+          </p:cNvPicPr>
           <p:nvPr/>
-        </p:nvSpPr>
-        <p:spPr>
+        </p:nvPicPr>
+        <p:blipFill>
+          <a:blip r:embed="rId3">
+            <a:extLst>
+              <a:ext uri="{28A0092B-C50C-407E-A947-70E740481C1C}">
+                <a14:useLocalDpi xmlns:a14="http://schemas.microsoft.com/office/drawing/2010/main" val="0"/>
+              </a:ext>
+            </a:extLst>
+          </a:blip>
+          <a:srcRect/>
+          <a:stretch>
+            <a:fillRect/>
+          </a:stretch>
+        </p:blipFill>
+        <p:spPr bwMode="auto">
           <a:xfrm>
-            <a:off x="8407400" y="1612900"/>
-            <a:ext cx="2387600" cy="461665"/>
+            <a:off x="3054350" y="411162"/>
+            <a:ext cx="9031288" cy="895350"/>
           </a:xfrm>
           <a:prstGeom prst="rect">
             <a:avLst/>
           </a:prstGeom>
           <a:noFill/>
+          <a:extLst>
+            <a:ext uri="{909E8E84-426E-40DD-AFC4-6F175D3DCCD1}">
+              <a14:hiddenFill xmlns:a14="http://schemas.microsoft.com/office/drawing/2010/main">
+                <a:solidFill>
+                  <a:srgbClr val="FFFFFF"/>
+                </a:solidFill>
+              </a14:hiddenFill>
+            </a:ext>
+          </a:extLst>
         </p:spPr>
+      </p:pic>
+      <p:pic>
+        <p:nvPicPr>
+          <p:cNvPr id="7172" name="Picture 4" descr="C:\Users\ezen-033\Desktop\sql9.PNG"/>
+          <p:cNvPicPr>
+            <a:picLocks noChangeAspect="1" noChangeArrowheads="1"/>
+          </p:cNvPicPr>
+          <p:nvPr/>
+        </p:nvPicPr>
+        <p:blipFill>
+          <a:blip r:embed="rId4">
+            <a:extLst>
+              <a:ext uri="{28A0092B-C50C-407E-A947-70E740481C1C}">
+                <a14:useLocalDpi xmlns:a14="http://schemas.microsoft.com/office/drawing/2010/main" val="0"/>
+              </a:ext>
+            </a:extLst>
+          </a:blip>
+          <a:srcRect/>
+          <a:stretch>
+            <a:fillRect/>
+          </a:stretch>
+        </p:blipFill>
+        <p:spPr bwMode="auto">
+          <a:xfrm>
+            <a:off x="790575" y="5086350"/>
+            <a:ext cx="10917238" cy="1504950"/>
+          </a:xfrm>
+          <a:prstGeom prst="rect">
+            <a:avLst/>
+          </a:prstGeom>
+          <a:noFill/>
+          <a:extLst>
+            <a:ext uri="{909E8E84-426E-40DD-AFC4-6F175D3DCCD1}">
+              <a14:hiddenFill xmlns:a14="http://schemas.microsoft.com/office/drawing/2010/main">
+                <a:solidFill>
+                  <a:srgbClr val="FFFFFF"/>
+                </a:solidFill>
+              </a14:hiddenFill>
+            </a:ext>
+          </a:extLst>
+        </p:spPr>
+      </p:pic>
+      <p:sp>
+        <p:nvSpPr>
+          <p:cNvPr id="8" name="직사각형 7"/>
+          <p:cNvSpPr/>
+          <p:nvPr/>
+        </p:nvSpPr>
+        <p:spPr>
+          <a:xfrm>
+            <a:off x="3924300" y="5838825"/>
+            <a:ext cx="1295400" cy="292100"/>
+          </a:xfrm>
+          <a:prstGeom prst="rect">
+            <a:avLst/>
+          </a:prstGeom>
+          <a:noFill/>
+          <a:ln w="28575">
+            <a:solidFill>
+              <a:srgbClr val="FF0000"/>
+            </a:solidFill>
+          </a:ln>
+        </p:spPr>
+        <p:style>
+          <a:lnRef idx="2">
+            <a:schemeClr val="accent1">
+              <a:shade val="50000"/>
+            </a:schemeClr>
+          </a:lnRef>
+          <a:fillRef idx="1">
+            <a:schemeClr val="accent1"/>
+          </a:fillRef>
+          <a:effectRef idx="0">
+            <a:schemeClr val="accent1"/>
+          </a:effectRef>
+          <a:fontRef idx="minor">
+            <a:schemeClr val="lt1"/>
+          </a:fontRef>
+        </p:style>
         <p:txBody>
-          <a:bodyPr wrap="square" rtlCol="0">
-            <a:spAutoFit/>
-          </a:bodyPr>
+          <a:bodyPr rtlCol="0" anchor="ctr"/>
           <a:lstStyle/>
           <a:p>
-            <a:r>
-              <a:rPr lang="en-US" altLang="ko-KR" sz="2400" dirty="0" err="1" smtClean="0"/>
-              <a:t>Textarea</a:t>
-            </a:r>
-            <a:r>
-              <a:rPr lang="en-US" altLang="ko-KR" sz="2400" dirty="0" smtClean="0"/>
-              <a:t> </a:t>
-            </a:r>
-            <a:r>
-              <a:rPr lang="ko-KR" altLang="en-US" sz="2400" dirty="0" smtClean="0"/>
-              <a:t>사용</a:t>
-            </a:r>
-            <a:endParaRPr lang="ko-KR" altLang="en-US" sz="2400" dirty="0"/>
+            <a:pPr algn="ctr"/>
+            <a:endParaRPr lang="ko-KR" altLang="en-US"/>
           </a:p>
         </p:txBody>
       </p:sp>
@@ -16272,7 +22435,7 @@
 </p:sld>
 </file>
 
-<file path=ppt/slides/slide6.xml><?xml version="1.0" encoding="utf-8"?>
+<file path=ppt/slides/slide9.xml><?xml version="1.0" encoding="utf-8"?>
 <p:sld xmlns:a="http://schemas.openxmlformats.org/drawingml/2006/main" xmlns:r="http://schemas.openxmlformats.org/officeDocument/2006/relationships" xmlns:p="http://schemas.openxmlformats.org/presentationml/2006/main">
   <p:cSld>
     <p:spTree>
@@ -18979,2221 +25142,6 @@
 </p:sld>
 </file>
 
-<file path=ppt/slides/slide7.xml><?xml version="1.0" encoding="utf-8"?>
-<p:sld xmlns:a="http://schemas.openxmlformats.org/drawingml/2006/main" xmlns:r="http://schemas.openxmlformats.org/officeDocument/2006/relationships" xmlns:p="http://schemas.openxmlformats.org/presentationml/2006/main">
-  <p:cSld>
-    <p:spTree>
-      <p:nvGrpSpPr>
-        <p:cNvPr id="1" name="Shape 90"/>
-        <p:cNvGrpSpPr/>
-        <p:nvPr/>
-      </p:nvGrpSpPr>
-      <p:grpSpPr>
-        <a:xfrm>
-          <a:off x="0" y="0"/>
-          <a:ext cx="0" cy="0"/>
-          <a:chOff x="0" y="0"/>
-          <a:chExt cx="0" cy="0"/>
-        </a:xfrm>
-      </p:grpSpPr>
-      <p:graphicFrame>
-        <p:nvGraphicFramePr>
-          <p:cNvPr id="93" name="Google Shape;93;g7c553259d1_0_3"/>
-          <p:cNvGraphicFramePr/>
-          <p:nvPr>
-            <p:extLst>
-              <p:ext uri="{D42A27DB-BD31-4B8C-83A1-F6EECF244321}">
-                <p14:modId xmlns:p14="http://schemas.microsoft.com/office/powerpoint/2010/main" val="2038382606"/>
-              </p:ext>
-            </p:extLst>
-          </p:nvPr>
-        </p:nvGraphicFramePr>
-        <p:xfrm>
-          <a:off x="9309046" y="197403"/>
-          <a:ext cx="2815500" cy="320050"/>
-        </p:xfrm>
-        <a:graphic>
-          <a:graphicData uri="http://schemas.openxmlformats.org/drawingml/2006/table">
-            <a:tbl>
-              <a:tblPr firstRow="1" bandRow="1">
-                <a:noFill/>
-              </a:tblPr>
-              <a:tblGrid>
-                <a:gridCol w="1407750"/>
-                <a:gridCol w="1407750"/>
-              </a:tblGrid>
-              <a:tr h="265075">
-                <a:tc>
-                  <a:txBody>
-                    <a:bodyPr/>
-                    <a:lstStyle/>
-                    <a:p>
-                      <a:pPr marL="0" marR="0" lvl="0" indent="0" algn="ctr" rtl="0">
-                        <a:lnSpc>
-                          <a:spcPct val="100000"/>
-                        </a:lnSpc>
-                        <a:spcBef>
-                          <a:spcPts val="0"/>
-                        </a:spcBef>
-                        <a:spcAft>
-                          <a:spcPts val="0"/>
-                        </a:spcAft>
-                        <a:buClr>
-                          <a:srgbClr val="000000"/>
-                        </a:buClr>
-                        <a:buSzPts val="1500"/>
-                        <a:buFont typeface="Arial"/>
-                        <a:buNone/>
-                      </a:pPr>
-                      <a:r>
-                        <a:rPr lang="ko-KR" sz="1500" b="0" u="none" strike="noStrike" cap="none" dirty="0">
-                          <a:solidFill>
-                            <a:schemeClr val="dk1"/>
-                          </a:solidFill>
-                        </a:rPr>
-                        <a:t>화면 번호</a:t>
-                      </a:r>
-                      <a:endParaRPr sz="1500" b="0" u="none" strike="noStrike" cap="none" dirty="0">
-                        <a:solidFill>
-                          <a:schemeClr val="dk1"/>
-                        </a:solidFill>
-                      </a:endParaRPr>
-                    </a:p>
-                  </a:txBody>
-                  <a:tcPr marL="91451" marR="91451" marT="45725" marB="45725" anchor="ctr">
-                    <a:lnL w="12700" cap="flat" cmpd="sng">
-                      <a:solidFill>
-                        <a:schemeClr val="dk1"/>
-                      </a:solidFill>
-                      <a:prstDash val="solid"/>
-                      <a:round/>
-                      <a:headEnd type="none" w="sm" len="sm"/>
-                      <a:tailEnd type="none" w="sm" len="sm"/>
-                    </a:lnL>
-                    <a:lnR w="12700" cap="flat" cmpd="sng">
-                      <a:solidFill>
-                        <a:schemeClr val="dk1"/>
-                      </a:solidFill>
-                      <a:prstDash val="solid"/>
-                      <a:round/>
-                      <a:headEnd type="none" w="sm" len="sm"/>
-                      <a:tailEnd type="none" w="sm" len="sm"/>
-                    </a:lnR>
-                    <a:lnT w="12700" cap="flat" cmpd="sng">
-                      <a:solidFill>
-                        <a:schemeClr val="dk1"/>
-                      </a:solidFill>
-                      <a:prstDash val="solid"/>
-                      <a:round/>
-                      <a:headEnd type="none" w="sm" len="sm"/>
-                      <a:tailEnd type="none" w="sm" len="sm"/>
-                    </a:lnT>
-                    <a:lnB w="12700" cap="flat" cmpd="sng">
-                      <a:solidFill>
-                        <a:schemeClr val="dk1"/>
-                      </a:solidFill>
-                      <a:prstDash val="solid"/>
-                      <a:round/>
-                      <a:headEnd type="none" w="sm" len="sm"/>
-                      <a:tailEnd type="none" w="sm" len="sm"/>
-                    </a:lnB>
-                    <a:solidFill>
-                      <a:srgbClr val="D8D8D8"/>
-                    </a:solidFill>
-                  </a:tcPr>
-                </a:tc>
-                <a:tc>
-                  <a:txBody>
-                    <a:bodyPr/>
-                    <a:lstStyle/>
-                    <a:p>
-                      <a:pPr marL="0" marR="0" lvl="0" indent="0" algn="ctr" rtl="0">
-                        <a:lnSpc>
-                          <a:spcPct val="100000"/>
-                        </a:lnSpc>
-                        <a:spcBef>
-                          <a:spcPts val="0"/>
-                        </a:spcBef>
-                        <a:spcAft>
-                          <a:spcPts val="0"/>
-                        </a:spcAft>
-                        <a:buClr>
-                          <a:srgbClr val="000000"/>
-                        </a:buClr>
-                        <a:buSzPts val="1500"/>
-                        <a:buFont typeface="Arial"/>
-                        <a:buNone/>
-                      </a:pPr>
-                      <a:r>
-                        <a:rPr lang="en-US" sz="1500" b="0" u="none" strike="noStrike" cap="none" dirty="0" smtClean="0">
-                          <a:solidFill>
-                            <a:schemeClr val="dk1"/>
-                          </a:solidFill>
-                        </a:rPr>
-                        <a:t>5</a:t>
-                      </a:r>
-                      <a:endParaRPr sz="1500" b="0" u="none" strike="noStrike" cap="none" dirty="0">
-                        <a:solidFill>
-                          <a:schemeClr val="dk1"/>
-                        </a:solidFill>
-                      </a:endParaRPr>
-                    </a:p>
-                  </a:txBody>
-                  <a:tcPr marL="91451" marR="91451" marT="45725" marB="45725" anchor="ctr">
-                    <a:lnL w="12700" cap="flat" cmpd="sng">
-                      <a:solidFill>
-                        <a:schemeClr val="dk1"/>
-                      </a:solidFill>
-                      <a:prstDash val="solid"/>
-                      <a:round/>
-                      <a:headEnd type="none" w="sm" len="sm"/>
-                      <a:tailEnd type="none" w="sm" len="sm"/>
-                    </a:lnL>
-                    <a:lnR w="12700" cap="flat" cmpd="sng">
-                      <a:solidFill>
-                        <a:schemeClr val="dk1"/>
-                      </a:solidFill>
-                      <a:prstDash val="solid"/>
-                      <a:round/>
-                      <a:headEnd type="none" w="sm" len="sm"/>
-                      <a:tailEnd type="none" w="sm" len="sm"/>
-                    </a:lnR>
-                    <a:lnT w="12700" cap="flat" cmpd="sng">
-                      <a:solidFill>
-                        <a:schemeClr val="dk1"/>
-                      </a:solidFill>
-                      <a:prstDash val="solid"/>
-                      <a:round/>
-                      <a:headEnd type="none" w="sm" len="sm"/>
-                      <a:tailEnd type="none" w="sm" len="sm"/>
-                    </a:lnT>
-                    <a:lnB w="12700" cap="flat" cmpd="sng">
-                      <a:solidFill>
-                        <a:schemeClr val="dk1"/>
-                      </a:solidFill>
-                      <a:prstDash val="solid"/>
-                      <a:round/>
-                      <a:headEnd type="none" w="sm" len="sm"/>
-                      <a:tailEnd type="none" w="sm" len="sm"/>
-                    </a:lnB>
-                    <a:solidFill>
-                      <a:schemeClr val="lt1"/>
-                    </a:solidFill>
-                  </a:tcPr>
-                </a:tc>
-              </a:tr>
-            </a:tbl>
-          </a:graphicData>
-        </a:graphic>
-      </p:graphicFrame>
-      <p:graphicFrame>
-        <p:nvGraphicFramePr>
-          <p:cNvPr id="94" name="Google Shape;94;g7c553259d1_0_3"/>
-          <p:cNvGraphicFramePr/>
-          <p:nvPr/>
-        </p:nvGraphicFramePr>
-        <p:xfrm>
-          <a:off x="6200086" y="197403"/>
-          <a:ext cx="2815500" cy="320050"/>
-        </p:xfrm>
-        <a:graphic>
-          <a:graphicData uri="http://schemas.openxmlformats.org/drawingml/2006/table">
-            <a:tbl>
-              <a:tblPr firstRow="1" bandRow="1">
-                <a:noFill/>
-              </a:tblPr>
-              <a:tblGrid>
-                <a:gridCol w="1407750"/>
-                <a:gridCol w="1407750"/>
-              </a:tblGrid>
-              <a:tr h="265075">
-                <a:tc>
-                  <a:txBody>
-                    <a:bodyPr/>
-                    <a:lstStyle/>
-                    <a:p>
-                      <a:pPr marL="0" marR="0" lvl="0" indent="0" algn="ctr" rtl="0">
-                        <a:lnSpc>
-                          <a:spcPct val="100000"/>
-                        </a:lnSpc>
-                        <a:spcBef>
-                          <a:spcPts val="0"/>
-                        </a:spcBef>
-                        <a:spcAft>
-                          <a:spcPts val="0"/>
-                        </a:spcAft>
-                        <a:buClr>
-                          <a:srgbClr val="000000"/>
-                        </a:buClr>
-                        <a:buSzPts val="1500"/>
-                        <a:buFont typeface="Arial"/>
-                        <a:buNone/>
-                      </a:pPr>
-                      <a:r>
-                        <a:rPr lang="ko-KR" sz="1500" b="0" u="none" strike="noStrike" cap="none">
-                          <a:solidFill>
-                            <a:schemeClr val="dk1"/>
-                          </a:solidFill>
-                        </a:rPr>
-                        <a:t>프로젝트</a:t>
-                      </a:r>
-                      <a:endParaRPr sz="1500" b="0" u="none" strike="noStrike" cap="none">
-                        <a:solidFill>
-                          <a:schemeClr val="dk1"/>
-                        </a:solidFill>
-                      </a:endParaRPr>
-                    </a:p>
-                  </a:txBody>
-                  <a:tcPr marL="91451" marR="91451" marT="45725" marB="45725" anchor="ctr">
-                    <a:lnL w="12700" cap="flat" cmpd="sng">
-                      <a:solidFill>
-                        <a:schemeClr val="dk1"/>
-                      </a:solidFill>
-                      <a:prstDash val="solid"/>
-                      <a:round/>
-                      <a:headEnd type="none" w="sm" len="sm"/>
-                      <a:tailEnd type="none" w="sm" len="sm"/>
-                    </a:lnL>
-                    <a:lnR w="12700" cap="flat" cmpd="sng">
-                      <a:solidFill>
-                        <a:schemeClr val="dk1"/>
-                      </a:solidFill>
-                      <a:prstDash val="solid"/>
-                      <a:round/>
-                      <a:headEnd type="none" w="sm" len="sm"/>
-                      <a:tailEnd type="none" w="sm" len="sm"/>
-                    </a:lnR>
-                    <a:lnT w="12700" cap="flat" cmpd="sng">
-                      <a:solidFill>
-                        <a:schemeClr val="dk1"/>
-                      </a:solidFill>
-                      <a:prstDash val="solid"/>
-                      <a:round/>
-                      <a:headEnd type="none" w="sm" len="sm"/>
-                      <a:tailEnd type="none" w="sm" len="sm"/>
-                    </a:lnT>
-                    <a:lnB w="12700" cap="flat" cmpd="sng">
-                      <a:solidFill>
-                        <a:schemeClr val="dk1"/>
-                      </a:solidFill>
-                      <a:prstDash val="solid"/>
-                      <a:round/>
-                      <a:headEnd type="none" w="sm" len="sm"/>
-                      <a:tailEnd type="none" w="sm" len="sm"/>
-                    </a:lnB>
-                    <a:solidFill>
-                      <a:srgbClr val="D8D8D8"/>
-                    </a:solidFill>
-                  </a:tcPr>
-                </a:tc>
-                <a:tc>
-                  <a:txBody>
-                    <a:bodyPr/>
-                    <a:lstStyle/>
-                    <a:p>
-                      <a:pPr marL="0" marR="0" lvl="0" indent="0" algn="ctr" rtl="0">
-                        <a:lnSpc>
-                          <a:spcPct val="100000"/>
-                        </a:lnSpc>
-                        <a:spcBef>
-                          <a:spcPts val="0"/>
-                        </a:spcBef>
-                        <a:spcAft>
-                          <a:spcPts val="0"/>
-                        </a:spcAft>
-                        <a:buClr>
-                          <a:srgbClr val="000000"/>
-                        </a:buClr>
-                        <a:buSzPts val="1500"/>
-                        <a:buFont typeface="Arial"/>
-                        <a:buNone/>
-                      </a:pPr>
-                      <a:endParaRPr sz="1500" b="0" u="none" strike="noStrike" cap="none">
-                        <a:solidFill>
-                          <a:schemeClr val="dk1"/>
-                        </a:solidFill>
-                      </a:endParaRPr>
-                    </a:p>
-                  </a:txBody>
-                  <a:tcPr marL="91451" marR="91451" marT="45725" marB="45725" anchor="ctr">
-                    <a:lnL w="12700" cap="flat" cmpd="sng">
-                      <a:solidFill>
-                        <a:schemeClr val="dk1"/>
-                      </a:solidFill>
-                      <a:prstDash val="solid"/>
-                      <a:round/>
-                      <a:headEnd type="none" w="sm" len="sm"/>
-                      <a:tailEnd type="none" w="sm" len="sm"/>
-                    </a:lnL>
-                    <a:lnR w="12700" cap="flat" cmpd="sng">
-                      <a:solidFill>
-                        <a:schemeClr val="dk1"/>
-                      </a:solidFill>
-                      <a:prstDash val="solid"/>
-                      <a:round/>
-                      <a:headEnd type="none" w="sm" len="sm"/>
-                      <a:tailEnd type="none" w="sm" len="sm"/>
-                    </a:lnR>
-                    <a:lnT w="12700" cap="flat" cmpd="sng">
-                      <a:solidFill>
-                        <a:schemeClr val="dk1"/>
-                      </a:solidFill>
-                      <a:prstDash val="solid"/>
-                      <a:round/>
-                      <a:headEnd type="none" w="sm" len="sm"/>
-                      <a:tailEnd type="none" w="sm" len="sm"/>
-                    </a:lnT>
-                    <a:lnB w="12700" cap="flat" cmpd="sng">
-                      <a:solidFill>
-                        <a:schemeClr val="dk1"/>
-                      </a:solidFill>
-                      <a:prstDash val="solid"/>
-                      <a:round/>
-                      <a:headEnd type="none" w="sm" len="sm"/>
-                      <a:tailEnd type="none" w="sm" len="sm"/>
-                    </a:lnB>
-                    <a:solidFill>
-                      <a:schemeClr val="lt1"/>
-                    </a:solidFill>
-                  </a:tcPr>
-                </a:tc>
-              </a:tr>
-            </a:tbl>
-          </a:graphicData>
-        </a:graphic>
-      </p:graphicFrame>
-      <p:graphicFrame>
-        <p:nvGraphicFramePr>
-          <p:cNvPr id="96" name="Google Shape;96;g7c553259d1_0_3"/>
-          <p:cNvGraphicFramePr/>
-          <p:nvPr>
-            <p:extLst>
-              <p:ext uri="{D42A27DB-BD31-4B8C-83A1-F6EECF244321}">
-                <p14:modId xmlns:p14="http://schemas.microsoft.com/office/powerpoint/2010/main" val="2429282291"/>
-              </p:ext>
-            </p:extLst>
-          </p:nvPr>
-        </p:nvGraphicFramePr>
-        <p:xfrm>
-          <a:off x="8843382" y="836712"/>
-          <a:ext cx="2952330" cy="1467120"/>
-        </p:xfrm>
-        <a:graphic>
-          <a:graphicData uri="http://schemas.openxmlformats.org/drawingml/2006/table">
-            <a:tbl>
-              <a:tblPr firstRow="1" bandRow="1">
-                <a:noFill/>
-              </a:tblPr>
-              <a:tblGrid>
-                <a:gridCol w="289755"/>
-                <a:gridCol w="2662575"/>
-              </a:tblGrid>
-              <a:tr h="286673">
-                <a:tc>
-                  <a:txBody>
-                    <a:bodyPr/>
-                    <a:lstStyle/>
-                    <a:p>
-                      <a:pPr marL="0" marR="0" lvl="0" indent="0" algn="ctr" rtl="0">
-                        <a:lnSpc>
-                          <a:spcPct val="100000"/>
-                        </a:lnSpc>
-                        <a:spcBef>
-                          <a:spcPts val="0"/>
-                        </a:spcBef>
-                        <a:spcAft>
-                          <a:spcPts val="0"/>
-                        </a:spcAft>
-                        <a:buClr>
-                          <a:srgbClr val="000000"/>
-                        </a:buClr>
-                        <a:buSzPts val="1500"/>
-                        <a:buFont typeface="Arial"/>
-                        <a:buNone/>
-                      </a:pPr>
-                      <a:r>
-                        <a:rPr lang="ko-KR" sz="1500" u="none" strike="noStrike" cap="none" dirty="0">
-                          <a:solidFill>
-                            <a:schemeClr val="dk1"/>
-                          </a:solidFill>
-                        </a:rPr>
-                        <a:t>#</a:t>
-                      </a:r>
-                      <a:endParaRPr sz="1500" u="none" strike="noStrike" cap="none" dirty="0">
-                        <a:solidFill>
-                          <a:schemeClr val="dk1"/>
-                        </a:solidFill>
-                      </a:endParaRPr>
-                    </a:p>
-                  </a:txBody>
-                  <a:tcPr marL="91451" marR="91451" marT="45725" marB="45725" anchor="ctr">
-                    <a:lnL w="12700" cap="flat" cmpd="sng">
-                      <a:solidFill>
-                        <a:schemeClr val="dk1"/>
-                      </a:solidFill>
-                      <a:prstDash val="solid"/>
-                      <a:round/>
-                      <a:headEnd type="none" w="sm" len="sm"/>
-                      <a:tailEnd type="none" w="sm" len="sm"/>
-                    </a:lnL>
-                    <a:lnR w="12700" cap="flat" cmpd="sng">
-                      <a:solidFill>
-                        <a:schemeClr val="dk1"/>
-                      </a:solidFill>
-                      <a:prstDash val="solid"/>
-                      <a:round/>
-                      <a:headEnd type="none" w="sm" len="sm"/>
-                      <a:tailEnd type="none" w="sm" len="sm"/>
-                    </a:lnR>
-                    <a:lnT w="12700" cap="flat" cmpd="sng">
-                      <a:solidFill>
-                        <a:schemeClr val="dk1"/>
-                      </a:solidFill>
-                      <a:prstDash val="solid"/>
-                      <a:round/>
-                      <a:headEnd type="none" w="sm" len="sm"/>
-                      <a:tailEnd type="none" w="sm" len="sm"/>
-                    </a:lnT>
-                    <a:lnB w="12700" cap="flat" cmpd="sng">
-                      <a:solidFill>
-                        <a:schemeClr val="dk1"/>
-                      </a:solidFill>
-                      <a:prstDash val="solid"/>
-                      <a:round/>
-                      <a:headEnd type="none" w="sm" len="sm"/>
-                      <a:tailEnd type="none" w="sm" len="sm"/>
-                    </a:lnB>
-                    <a:solidFill>
-                      <a:srgbClr val="D8D8D8"/>
-                    </a:solidFill>
-                  </a:tcPr>
-                </a:tc>
-                <a:tc>
-                  <a:txBody>
-                    <a:bodyPr/>
-                    <a:lstStyle/>
-                    <a:p>
-                      <a:pPr marL="0" marR="0" lvl="0" indent="0" algn="ctr" rtl="0">
-                        <a:lnSpc>
-                          <a:spcPct val="100000"/>
-                        </a:lnSpc>
-                        <a:spcBef>
-                          <a:spcPts val="0"/>
-                        </a:spcBef>
-                        <a:spcAft>
-                          <a:spcPts val="0"/>
-                        </a:spcAft>
-                        <a:buClr>
-                          <a:srgbClr val="000000"/>
-                        </a:buClr>
-                        <a:buSzPts val="1500"/>
-                        <a:buFont typeface="Arial"/>
-                        <a:buNone/>
-                      </a:pPr>
-                      <a:r>
-                        <a:rPr lang="ko-KR" sz="1500" u="none" strike="noStrike" cap="none" dirty="0" err="1">
-                          <a:solidFill>
-                            <a:schemeClr val="dk1"/>
-                          </a:solidFill>
-                        </a:rPr>
-                        <a:t>기능명</a:t>
-                      </a:r>
-                      <a:endParaRPr sz="1500" u="none" strike="noStrike" cap="none" dirty="0">
-                        <a:solidFill>
-                          <a:schemeClr val="dk1"/>
-                        </a:solidFill>
-                      </a:endParaRPr>
-                    </a:p>
-                  </a:txBody>
-                  <a:tcPr marL="91451" marR="91451" marT="45725" marB="45725" anchor="ctr">
-                    <a:lnL w="12700" cap="flat" cmpd="sng">
-                      <a:solidFill>
-                        <a:schemeClr val="dk1"/>
-                      </a:solidFill>
-                      <a:prstDash val="solid"/>
-                      <a:round/>
-                      <a:headEnd type="none" w="sm" len="sm"/>
-                      <a:tailEnd type="none" w="sm" len="sm"/>
-                    </a:lnL>
-                    <a:lnR w="12700" cap="flat" cmpd="sng">
-                      <a:solidFill>
-                        <a:schemeClr val="dk1"/>
-                      </a:solidFill>
-                      <a:prstDash val="solid"/>
-                      <a:round/>
-                      <a:headEnd type="none" w="sm" len="sm"/>
-                      <a:tailEnd type="none" w="sm" len="sm"/>
-                    </a:lnR>
-                    <a:lnT w="12700" cap="flat" cmpd="sng">
-                      <a:solidFill>
-                        <a:schemeClr val="dk1"/>
-                      </a:solidFill>
-                      <a:prstDash val="solid"/>
-                      <a:round/>
-                      <a:headEnd type="none" w="sm" len="sm"/>
-                      <a:tailEnd type="none" w="sm" len="sm"/>
-                    </a:lnT>
-                    <a:lnB w="12700" cap="flat" cmpd="sng">
-                      <a:solidFill>
-                        <a:schemeClr val="dk1"/>
-                      </a:solidFill>
-                      <a:prstDash val="solid"/>
-                      <a:round/>
-                      <a:headEnd type="none" w="sm" len="sm"/>
-                      <a:tailEnd type="none" w="sm" len="sm"/>
-                    </a:lnB>
-                    <a:solidFill>
-                      <a:srgbClr val="D8D8D8"/>
-                    </a:solidFill>
-                  </a:tcPr>
-                </a:tc>
-              </a:tr>
-              <a:tr h="328022">
-                <a:tc>
-                  <a:txBody>
-                    <a:bodyPr/>
-                    <a:lstStyle/>
-                    <a:p>
-                      <a:pPr marL="0" marR="0" lvl="0" indent="0" algn="ctr" rtl="0">
-                        <a:lnSpc>
-                          <a:spcPct val="100000"/>
-                        </a:lnSpc>
-                        <a:spcBef>
-                          <a:spcPts val="0"/>
-                        </a:spcBef>
-                        <a:spcAft>
-                          <a:spcPts val="0"/>
-                        </a:spcAft>
-                        <a:buClr>
-                          <a:srgbClr val="000000"/>
-                        </a:buClr>
-                        <a:buSzPts val="1500"/>
-                        <a:buFont typeface="Arial"/>
-                        <a:buNone/>
-                      </a:pPr>
-                      <a:r>
-                        <a:rPr lang="ko-KR" sz="1500" u="none" strike="noStrike" cap="none">
-                          <a:solidFill>
-                            <a:schemeClr val="dk1"/>
-                          </a:solidFill>
-                        </a:rPr>
-                        <a:t>1</a:t>
-                      </a:r>
-                      <a:endParaRPr sz="1500" u="none" strike="noStrike" cap="none">
-                        <a:solidFill>
-                          <a:schemeClr val="dk1"/>
-                        </a:solidFill>
-                      </a:endParaRPr>
-                    </a:p>
-                  </a:txBody>
-                  <a:tcPr marL="91451" marR="91451" marT="45725" marB="45725" anchor="ctr">
-                    <a:lnL w="12700" cap="flat" cmpd="sng">
-                      <a:solidFill>
-                        <a:schemeClr val="dk1"/>
-                      </a:solidFill>
-                      <a:prstDash val="solid"/>
-                      <a:round/>
-                      <a:headEnd type="none" w="sm" len="sm"/>
-                      <a:tailEnd type="none" w="sm" len="sm"/>
-                    </a:lnL>
-                    <a:lnR w="12700" cap="flat" cmpd="sng">
-                      <a:solidFill>
-                        <a:schemeClr val="dk1"/>
-                      </a:solidFill>
-                      <a:prstDash val="solid"/>
-                      <a:round/>
-                      <a:headEnd type="none" w="sm" len="sm"/>
-                      <a:tailEnd type="none" w="sm" len="sm"/>
-                    </a:lnR>
-                    <a:lnT w="12700" cap="flat" cmpd="sng">
-                      <a:solidFill>
-                        <a:schemeClr val="dk1"/>
-                      </a:solidFill>
-                      <a:prstDash val="solid"/>
-                      <a:round/>
-                      <a:headEnd type="none" w="sm" len="sm"/>
-                      <a:tailEnd type="none" w="sm" len="sm"/>
-                    </a:lnT>
-                    <a:lnB w="12700" cap="flat" cmpd="sng">
-                      <a:solidFill>
-                        <a:schemeClr val="dk1"/>
-                      </a:solidFill>
-                      <a:prstDash val="solid"/>
-                      <a:round/>
-                      <a:headEnd type="none" w="sm" len="sm"/>
-                      <a:tailEnd type="none" w="sm" len="sm"/>
-                    </a:lnB>
-                    <a:solidFill>
-                      <a:schemeClr val="lt1"/>
-                    </a:solidFill>
-                  </a:tcPr>
-                </a:tc>
-                <a:tc>
-                  <a:txBody>
-                    <a:bodyPr/>
-                    <a:lstStyle/>
-                    <a:p>
-                      <a:pPr marL="133350" marR="0" lvl="0" indent="0" algn="l" rtl="0">
-                        <a:lnSpc>
-                          <a:spcPct val="100000"/>
-                        </a:lnSpc>
-                        <a:spcBef>
-                          <a:spcPts val="0"/>
-                        </a:spcBef>
-                        <a:spcAft>
-                          <a:spcPts val="0"/>
-                        </a:spcAft>
-                        <a:buClr>
-                          <a:srgbClr val="000000"/>
-                        </a:buClr>
-                        <a:buSzPts val="1500"/>
-                        <a:buFont typeface="Arial"/>
-                        <a:buNone/>
-                        <a:tabLst/>
-                      </a:pPr>
-                      <a:r>
-                        <a:rPr lang="ko-KR" altLang="en-US" sz="1300" b="0" u="none" strike="noStrike" cap="none" dirty="0" smtClean="0"/>
-                        <a:t>현재 진행 상황 나타냄</a:t>
-                      </a:r>
-                      <a:endParaRPr sz="1300" b="0" u="none" strike="noStrike" cap="none" dirty="0"/>
-                    </a:p>
-                  </a:txBody>
-                  <a:tcPr marL="91451" marR="91451" marT="45725" marB="45725">
-                    <a:lnL w="12700" cap="flat" cmpd="sng">
-                      <a:solidFill>
-                        <a:schemeClr val="dk1"/>
-                      </a:solidFill>
-                      <a:prstDash val="solid"/>
-                      <a:round/>
-                      <a:headEnd type="none" w="sm" len="sm"/>
-                      <a:tailEnd type="none" w="sm" len="sm"/>
-                    </a:lnL>
-                    <a:lnR w="12700" cap="flat" cmpd="sng">
-                      <a:solidFill>
-                        <a:schemeClr val="dk1"/>
-                      </a:solidFill>
-                      <a:prstDash val="solid"/>
-                      <a:round/>
-                      <a:headEnd type="none" w="sm" len="sm"/>
-                      <a:tailEnd type="none" w="sm" len="sm"/>
-                    </a:lnR>
-                    <a:lnT w="12700" cap="flat" cmpd="sng">
-                      <a:solidFill>
-                        <a:schemeClr val="dk1"/>
-                      </a:solidFill>
-                      <a:prstDash val="solid"/>
-                      <a:round/>
-                      <a:headEnd type="none" w="sm" len="sm"/>
-                      <a:tailEnd type="none" w="sm" len="sm"/>
-                    </a:lnT>
-                    <a:lnB w="12700" cap="flat" cmpd="sng">
-                      <a:solidFill>
-                        <a:schemeClr val="dk1"/>
-                      </a:solidFill>
-                      <a:prstDash val="solid"/>
-                      <a:round/>
-                      <a:headEnd type="none" w="sm" len="sm"/>
-                      <a:tailEnd type="none" w="sm" len="sm"/>
-                    </a:lnB>
-                    <a:solidFill>
-                      <a:schemeClr val="lt1"/>
-                    </a:solidFill>
-                  </a:tcPr>
-                </a:tc>
-              </a:tr>
-              <a:tr h="819048">
-                <a:tc>
-                  <a:txBody>
-                    <a:bodyPr/>
-                    <a:lstStyle/>
-                    <a:p>
-                      <a:pPr marL="0" marR="0" lvl="0" indent="0" algn="ctr" rtl="0">
-                        <a:lnSpc>
-                          <a:spcPct val="100000"/>
-                        </a:lnSpc>
-                        <a:spcBef>
-                          <a:spcPts val="0"/>
-                        </a:spcBef>
-                        <a:spcAft>
-                          <a:spcPts val="0"/>
-                        </a:spcAft>
-                        <a:buClr>
-                          <a:srgbClr val="000000"/>
-                        </a:buClr>
-                        <a:buSzPts val="1500"/>
-                        <a:buFont typeface="Arial"/>
-                        <a:buNone/>
-                      </a:pPr>
-                      <a:r>
-                        <a:rPr lang="ko-KR" sz="1500" u="none" strike="noStrike" cap="none">
-                          <a:solidFill>
-                            <a:schemeClr val="dk1"/>
-                          </a:solidFill>
-                        </a:rPr>
-                        <a:t>2</a:t>
-                      </a:r>
-                      <a:endParaRPr sz="1500" u="none" strike="noStrike" cap="none">
-                        <a:solidFill>
-                          <a:schemeClr val="dk1"/>
-                        </a:solidFill>
-                      </a:endParaRPr>
-                    </a:p>
-                  </a:txBody>
-                  <a:tcPr marL="91451" marR="91451" marT="45725" marB="45725" anchor="ctr">
-                    <a:lnL w="12700" cap="flat" cmpd="sng">
-                      <a:solidFill>
-                        <a:schemeClr val="dk1"/>
-                      </a:solidFill>
-                      <a:prstDash val="solid"/>
-                      <a:round/>
-                      <a:headEnd type="none" w="sm" len="sm"/>
-                      <a:tailEnd type="none" w="sm" len="sm"/>
-                    </a:lnL>
-                    <a:lnR w="12700" cap="flat" cmpd="sng">
-                      <a:solidFill>
-                        <a:schemeClr val="dk1"/>
-                      </a:solidFill>
-                      <a:prstDash val="solid"/>
-                      <a:round/>
-                      <a:headEnd type="none" w="sm" len="sm"/>
-                      <a:tailEnd type="none" w="sm" len="sm"/>
-                    </a:lnR>
-                    <a:lnT w="12700" cap="flat" cmpd="sng">
-                      <a:solidFill>
-                        <a:schemeClr val="dk1"/>
-                      </a:solidFill>
-                      <a:prstDash val="solid"/>
-                      <a:round/>
-                      <a:headEnd type="none" w="sm" len="sm"/>
-                      <a:tailEnd type="none" w="sm" len="sm"/>
-                    </a:lnT>
-                    <a:lnB w="12700" cap="flat" cmpd="sng">
-                      <a:solidFill>
-                        <a:schemeClr val="dk1"/>
-                      </a:solidFill>
-                      <a:prstDash val="solid"/>
-                      <a:round/>
-                      <a:headEnd type="none" w="sm" len="sm"/>
-                      <a:tailEnd type="none" w="sm" len="sm"/>
-                    </a:lnB>
-                    <a:solidFill>
-                      <a:schemeClr val="lt1"/>
-                    </a:solidFill>
-                  </a:tcPr>
-                </a:tc>
-                <a:tc>
-                  <a:txBody>
-                    <a:bodyPr/>
-                    <a:lstStyle/>
-                    <a:p>
-                      <a:pPr marL="133350" marR="0" lvl="0" indent="0" algn="l" rtl="0">
-                        <a:lnSpc>
-                          <a:spcPct val="100000"/>
-                        </a:lnSpc>
-                        <a:spcBef>
-                          <a:spcPts val="0"/>
-                        </a:spcBef>
-                        <a:spcAft>
-                          <a:spcPts val="0"/>
-                        </a:spcAft>
-                        <a:buClr>
-                          <a:srgbClr val="000000"/>
-                        </a:buClr>
-                        <a:buSzPts val="1500"/>
-                        <a:buFont typeface="Arial"/>
-                        <a:buNone/>
-                      </a:pPr>
-                      <a:r>
-                        <a:rPr lang="ko-KR" altLang="en-US" sz="1300" b="0" u="none" strike="noStrike" cap="none" dirty="0" smtClean="0"/>
-                        <a:t>프로젝트를 만들기 위한 기본 정보를 수집</a:t>
-                      </a:r>
-                      <a:endParaRPr lang="en-US" altLang="ko-KR" sz="1300" b="0" u="none" strike="noStrike" cap="none" dirty="0" smtClean="0"/>
-                    </a:p>
-                    <a:p>
-                      <a:pPr marL="133350" marR="0" lvl="0" indent="0" algn="l" rtl="0">
-                        <a:lnSpc>
-                          <a:spcPct val="100000"/>
-                        </a:lnSpc>
-                        <a:spcBef>
-                          <a:spcPts val="0"/>
-                        </a:spcBef>
-                        <a:spcAft>
-                          <a:spcPts val="0"/>
-                        </a:spcAft>
-                        <a:buClr>
-                          <a:srgbClr val="000000"/>
-                        </a:buClr>
-                        <a:buSzPts val="1500"/>
-                        <a:buFont typeface="Arial"/>
-                        <a:buNone/>
-                      </a:pPr>
-                      <a:r>
-                        <a:rPr lang="en-US" sz="1300" b="0" u="none" strike="noStrike" cap="none" dirty="0" smtClean="0"/>
-                        <a:t>(</a:t>
-                      </a:r>
-                      <a:r>
-                        <a:rPr lang="ko-KR" altLang="en-US" sz="1300" b="0" u="none" strike="noStrike" cap="none" dirty="0" smtClean="0"/>
-                        <a:t>등록된 </a:t>
-                      </a:r>
-                      <a:r>
-                        <a:rPr lang="ko-KR" altLang="en-US" sz="1300" b="0" u="none" strike="noStrike" cap="none" dirty="0" err="1" smtClean="0"/>
-                        <a:t>리워드</a:t>
-                      </a:r>
-                      <a:r>
-                        <a:rPr lang="ko-KR" altLang="en-US" sz="1300" b="0" u="none" strike="noStrike" cap="none" dirty="0" smtClean="0"/>
-                        <a:t> </a:t>
-                      </a:r>
-                      <a:r>
-                        <a:rPr lang="ko-KR" altLang="en-US" sz="1300" b="0" u="none" strike="noStrike" cap="none" dirty="0" err="1" smtClean="0"/>
-                        <a:t>미리보기</a:t>
-                      </a:r>
-                      <a:r>
-                        <a:rPr lang="en-US" altLang="ko-KR" sz="1300" b="0" u="none" strike="noStrike" cap="none" dirty="0" smtClean="0"/>
-                        <a:t>)</a:t>
-                      </a:r>
-                    </a:p>
-                  </a:txBody>
-                  <a:tcPr marL="91451" marR="91451" marT="45725" marB="45725">
-                    <a:lnL w="12700" cap="flat" cmpd="sng">
-                      <a:solidFill>
-                        <a:schemeClr val="dk1"/>
-                      </a:solidFill>
-                      <a:prstDash val="solid"/>
-                      <a:round/>
-                      <a:headEnd type="none" w="sm" len="sm"/>
-                      <a:tailEnd type="none" w="sm" len="sm"/>
-                    </a:lnL>
-                    <a:lnR w="12700" cap="flat" cmpd="sng">
-                      <a:solidFill>
-                        <a:schemeClr val="dk1"/>
-                      </a:solidFill>
-                      <a:prstDash val="solid"/>
-                      <a:round/>
-                      <a:headEnd type="none" w="sm" len="sm"/>
-                      <a:tailEnd type="none" w="sm" len="sm"/>
-                    </a:lnR>
-                    <a:lnT w="12700" cap="flat" cmpd="sng">
-                      <a:solidFill>
-                        <a:schemeClr val="dk1"/>
-                      </a:solidFill>
-                      <a:prstDash val="solid"/>
-                      <a:round/>
-                      <a:headEnd type="none" w="sm" len="sm"/>
-                      <a:tailEnd type="none" w="sm" len="sm"/>
-                    </a:lnT>
-                    <a:lnB w="12700" cap="flat" cmpd="sng">
-                      <a:solidFill>
-                        <a:schemeClr val="dk1"/>
-                      </a:solidFill>
-                      <a:prstDash val="solid"/>
-                      <a:round/>
-                      <a:headEnd type="none" w="sm" len="sm"/>
-                      <a:tailEnd type="none" w="sm" len="sm"/>
-                    </a:lnB>
-                    <a:solidFill>
-                      <a:schemeClr val="lt1"/>
-                    </a:solidFill>
-                  </a:tcPr>
-                </a:tc>
-              </a:tr>
-            </a:tbl>
-          </a:graphicData>
-        </a:graphic>
-      </p:graphicFrame>
-      <p:cxnSp>
-        <p:nvCxnSpPr>
-          <p:cNvPr id="5" name="직선 연결선 4"/>
-          <p:cNvCxnSpPr/>
-          <p:nvPr/>
-        </p:nvCxnSpPr>
-        <p:spPr>
-          <a:xfrm>
-            <a:off x="2994117" y="1628800"/>
-            <a:ext cx="0" cy="4824536"/>
-          </a:xfrm>
-          <a:prstGeom prst="line">
-            <a:avLst/>
-          </a:prstGeom>
-        </p:spPr>
-        <p:style>
-          <a:lnRef idx="1">
-            <a:schemeClr val="accent1"/>
-          </a:lnRef>
-          <a:fillRef idx="0">
-            <a:schemeClr val="accent1"/>
-          </a:fillRef>
-          <a:effectRef idx="0">
-            <a:schemeClr val="accent1"/>
-          </a:effectRef>
-          <a:fontRef idx="minor">
-            <a:schemeClr val="tx1"/>
-          </a:fontRef>
-        </p:style>
-      </p:cxnSp>
-      <p:sp>
-        <p:nvSpPr>
-          <p:cNvPr id="2" name="TextBox 1"/>
-          <p:cNvSpPr txBox="1"/>
-          <p:nvPr/>
-        </p:nvSpPr>
-        <p:spPr>
-          <a:xfrm>
-            <a:off x="1018477" y="1766410"/>
-            <a:ext cx="1329378" cy="246221"/>
-          </a:xfrm>
-          <a:prstGeom prst="rect">
-            <a:avLst/>
-          </a:prstGeom>
-          <a:noFill/>
-        </p:spPr>
-        <p:txBody>
-          <a:bodyPr wrap="square" rtlCol="0">
-            <a:spAutoFit/>
-          </a:bodyPr>
-          <a:lstStyle/>
-          <a:p>
-            <a:r>
-              <a:rPr lang="ko-KR" altLang="en-US" sz="1000" dirty="0" err="1" smtClean="0"/>
-              <a:t>프로젝트만들기</a:t>
-            </a:r>
-            <a:endParaRPr lang="ko-KR" altLang="en-US" sz="1000" dirty="0"/>
-          </a:p>
-        </p:txBody>
-      </p:sp>
-      <p:sp>
-        <p:nvSpPr>
-          <p:cNvPr id="3" name="TextBox 2"/>
-          <p:cNvSpPr txBox="1"/>
-          <p:nvPr/>
-        </p:nvSpPr>
-        <p:spPr>
-          <a:xfrm>
-            <a:off x="1310238" y="2130189"/>
-            <a:ext cx="1152128" cy="261610"/>
-          </a:xfrm>
-          <a:prstGeom prst="rect">
-            <a:avLst/>
-          </a:prstGeom>
-          <a:noFill/>
-        </p:spPr>
-        <p:txBody>
-          <a:bodyPr wrap="square" rtlCol="0">
-            <a:spAutoFit/>
-          </a:bodyPr>
-          <a:lstStyle/>
-          <a:p>
-            <a:r>
-              <a:rPr lang="en-US" altLang="ko-KR" sz="1100" dirty="0" smtClean="0"/>
-              <a:t>1. </a:t>
-            </a:r>
-            <a:r>
-              <a:rPr lang="ko-KR" altLang="en-US" sz="1100" dirty="0" smtClean="0"/>
-              <a:t>기본정보</a:t>
-            </a:r>
-            <a:endParaRPr lang="ko-KR" altLang="en-US" sz="1100" dirty="0"/>
-          </a:p>
-        </p:txBody>
-      </p:sp>
-      <p:sp>
-        <p:nvSpPr>
-          <p:cNvPr id="9" name="TextBox 8"/>
-          <p:cNvSpPr txBox="1"/>
-          <p:nvPr/>
-        </p:nvSpPr>
-        <p:spPr>
-          <a:xfrm>
-            <a:off x="1310238" y="2391799"/>
-            <a:ext cx="1152128" cy="261610"/>
-          </a:xfrm>
-          <a:prstGeom prst="rect">
-            <a:avLst/>
-          </a:prstGeom>
-          <a:noFill/>
-        </p:spPr>
-        <p:txBody>
-          <a:bodyPr wrap="square" rtlCol="0">
-            <a:spAutoFit/>
-          </a:bodyPr>
-          <a:lstStyle/>
-          <a:p>
-            <a:r>
-              <a:rPr lang="en-US" altLang="ko-KR" sz="1100" dirty="0" smtClean="0"/>
-              <a:t>2. </a:t>
-            </a:r>
-            <a:r>
-              <a:rPr lang="ko-KR" altLang="en-US" sz="1100" dirty="0" smtClean="0"/>
-              <a:t>스토리</a:t>
-            </a:r>
-            <a:endParaRPr lang="ko-KR" altLang="en-US" sz="1100" dirty="0"/>
-          </a:p>
-        </p:txBody>
-      </p:sp>
-      <p:sp>
-        <p:nvSpPr>
-          <p:cNvPr id="10" name="TextBox 9"/>
-          <p:cNvSpPr txBox="1"/>
-          <p:nvPr/>
-        </p:nvSpPr>
-        <p:spPr>
-          <a:xfrm>
-            <a:off x="1310238" y="2645242"/>
-            <a:ext cx="1152128" cy="261610"/>
-          </a:xfrm>
-          <a:prstGeom prst="rect">
-            <a:avLst/>
-          </a:prstGeom>
-          <a:noFill/>
-        </p:spPr>
-        <p:txBody>
-          <a:bodyPr wrap="square" rtlCol="0">
-            <a:spAutoFit/>
-          </a:bodyPr>
-          <a:lstStyle/>
-          <a:p>
-            <a:r>
-              <a:rPr lang="en-US" altLang="ko-KR" sz="1100" dirty="0" smtClean="0">
-                <a:solidFill>
-                  <a:srgbClr val="FF0000"/>
-                </a:solidFill>
-              </a:rPr>
-              <a:t>3. </a:t>
-            </a:r>
-            <a:r>
-              <a:rPr lang="ko-KR" altLang="en-US" sz="1100" dirty="0" err="1" smtClean="0">
-                <a:solidFill>
-                  <a:srgbClr val="FF0000"/>
-                </a:solidFill>
-              </a:rPr>
-              <a:t>리워</a:t>
-            </a:r>
-            <a:r>
-              <a:rPr lang="ko-KR" altLang="en-US" sz="1100" dirty="0" err="1">
-                <a:solidFill>
-                  <a:srgbClr val="FF0000"/>
-                </a:solidFill>
-              </a:rPr>
-              <a:t>드</a:t>
-            </a:r>
-            <a:endParaRPr lang="ko-KR" altLang="en-US" sz="1100" dirty="0">
-              <a:solidFill>
-                <a:srgbClr val="FF0000"/>
-              </a:solidFill>
-            </a:endParaRPr>
-          </a:p>
-        </p:txBody>
-      </p:sp>
-      <p:sp>
-        <p:nvSpPr>
-          <p:cNvPr id="11" name="TextBox 10"/>
-          <p:cNvSpPr txBox="1"/>
-          <p:nvPr/>
-        </p:nvSpPr>
-        <p:spPr>
-          <a:xfrm>
-            <a:off x="1307491" y="2924437"/>
-            <a:ext cx="1952502" cy="261610"/>
-          </a:xfrm>
-          <a:prstGeom prst="rect">
-            <a:avLst/>
-          </a:prstGeom>
-          <a:noFill/>
-        </p:spPr>
-        <p:txBody>
-          <a:bodyPr wrap="square" rtlCol="0">
-            <a:spAutoFit/>
-          </a:bodyPr>
-          <a:lstStyle/>
-          <a:p>
-            <a:r>
-              <a:rPr lang="en-US" altLang="ko-KR" sz="1100" dirty="0"/>
-              <a:t>4</a:t>
-            </a:r>
-            <a:r>
-              <a:rPr lang="en-US" altLang="ko-KR" sz="1100" dirty="0" smtClean="0"/>
-              <a:t>. </a:t>
-            </a:r>
-            <a:r>
-              <a:rPr lang="ko-KR" altLang="en-US" sz="1100" dirty="0" smtClean="0"/>
-              <a:t>제작자</a:t>
-            </a:r>
-            <a:r>
-              <a:rPr lang="en-US" altLang="ko-KR" sz="1100" dirty="0" smtClean="0"/>
-              <a:t>/</a:t>
-            </a:r>
-            <a:r>
-              <a:rPr lang="ko-KR" altLang="en-US" sz="1100" dirty="0" smtClean="0"/>
-              <a:t>부가정보</a:t>
-            </a:r>
-            <a:endParaRPr lang="ko-KR" altLang="en-US" sz="1100" dirty="0"/>
-          </a:p>
-        </p:txBody>
-      </p:sp>
-      <p:sp>
-        <p:nvSpPr>
-          <p:cNvPr id="4" name="직사각형 3"/>
-          <p:cNvSpPr/>
-          <p:nvPr/>
-        </p:nvSpPr>
-        <p:spPr>
-          <a:xfrm>
-            <a:off x="1018477" y="1766411"/>
-            <a:ext cx="1887015" cy="1419637"/>
-          </a:xfrm>
-          <a:prstGeom prst="rect">
-            <a:avLst/>
-          </a:prstGeom>
-          <a:noFill/>
-          <a:ln>
-            <a:solidFill>
-              <a:schemeClr val="tx1"/>
-            </a:solidFill>
-          </a:ln>
-        </p:spPr>
-        <p:style>
-          <a:lnRef idx="2">
-            <a:schemeClr val="accent1">
-              <a:shade val="50000"/>
-            </a:schemeClr>
-          </a:lnRef>
-          <a:fillRef idx="1">
-            <a:schemeClr val="accent1"/>
-          </a:fillRef>
-          <a:effectRef idx="0">
-            <a:schemeClr val="accent1"/>
-          </a:effectRef>
-          <a:fontRef idx="minor">
-            <a:schemeClr val="lt1"/>
-          </a:fontRef>
-        </p:style>
-        <p:txBody>
-          <a:bodyPr rtlCol="0" anchor="ctr"/>
-          <a:lstStyle/>
-          <a:p>
-            <a:pPr algn="ctr"/>
-            <a:endParaRPr lang="ko-KR" altLang="en-US"/>
-          </a:p>
-        </p:txBody>
-      </p:sp>
-      <p:sp>
-        <p:nvSpPr>
-          <p:cNvPr id="6" name="직사각형 5"/>
-          <p:cNvSpPr/>
-          <p:nvPr/>
-        </p:nvSpPr>
-        <p:spPr>
-          <a:xfrm>
-            <a:off x="876293" y="1520570"/>
-            <a:ext cx="289014" cy="216024"/>
-          </a:xfrm>
-          <a:prstGeom prst="rect">
-            <a:avLst/>
-          </a:prstGeom>
-          <a:solidFill>
-            <a:srgbClr val="FF0000"/>
-          </a:solidFill>
-          <a:ln>
-            <a:solidFill>
-              <a:schemeClr val="tx1"/>
-            </a:solidFill>
-          </a:ln>
-        </p:spPr>
-        <p:style>
-          <a:lnRef idx="2">
-            <a:schemeClr val="accent1">
-              <a:shade val="50000"/>
-            </a:schemeClr>
-          </a:lnRef>
-          <a:fillRef idx="1">
-            <a:schemeClr val="accent1"/>
-          </a:fillRef>
-          <a:effectRef idx="0">
-            <a:schemeClr val="accent1"/>
-          </a:effectRef>
-          <a:fontRef idx="minor">
-            <a:schemeClr val="lt1"/>
-          </a:fontRef>
-        </p:style>
-        <p:txBody>
-          <a:bodyPr rtlCol="0" anchor="ctr"/>
-          <a:lstStyle/>
-          <a:p>
-            <a:pPr algn="ctr"/>
-            <a:r>
-              <a:rPr lang="en-US" altLang="ko-KR" sz="1200" dirty="0" smtClean="0">
-                <a:solidFill>
-                  <a:schemeClr val="tx1"/>
-                </a:solidFill>
-              </a:rPr>
-              <a:t>1</a:t>
-            </a:r>
-            <a:endParaRPr lang="ko-KR" altLang="en-US" sz="1200" dirty="0">
-              <a:solidFill>
-                <a:schemeClr val="tx1"/>
-              </a:solidFill>
-            </a:endParaRPr>
-          </a:p>
-        </p:txBody>
-      </p:sp>
-      <p:sp>
-        <p:nvSpPr>
-          <p:cNvPr id="12" name="직사각형 11"/>
-          <p:cNvSpPr/>
-          <p:nvPr/>
-        </p:nvSpPr>
-        <p:spPr>
-          <a:xfrm>
-            <a:off x="797627" y="1412776"/>
-            <a:ext cx="7514004" cy="5184576"/>
-          </a:xfrm>
-          <a:prstGeom prst="rect">
-            <a:avLst/>
-          </a:prstGeom>
-          <a:noFill/>
-          <a:ln>
-            <a:solidFill>
-              <a:schemeClr val="tx1"/>
-            </a:solidFill>
-          </a:ln>
-        </p:spPr>
-        <p:style>
-          <a:lnRef idx="2">
-            <a:schemeClr val="accent1">
-              <a:shade val="50000"/>
-            </a:schemeClr>
-          </a:lnRef>
-          <a:fillRef idx="1">
-            <a:schemeClr val="accent1"/>
-          </a:fillRef>
-          <a:effectRef idx="0">
-            <a:schemeClr val="accent1"/>
-          </a:effectRef>
-          <a:fontRef idx="minor">
-            <a:schemeClr val="lt1"/>
-          </a:fontRef>
-        </p:style>
-        <p:txBody>
-          <a:bodyPr rtlCol="0" anchor="ctr"/>
-          <a:lstStyle/>
-          <a:p>
-            <a:pPr algn="ctr"/>
-            <a:endParaRPr lang="ko-KR" altLang="en-US"/>
-          </a:p>
-        </p:txBody>
-      </p:sp>
-      <p:grpSp>
-        <p:nvGrpSpPr>
-          <p:cNvPr id="8" name="그룹 7"/>
-          <p:cNvGrpSpPr/>
-          <p:nvPr/>
-        </p:nvGrpSpPr>
-        <p:grpSpPr>
-          <a:xfrm>
-            <a:off x="3495427" y="1520570"/>
-            <a:ext cx="4373078" cy="4500718"/>
-            <a:chOff x="2840034" y="1520570"/>
-            <a:chExt cx="3553126" cy="4500718"/>
-          </a:xfrm>
-        </p:grpSpPr>
-        <p:sp>
-          <p:nvSpPr>
-            <p:cNvPr id="7" name="TextBox 6"/>
-            <p:cNvSpPr txBox="1"/>
-            <p:nvPr/>
-          </p:nvSpPr>
-          <p:spPr>
-            <a:xfrm>
-              <a:off x="2936776" y="1783849"/>
-              <a:ext cx="2448272" cy="276999"/>
-            </a:xfrm>
-            <a:prstGeom prst="rect">
-              <a:avLst/>
-            </a:prstGeom>
-            <a:noFill/>
-          </p:spPr>
-          <p:txBody>
-            <a:bodyPr wrap="square" rtlCol="0">
-              <a:spAutoFit/>
-            </a:bodyPr>
-            <a:lstStyle/>
-            <a:p>
-              <a:r>
-                <a:rPr lang="ko-KR" altLang="en-US" sz="1200" dirty="0" smtClean="0"/>
-                <a:t>등록된 </a:t>
-              </a:r>
-              <a:r>
-                <a:rPr lang="ko-KR" altLang="en-US" sz="1200" dirty="0" err="1" smtClean="0"/>
-                <a:t>리워드</a:t>
-              </a:r>
-              <a:r>
-                <a:rPr lang="ko-KR" altLang="en-US" sz="1200" dirty="0" smtClean="0"/>
-                <a:t> </a:t>
-              </a:r>
-              <a:r>
-                <a:rPr lang="ko-KR" altLang="en-US" sz="1200" dirty="0" err="1" smtClean="0"/>
-                <a:t>미리보기</a:t>
-              </a:r>
-              <a:endParaRPr lang="ko-KR" altLang="en-US" sz="900" dirty="0"/>
-            </a:p>
-          </p:txBody>
-        </p:sp>
-        <p:sp>
-          <p:nvSpPr>
-            <p:cNvPr id="28" name="직사각형 27"/>
-            <p:cNvSpPr/>
-            <p:nvPr/>
-          </p:nvSpPr>
-          <p:spPr>
-            <a:xfrm>
-              <a:off x="2840034" y="1520570"/>
-              <a:ext cx="234824" cy="216024"/>
-            </a:xfrm>
-            <a:prstGeom prst="rect">
-              <a:avLst/>
-            </a:prstGeom>
-            <a:solidFill>
-              <a:srgbClr val="FF0000"/>
-            </a:solidFill>
-            <a:ln>
-              <a:solidFill>
-                <a:schemeClr val="tx1"/>
-              </a:solidFill>
-            </a:ln>
-          </p:spPr>
-          <p:style>
-            <a:lnRef idx="2">
-              <a:schemeClr val="accent1">
-                <a:shade val="50000"/>
-              </a:schemeClr>
-            </a:lnRef>
-            <a:fillRef idx="1">
-              <a:schemeClr val="accent1"/>
-            </a:fillRef>
-            <a:effectRef idx="0">
-              <a:schemeClr val="accent1"/>
-            </a:effectRef>
-            <a:fontRef idx="minor">
-              <a:schemeClr val="lt1"/>
-            </a:fontRef>
-          </p:style>
-          <p:txBody>
-            <a:bodyPr rtlCol="0" anchor="ctr"/>
-            <a:lstStyle/>
-            <a:p>
-              <a:pPr algn="ctr"/>
-              <a:r>
-                <a:rPr lang="en-US" altLang="ko-KR" sz="1200" dirty="0">
-                  <a:solidFill>
-                    <a:schemeClr val="tx1"/>
-                  </a:solidFill>
-                </a:rPr>
-                <a:t>2</a:t>
-              </a:r>
-              <a:endParaRPr lang="ko-KR" altLang="en-US" sz="1200" dirty="0">
-                <a:solidFill>
-                  <a:schemeClr val="tx1"/>
-                </a:solidFill>
-              </a:endParaRPr>
-            </a:p>
-          </p:txBody>
-        </p:sp>
-        <p:sp>
-          <p:nvSpPr>
-            <p:cNvPr id="32" name="직사각형 31"/>
-            <p:cNvSpPr/>
-            <p:nvPr/>
-          </p:nvSpPr>
-          <p:spPr>
-            <a:xfrm>
-              <a:off x="3800872" y="2130188"/>
-              <a:ext cx="2592288" cy="3243027"/>
-            </a:xfrm>
-            <a:prstGeom prst="rect">
-              <a:avLst/>
-            </a:prstGeom>
-            <a:noFill/>
-            <a:ln>
-              <a:solidFill>
-                <a:schemeClr val="tx1"/>
-              </a:solidFill>
-            </a:ln>
-          </p:spPr>
-          <p:style>
-            <a:lnRef idx="2">
-              <a:schemeClr val="accent1">
-                <a:shade val="50000"/>
-              </a:schemeClr>
-            </a:lnRef>
-            <a:fillRef idx="1">
-              <a:schemeClr val="accent1"/>
-            </a:fillRef>
-            <a:effectRef idx="0">
-              <a:schemeClr val="accent1"/>
-            </a:effectRef>
-            <a:fontRef idx="minor">
-              <a:schemeClr val="lt1"/>
-            </a:fontRef>
-          </p:style>
-          <p:txBody>
-            <a:bodyPr rtlCol="0" anchor="ctr"/>
-            <a:lstStyle/>
-            <a:p>
-              <a:pPr algn="ctr"/>
-              <a:endParaRPr lang="ko-KR" altLang="en-US"/>
-            </a:p>
-          </p:txBody>
-        </p:sp>
-        <p:pic>
-          <p:nvPicPr>
-            <p:cNvPr id="2050" name="Picture 2" descr="C:\Users\ezen-033\Desktop\캡처.PNG"/>
-            <p:cNvPicPr>
-              <a:picLocks noChangeAspect="1" noChangeArrowheads="1"/>
-            </p:cNvPicPr>
-            <p:nvPr/>
-          </p:nvPicPr>
-          <p:blipFill>
-            <a:blip r:embed="rId3">
-              <a:extLst>
-                <a:ext uri="{28A0092B-C50C-407E-A947-70E740481C1C}">
-                  <a14:useLocalDpi xmlns:a14="http://schemas.microsoft.com/office/drawing/2010/main" val="0"/>
-                </a:ext>
-              </a:extLst>
-            </a:blip>
-            <a:srcRect/>
-            <a:stretch>
-              <a:fillRect/>
-            </a:stretch>
-          </p:blipFill>
-          <p:spPr bwMode="auto">
-            <a:xfrm>
-              <a:off x="3944888" y="2260994"/>
-              <a:ext cx="2232248" cy="2929363"/>
-            </a:xfrm>
-            <a:prstGeom prst="rect">
-              <a:avLst/>
-            </a:prstGeom>
-            <a:noFill/>
-            <a:extLst>
-              <a:ext uri="{909E8E84-426E-40DD-AFC4-6F175D3DCCD1}">
-                <a14:hiddenFill xmlns:a14="http://schemas.microsoft.com/office/drawing/2010/main">
-                  <a:solidFill>
-                    <a:srgbClr val="FFFFFF"/>
-                  </a:solidFill>
-                </a14:hiddenFill>
-              </a:ext>
-            </a:extLst>
-          </p:spPr>
-        </p:pic>
-        <p:sp>
-          <p:nvSpPr>
-            <p:cNvPr id="33" name="직사각형 32"/>
-            <p:cNvSpPr/>
-            <p:nvPr/>
-          </p:nvSpPr>
-          <p:spPr>
-            <a:xfrm>
-              <a:off x="3089184" y="5733256"/>
-              <a:ext cx="792088" cy="288032"/>
-            </a:xfrm>
-            <a:prstGeom prst="rect">
-              <a:avLst/>
-            </a:prstGeom>
-            <a:noFill/>
-            <a:ln>
-              <a:solidFill>
-                <a:schemeClr val="tx1"/>
-              </a:solidFill>
-            </a:ln>
-          </p:spPr>
-          <p:style>
-            <a:lnRef idx="2">
-              <a:schemeClr val="accent1">
-                <a:shade val="50000"/>
-              </a:schemeClr>
-            </a:lnRef>
-            <a:fillRef idx="1">
-              <a:schemeClr val="accent1"/>
-            </a:fillRef>
-            <a:effectRef idx="0">
-              <a:schemeClr val="accent1"/>
-            </a:effectRef>
-            <a:fontRef idx="minor">
-              <a:schemeClr val="lt1"/>
-            </a:fontRef>
-          </p:style>
-          <p:txBody>
-            <a:bodyPr rtlCol="0" anchor="ctr"/>
-            <a:lstStyle/>
-            <a:p>
-              <a:pPr algn="ctr"/>
-              <a:r>
-                <a:rPr lang="ko-KR" altLang="en-US" sz="1100" smtClean="0">
-                  <a:solidFill>
-                    <a:schemeClr val="tx1"/>
-                  </a:solidFill>
-                </a:rPr>
-                <a:t>다음단계</a:t>
-              </a:r>
-              <a:endParaRPr lang="ko-KR" altLang="en-US" sz="1100" dirty="0">
-                <a:solidFill>
-                  <a:schemeClr val="tx1"/>
-                </a:solidFill>
-              </a:endParaRPr>
-            </a:p>
-          </p:txBody>
-        </p:sp>
-      </p:grpSp>
-      <p:graphicFrame>
-        <p:nvGraphicFramePr>
-          <p:cNvPr id="36" name="Google Shape;92;g7c553259d1_0_3"/>
-          <p:cNvGraphicFramePr/>
-          <p:nvPr>
-            <p:extLst>
-              <p:ext uri="{D42A27DB-BD31-4B8C-83A1-F6EECF244321}">
-                <p14:modId xmlns:p14="http://schemas.microsoft.com/office/powerpoint/2010/main" val="1639534747"/>
-              </p:ext>
-            </p:extLst>
-          </p:nvPr>
-        </p:nvGraphicFramePr>
-        <p:xfrm>
-          <a:off x="131604" y="115759"/>
-          <a:ext cx="3693699" cy="960150"/>
-        </p:xfrm>
-        <a:graphic>
-          <a:graphicData uri="http://schemas.openxmlformats.org/drawingml/2006/table">
-            <a:tbl>
-              <a:tblPr firstRow="1" bandRow="1">
-                <a:noFill/>
-              </a:tblPr>
-              <a:tblGrid>
-                <a:gridCol w="1549025"/>
-                <a:gridCol w="2144674"/>
-              </a:tblGrid>
-              <a:tr h="271225">
-                <a:tc>
-                  <a:txBody>
-                    <a:bodyPr/>
-                    <a:lstStyle/>
-                    <a:p>
-                      <a:pPr marL="0" marR="0" lvl="0" indent="0" algn="ctr" rtl="0">
-                        <a:lnSpc>
-                          <a:spcPct val="100000"/>
-                        </a:lnSpc>
-                        <a:spcBef>
-                          <a:spcPts val="0"/>
-                        </a:spcBef>
-                        <a:spcAft>
-                          <a:spcPts val="0"/>
-                        </a:spcAft>
-                        <a:buClr>
-                          <a:srgbClr val="000000"/>
-                        </a:buClr>
-                        <a:buSzPts val="1500"/>
-                        <a:buFont typeface="Arial"/>
-                        <a:buNone/>
-                      </a:pPr>
-                      <a:r>
-                        <a:rPr lang="ko-KR" sz="1500" b="0" u="none" strike="noStrike" cap="none" dirty="0">
-                          <a:solidFill>
-                            <a:schemeClr val="dk1"/>
-                          </a:solidFill>
-                        </a:rPr>
-                        <a:t>화면코드</a:t>
-                      </a:r>
-                      <a:endParaRPr sz="1500" b="0" u="none" strike="noStrike" cap="none" dirty="0">
-                        <a:solidFill>
-                          <a:schemeClr val="dk1"/>
-                        </a:solidFill>
-                      </a:endParaRPr>
-                    </a:p>
-                  </a:txBody>
-                  <a:tcPr marL="91451" marR="91451" marT="45725" marB="45725" anchor="ctr">
-                    <a:lnL w="12700" cap="flat" cmpd="sng">
-                      <a:solidFill>
-                        <a:schemeClr val="dk1"/>
-                      </a:solidFill>
-                      <a:prstDash val="solid"/>
-                      <a:round/>
-                      <a:headEnd type="none" w="sm" len="sm"/>
-                      <a:tailEnd type="none" w="sm" len="sm"/>
-                    </a:lnL>
-                    <a:lnR w="12700" cap="flat" cmpd="sng">
-                      <a:solidFill>
-                        <a:schemeClr val="dk1"/>
-                      </a:solidFill>
-                      <a:prstDash val="solid"/>
-                      <a:round/>
-                      <a:headEnd type="none" w="sm" len="sm"/>
-                      <a:tailEnd type="none" w="sm" len="sm"/>
-                    </a:lnR>
-                    <a:lnT w="12700" cap="flat" cmpd="sng">
-                      <a:solidFill>
-                        <a:schemeClr val="dk1"/>
-                      </a:solidFill>
-                      <a:prstDash val="solid"/>
-                      <a:round/>
-                      <a:headEnd type="none" w="sm" len="sm"/>
-                      <a:tailEnd type="none" w="sm" len="sm"/>
-                    </a:lnT>
-                    <a:lnB w="12700" cap="flat" cmpd="sng">
-                      <a:solidFill>
-                        <a:schemeClr val="dk1"/>
-                      </a:solidFill>
-                      <a:prstDash val="solid"/>
-                      <a:round/>
-                      <a:headEnd type="none" w="sm" len="sm"/>
-                      <a:tailEnd type="none" w="sm" len="sm"/>
-                    </a:lnB>
-                    <a:solidFill>
-                      <a:srgbClr val="D8D8D8"/>
-                    </a:solidFill>
-                  </a:tcPr>
-                </a:tc>
-                <a:tc>
-                  <a:txBody>
-                    <a:bodyPr/>
-                    <a:lstStyle/>
-                    <a:p>
-                      <a:pPr marL="0" marR="0" lvl="0" indent="0" algn="ctr" rtl="0">
-                        <a:lnSpc>
-                          <a:spcPct val="100000"/>
-                        </a:lnSpc>
-                        <a:spcBef>
-                          <a:spcPts val="0"/>
-                        </a:spcBef>
-                        <a:spcAft>
-                          <a:spcPts val="0"/>
-                        </a:spcAft>
-                        <a:buClr>
-                          <a:srgbClr val="000000"/>
-                        </a:buClr>
-                        <a:buSzPts val="1500"/>
-                        <a:buFont typeface="Arial"/>
-                        <a:buNone/>
-                      </a:pPr>
-                      <a:r>
-                        <a:rPr lang="en-US" altLang="ko-KR" sz="1500" b="0" u="none" strike="noStrike" cap="none" baseline="0" dirty="0" smtClean="0">
-                          <a:solidFill>
-                            <a:schemeClr val="dk1"/>
-                          </a:solidFill>
-                        </a:rPr>
-                        <a:t> </a:t>
-                      </a:r>
-                      <a:r>
-                        <a:rPr lang="en-US" altLang="ko-KR" sz="1100" b="0" u="none" strike="noStrike" cap="none" baseline="0" dirty="0" err="1" smtClean="0">
-                          <a:solidFill>
-                            <a:schemeClr val="dk1"/>
-                          </a:solidFill>
-                        </a:rPr>
-                        <a:t>user_w_hj_make_reward</a:t>
-                      </a:r>
-                      <a:endParaRPr sz="1100" b="0" u="none" strike="noStrike" cap="none" dirty="0">
-                        <a:solidFill>
-                          <a:schemeClr val="dk1"/>
-                        </a:solidFill>
-                      </a:endParaRPr>
-                    </a:p>
-                  </a:txBody>
-                  <a:tcPr marL="91451" marR="91451" marT="45725" marB="45725" anchor="ctr">
-                    <a:lnL w="12700" cap="flat" cmpd="sng">
-                      <a:solidFill>
-                        <a:schemeClr val="dk1"/>
-                      </a:solidFill>
-                      <a:prstDash val="solid"/>
-                      <a:round/>
-                      <a:headEnd type="none" w="sm" len="sm"/>
-                      <a:tailEnd type="none" w="sm" len="sm"/>
-                    </a:lnL>
-                    <a:lnR w="12700" cap="flat" cmpd="sng">
-                      <a:solidFill>
-                        <a:schemeClr val="dk1"/>
-                      </a:solidFill>
-                      <a:prstDash val="solid"/>
-                      <a:round/>
-                      <a:headEnd type="none" w="sm" len="sm"/>
-                      <a:tailEnd type="none" w="sm" len="sm"/>
-                    </a:lnR>
-                    <a:lnT w="12700" cap="flat" cmpd="sng">
-                      <a:solidFill>
-                        <a:schemeClr val="dk1"/>
-                      </a:solidFill>
-                      <a:prstDash val="solid"/>
-                      <a:round/>
-                      <a:headEnd type="none" w="sm" len="sm"/>
-                      <a:tailEnd type="none" w="sm" len="sm"/>
-                    </a:lnT>
-                    <a:lnB w="12700" cap="flat" cmpd="sng">
-                      <a:solidFill>
-                        <a:schemeClr val="dk1"/>
-                      </a:solidFill>
-                      <a:prstDash val="solid"/>
-                      <a:round/>
-                      <a:headEnd type="none" w="sm" len="sm"/>
-                      <a:tailEnd type="none" w="sm" len="sm"/>
-                    </a:lnB>
-                    <a:solidFill>
-                      <a:schemeClr val="lt1"/>
-                    </a:solidFill>
-                  </a:tcPr>
-                </a:tc>
-              </a:tr>
-              <a:tr h="271225">
-                <a:tc rowSpan="2">
-                  <a:txBody>
-                    <a:bodyPr/>
-                    <a:lstStyle/>
-                    <a:p>
-                      <a:pPr marL="0" marR="0" lvl="0" indent="0" algn="ctr" rtl="0">
-                        <a:lnSpc>
-                          <a:spcPct val="100000"/>
-                        </a:lnSpc>
-                        <a:spcBef>
-                          <a:spcPts val="0"/>
-                        </a:spcBef>
-                        <a:spcAft>
-                          <a:spcPts val="0"/>
-                        </a:spcAft>
-                        <a:buClr>
-                          <a:srgbClr val="000000"/>
-                        </a:buClr>
-                        <a:buSzPts val="1500"/>
-                        <a:buFont typeface="Arial"/>
-                        <a:buNone/>
-                      </a:pPr>
-                      <a:r>
-                        <a:rPr lang="ko-KR" sz="1500" b="0" u="none" strike="noStrike" cap="none">
-                          <a:solidFill>
-                            <a:schemeClr val="dk1"/>
-                          </a:solidFill>
-                        </a:rPr>
-                        <a:t>화면명</a:t>
-                      </a:r>
-                      <a:endParaRPr sz="1500" b="0" u="none" strike="noStrike" cap="none">
-                        <a:solidFill>
-                          <a:schemeClr val="dk1"/>
-                        </a:solidFill>
-                      </a:endParaRPr>
-                    </a:p>
-                  </a:txBody>
-                  <a:tcPr marL="91451" marR="91451" marT="45725" marB="45725" anchor="ctr">
-                    <a:lnL w="12700" cap="flat" cmpd="sng">
-                      <a:solidFill>
-                        <a:schemeClr val="dk1"/>
-                      </a:solidFill>
-                      <a:prstDash val="solid"/>
-                      <a:round/>
-                      <a:headEnd type="none" w="sm" len="sm"/>
-                      <a:tailEnd type="none" w="sm" len="sm"/>
-                    </a:lnL>
-                    <a:lnR w="12700" cap="flat" cmpd="sng">
-                      <a:solidFill>
-                        <a:schemeClr val="dk1"/>
-                      </a:solidFill>
-                      <a:prstDash val="solid"/>
-                      <a:round/>
-                      <a:headEnd type="none" w="sm" len="sm"/>
-                      <a:tailEnd type="none" w="sm" len="sm"/>
-                    </a:lnR>
-                    <a:lnT w="12700" cap="flat" cmpd="sng">
-                      <a:solidFill>
-                        <a:schemeClr val="dk1"/>
-                      </a:solidFill>
-                      <a:prstDash val="solid"/>
-                      <a:round/>
-                      <a:headEnd type="none" w="sm" len="sm"/>
-                      <a:tailEnd type="none" w="sm" len="sm"/>
-                    </a:lnT>
-                    <a:lnB w="12700" cap="flat" cmpd="sng">
-                      <a:solidFill>
-                        <a:schemeClr val="dk1"/>
-                      </a:solidFill>
-                      <a:prstDash val="solid"/>
-                      <a:round/>
-                      <a:headEnd type="none" w="sm" len="sm"/>
-                      <a:tailEnd type="none" w="sm" len="sm"/>
-                    </a:lnB>
-                    <a:solidFill>
-                      <a:srgbClr val="D8D8D8"/>
-                    </a:solidFill>
-                  </a:tcPr>
-                </a:tc>
-                <a:tc>
-                  <a:txBody>
-                    <a:bodyPr/>
-                    <a:lstStyle/>
-                    <a:p>
-                      <a:pPr marL="0" marR="0" lvl="0" indent="0" algn="ctr" rtl="0">
-                        <a:lnSpc>
-                          <a:spcPct val="100000"/>
-                        </a:lnSpc>
-                        <a:spcBef>
-                          <a:spcPts val="0"/>
-                        </a:spcBef>
-                        <a:spcAft>
-                          <a:spcPts val="0"/>
-                        </a:spcAft>
-                        <a:buClr>
-                          <a:srgbClr val="000000"/>
-                        </a:buClr>
-                        <a:buSzPts val="1500"/>
-                        <a:buFont typeface="Arial"/>
-                        <a:buNone/>
-                      </a:pPr>
-                      <a:r>
-                        <a:rPr lang="ko-KR" altLang="en-US" sz="1500" b="0" u="none" strike="noStrike" cap="none" dirty="0" smtClean="0">
-                          <a:solidFill>
-                            <a:schemeClr val="dk1"/>
-                          </a:solidFill>
-                        </a:rPr>
-                        <a:t>프로젝트 등록</a:t>
-                      </a:r>
-                      <a:endParaRPr sz="1500" b="0" u="none" strike="noStrike" cap="none" dirty="0">
-                        <a:solidFill>
-                          <a:schemeClr val="dk1"/>
-                        </a:solidFill>
-                      </a:endParaRPr>
-                    </a:p>
-                  </a:txBody>
-                  <a:tcPr marL="91451" marR="91451" marT="45725" marB="45725" anchor="ctr">
-                    <a:lnL w="12700" cap="flat" cmpd="sng">
-                      <a:solidFill>
-                        <a:schemeClr val="dk1"/>
-                      </a:solidFill>
-                      <a:prstDash val="solid"/>
-                      <a:round/>
-                      <a:headEnd type="none" w="sm" len="sm"/>
-                      <a:tailEnd type="none" w="sm" len="sm"/>
-                    </a:lnL>
-                    <a:lnR w="12700" cap="flat" cmpd="sng">
-                      <a:solidFill>
-                        <a:schemeClr val="dk1"/>
-                      </a:solidFill>
-                      <a:prstDash val="solid"/>
-                      <a:round/>
-                      <a:headEnd type="none" w="sm" len="sm"/>
-                      <a:tailEnd type="none" w="sm" len="sm"/>
-                    </a:lnR>
-                    <a:lnT w="12700" cap="flat" cmpd="sng">
-                      <a:solidFill>
-                        <a:schemeClr val="dk1"/>
-                      </a:solidFill>
-                      <a:prstDash val="solid"/>
-                      <a:round/>
-                      <a:headEnd type="none" w="sm" len="sm"/>
-                      <a:tailEnd type="none" w="sm" len="sm"/>
-                    </a:lnT>
-                    <a:lnB w="12700" cap="flat" cmpd="sng">
-                      <a:solidFill>
-                        <a:schemeClr val="dk1"/>
-                      </a:solidFill>
-                      <a:prstDash val="solid"/>
-                      <a:round/>
-                      <a:headEnd type="none" w="sm" len="sm"/>
-                      <a:tailEnd type="none" w="sm" len="sm"/>
-                    </a:lnB>
-                    <a:solidFill>
-                      <a:schemeClr val="lt1"/>
-                    </a:solidFill>
-                  </a:tcPr>
-                </a:tc>
-              </a:tr>
-              <a:tr h="271225">
-                <a:tc vMerge="1">
-                  <a:txBody>
-                    <a:bodyPr/>
-                    <a:lstStyle/>
-                    <a:p>
-                      <a:endParaRPr lang="ko-KR"/>
-                    </a:p>
-                  </a:txBody>
-                  <a:tcPr/>
-                </a:tc>
-                <a:tc>
-                  <a:txBody>
-                    <a:bodyPr/>
-                    <a:lstStyle/>
-                    <a:p>
-                      <a:pPr marL="0" marR="0" lvl="0" indent="0" algn="ctr" rtl="0">
-                        <a:lnSpc>
-                          <a:spcPct val="100000"/>
-                        </a:lnSpc>
-                        <a:spcBef>
-                          <a:spcPts val="0"/>
-                        </a:spcBef>
-                        <a:spcAft>
-                          <a:spcPts val="0"/>
-                        </a:spcAft>
-                        <a:buClr>
-                          <a:srgbClr val="000000"/>
-                        </a:buClr>
-                        <a:buSzPts val="1500"/>
-                        <a:buFont typeface="Arial"/>
-                        <a:buNone/>
-                      </a:pPr>
-                      <a:r>
-                        <a:rPr lang="ko-KR" altLang="en-US" sz="1500" b="0" u="none" strike="noStrike" cap="none" dirty="0" smtClean="0">
-                          <a:solidFill>
-                            <a:schemeClr val="dk1"/>
-                          </a:solidFill>
-                        </a:rPr>
-                        <a:t>데스크톱</a:t>
-                      </a:r>
-                      <a:endParaRPr sz="1500" b="0" u="none" strike="noStrike" cap="none" dirty="0">
-                        <a:solidFill>
-                          <a:schemeClr val="dk1"/>
-                        </a:solidFill>
-                      </a:endParaRPr>
-                    </a:p>
-                  </a:txBody>
-                  <a:tcPr marL="91451" marR="91451" marT="45725" marB="45725" anchor="ctr">
-                    <a:lnL w="12700" cap="flat" cmpd="sng">
-                      <a:solidFill>
-                        <a:schemeClr val="dk1"/>
-                      </a:solidFill>
-                      <a:prstDash val="solid"/>
-                      <a:round/>
-                      <a:headEnd type="none" w="sm" len="sm"/>
-                      <a:tailEnd type="none" w="sm" len="sm"/>
-                    </a:lnL>
-                    <a:lnR w="12700" cap="flat" cmpd="sng">
-                      <a:solidFill>
-                        <a:schemeClr val="dk1"/>
-                      </a:solidFill>
-                      <a:prstDash val="solid"/>
-                      <a:round/>
-                      <a:headEnd type="none" w="sm" len="sm"/>
-                      <a:tailEnd type="none" w="sm" len="sm"/>
-                    </a:lnR>
-                    <a:lnT w="12700" cap="flat" cmpd="sng">
-                      <a:solidFill>
-                        <a:schemeClr val="dk1"/>
-                      </a:solidFill>
-                      <a:prstDash val="solid"/>
-                      <a:round/>
-                      <a:headEnd type="none" w="sm" len="sm"/>
-                      <a:tailEnd type="none" w="sm" len="sm"/>
-                    </a:lnT>
-                    <a:lnB w="12700" cap="flat" cmpd="sng">
-                      <a:solidFill>
-                        <a:schemeClr val="dk1"/>
-                      </a:solidFill>
-                      <a:prstDash val="solid"/>
-                      <a:round/>
-                      <a:headEnd type="none" w="sm" len="sm"/>
-                      <a:tailEnd type="none" w="sm" len="sm"/>
-                    </a:lnB>
-                    <a:solidFill>
-                      <a:schemeClr val="lt1"/>
-                    </a:solidFill>
-                  </a:tcPr>
-                </a:tc>
-              </a:tr>
-            </a:tbl>
-          </a:graphicData>
-        </a:graphic>
-      </p:graphicFrame>
-    </p:spTree>
-    <p:extLst>
-      <p:ext uri="{BB962C8B-B14F-4D97-AF65-F5344CB8AC3E}">
-        <p14:creationId xmlns:p14="http://schemas.microsoft.com/office/powerpoint/2010/main" val="1477392446"/>
-      </p:ext>
-    </p:extLst>
-  </p:cSld>
-  <p:clrMapOvr>
-    <a:masterClrMapping/>
-  </p:clrMapOvr>
-  <p:timing>
-    <p:tnLst>
-      <p:par>
-        <p:cTn id="1" dur="indefinite" restart="never" nodeType="tmRoot"/>
-      </p:par>
-    </p:tnLst>
-  </p:timing>
-</p:sld>
-</file>
-
-<file path=ppt/slides/slide8.xml><?xml version="1.0" encoding="utf-8"?>
-<p:sld xmlns:a="http://schemas.openxmlformats.org/drawingml/2006/main" xmlns:r="http://schemas.openxmlformats.org/officeDocument/2006/relationships" xmlns:p="http://schemas.openxmlformats.org/presentationml/2006/main">
-  <p:cSld>
-    <p:spTree>
-      <p:nvGrpSpPr>
-        <p:cNvPr id="1" name=""/>
-        <p:cNvGrpSpPr/>
-        <p:nvPr/>
-      </p:nvGrpSpPr>
-      <p:grpSpPr>
-        <a:xfrm>
-          <a:off x="0" y="0"/>
-          <a:ext cx="0" cy="0"/>
-          <a:chOff x="0" y="0"/>
-          <a:chExt cx="0" cy="0"/>
-        </a:xfrm>
-      </p:grpSpPr>
-      <p:pic>
-        <p:nvPicPr>
-          <p:cNvPr id="3074" name="Picture 2" descr="C:\Users\ezen-033\Desktop\3페이지1.PNG"/>
-          <p:cNvPicPr>
-            <a:picLocks noChangeAspect="1" noChangeArrowheads="1"/>
-          </p:cNvPicPr>
-          <p:nvPr/>
-        </p:nvPicPr>
-        <p:blipFill>
-          <a:blip r:embed="rId2">
-            <a:extLst>
-              <a:ext uri="{28A0092B-C50C-407E-A947-70E740481C1C}">
-                <a14:useLocalDpi xmlns:a14="http://schemas.microsoft.com/office/drawing/2010/main" val="0"/>
-              </a:ext>
-            </a:extLst>
-          </a:blip>
-          <a:srcRect/>
-          <a:stretch>
-            <a:fillRect/>
-          </a:stretch>
-        </p:blipFill>
-        <p:spPr bwMode="auto">
-          <a:xfrm>
-            <a:off x="625475" y="341313"/>
-            <a:ext cx="8854109" cy="5678487"/>
-          </a:xfrm>
-          <a:prstGeom prst="rect">
-            <a:avLst/>
-          </a:prstGeom>
-          <a:noFill/>
-          <a:extLst>
-            <a:ext uri="{909E8E84-426E-40DD-AFC4-6F175D3DCCD1}">
-              <a14:hiddenFill xmlns:a14="http://schemas.microsoft.com/office/drawing/2010/main">
-                <a:solidFill>
-                  <a:srgbClr val="FFFFFF"/>
-                </a:solidFill>
-              </a14:hiddenFill>
-            </a:ext>
-          </a:extLst>
-        </p:spPr>
-      </p:pic>
-    </p:spTree>
-    <p:extLst>
-      <p:ext uri="{BB962C8B-B14F-4D97-AF65-F5344CB8AC3E}">
-        <p14:creationId xmlns:p14="http://schemas.microsoft.com/office/powerpoint/2010/main" val="4274836394"/>
-      </p:ext>
-    </p:extLst>
-  </p:cSld>
-  <p:clrMapOvr>
-    <a:masterClrMapping/>
-  </p:clrMapOvr>
-</p:sld>
-</file>
-
-<file path=ppt/slides/slide9.xml><?xml version="1.0" encoding="utf-8"?>
-<p:sld xmlns:a="http://schemas.openxmlformats.org/drawingml/2006/main" xmlns:r="http://schemas.openxmlformats.org/officeDocument/2006/relationships" xmlns:p="http://schemas.openxmlformats.org/presentationml/2006/main">
-  <p:cSld>
-    <p:spTree>
-      <p:nvGrpSpPr>
-        <p:cNvPr id="1" name=""/>
-        <p:cNvGrpSpPr/>
-        <p:nvPr/>
-      </p:nvGrpSpPr>
-      <p:grpSpPr>
-        <a:xfrm>
-          <a:off x="0" y="0"/>
-          <a:ext cx="0" cy="0"/>
-          <a:chOff x="0" y="0"/>
-          <a:chExt cx="0" cy="0"/>
-        </a:xfrm>
-      </p:grpSpPr>
-      <p:pic>
-        <p:nvPicPr>
-          <p:cNvPr id="4098" name="Picture 2" descr="C:\Users\ezen-033\Desktop\3페이지2.PNG"/>
-          <p:cNvPicPr>
-            <a:picLocks noChangeAspect="1" noChangeArrowheads="1"/>
-          </p:cNvPicPr>
-          <p:nvPr/>
-        </p:nvPicPr>
-        <p:blipFill>
-          <a:blip r:embed="rId2">
-            <a:extLst>
-              <a:ext uri="{28A0092B-C50C-407E-A947-70E740481C1C}">
-                <a14:useLocalDpi xmlns:a14="http://schemas.microsoft.com/office/drawing/2010/main" val="0"/>
-              </a:ext>
-            </a:extLst>
-          </a:blip>
-          <a:srcRect/>
-          <a:stretch>
-            <a:fillRect/>
-          </a:stretch>
-        </p:blipFill>
-        <p:spPr bwMode="auto">
-          <a:xfrm>
-            <a:off x="222250" y="190500"/>
-            <a:ext cx="9315450" cy="6311794"/>
-          </a:xfrm>
-          <a:prstGeom prst="rect">
-            <a:avLst/>
-          </a:prstGeom>
-          <a:noFill/>
-          <a:extLst>
-            <a:ext uri="{909E8E84-426E-40DD-AFC4-6F175D3DCCD1}">
-              <a14:hiddenFill xmlns:a14="http://schemas.microsoft.com/office/drawing/2010/main">
-                <a:solidFill>
-                  <a:srgbClr val="FFFFFF"/>
-                </a:solidFill>
-              </a14:hiddenFill>
-            </a:ext>
-          </a:extLst>
-        </p:spPr>
-      </p:pic>
-      <p:pic>
-        <p:nvPicPr>
-          <p:cNvPr id="6146" name="Picture 2" descr="C:\Users\ezen-033\Desktop\sql4.PNG"/>
-          <p:cNvPicPr>
-            <a:picLocks noChangeAspect="1" noChangeArrowheads="1"/>
-          </p:cNvPicPr>
-          <p:nvPr/>
-        </p:nvPicPr>
-        <p:blipFill>
-          <a:blip r:embed="rId3">
-            <a:extLst>
-              <a:ext uri="{28A0092B-C50C-407E-A947-70E740481C1C}">
-                <a14:useLocalDpi xmlns:a14="http://schemas.microsoft.com/office/drawing/2010/main" val="0"/>
-              </a:ext>
-            </a:extLst>
-          </a:blip>
-          <a:srcRect/>
-          <a:stretch>
-            <a:fillRect/>
-          </a:stretch>
-        </p:blipFill>
-        <p:spPr bwMode="auto">
-          <a:xfrm>
-            <a:off x="222250" y="5791200"/>
-            <a:ext cx="11850688" cy="809625"/>
-          </a:xfrm>
-          <a:prstGeom prst="rect">
-            <a:avLst/>
-          </a:prstGeom>
-          <a:noFill/>
-          <a:extLst>
-            <a:ext uri="{909E8E84-426E-40DD-AFC4-6F175D3DCCD1}">
-              <a14:hiddenFill xmlns:a14="http://schemas.microsoft.com/office/drawing/2010/main">
-                <a:solidFill>
-                  <a:srgbClr val="FFFFFF"/>
-                </a:solidFill>
-              </a14:hiddenFill>
-            </a:ext>
-          </a:extLst>
-        </p:spPr>
-      </p:pic>
-    </p:spTree>
-    <p:extLst>
-      <p:ext uri="{BB962C8B-B14F-4D97-AF65-F5344CB8AC3E}">
-        <p14:creationId xmlns:p14="http://schemas.microsoft.com/office/powerpoint/2010/main" val="906579541"/>
-      </p:ext>
-    </p:extLst>
-  </p:cSld>
-  <p:clrMapOvr>
-    <a:masterClrMapping/>
-  </p:clrMapOvr>
-</p:sld>
-</file>
-
 <file path=ppt/theme/theme1.xml><?xml version="1.0" encoding="utf-8"?>
 <a:theme xmlns:a="http://schemas.openxmlformats.org/drawingml/2006/main" name="Office 테마">
   <a:themeElements>
@@ -21449,7 +25397,7 @@
   <a:extraClrSchemeLst/>
   <a:extLst>
     <a:ext uri="{05A4C25C-085E-4340-85A3-A5531E510DB2}">
-      <thm15:themeFamily xmlns:thm15="http://schemas.microsoft.com/office/thememl/2012/main" xmlns="" name="Office Theme" id="{62F939B6-93AF-4DB8-9C6B-D6C7DFDC589F}" vid="{4A3C46E8-61CC-4603-A589-7422A47A8E4A}"/>
+      <thm15:themeFamily xmlns="" xmlns:thm15="http://schemas.microsoft.com/office/thememl/2012/main" name="Office Theme" id="{62F939B6-93AF-4DB8-9C6B-D6C7DFDC589F}" vid="{4A3C46E8-61CC-4603-A589-7422A47A8E4A}"/>
     </a:ext>
   </a:extLst>
 </a:theme>
@@ -21710,7 +25658,7 @@
   <a:extraClrSchemeLst/>
   <a:extLst>
     <a:ext uri="{05A4C25C-085E-4340-85A3-A5531E510DB2}">
-      <thm15:themeFamily xmlns:thm15="http://schemas.microsoft.com/office/thememl/2012/main" xmlns="" name="Office Theme" id="{62F939B6-93AF-4DB8-9C6B-D6C7DFDC589F}" vid="{4A3C46E8-61CC-4603-A589-7422A47A8E4A}"/>
+      <thm15:themeFamily xmlns="" xmlns:thm15="http://schemas.microsoft.com/office/thememl/2012/main" name="Office Theme" id="{62F939B6-93AF-4DB8-9C6B-D6C7DFDC589F}" vid="{4A3C46E8-61CC-4603-A589-7422A47A8E4A}"/>
     </a:ext>
   </a:extLst>
 </a:theme>
